--- a/2023-04-26 - Building a serverless Discord bot/PowerShell Summit 2023 - Serverless Discord bot.pptx
+++ b/2023-04-26 - Building a serverless Discord bot/PowerShell Summit 2023 - Serverless Discord bot.pptx
@@ -8,8 +8,17 @@
     <p:sldId id="256" r:id="rId2"/>
     <p:sldId id="257" r:id="rId3"/>
     <p:sldId id="272" r:id="rId4"/>
-    <p:sldId id="271" r:id="rId5"/>
-    <p:sldId id="268" r:id="rId6"/>
+    <p:sldId id="273" r:id="rId5"/>
+    <p:sldId id="271" r:id="rId6"/>
+    <p:sldId id="268" r:id="rId7"/>
+    <p:sldId id="274" r:id="rId8"/>
+    <p:sldId id="280" r:id="rId9"/>
+    <p:sldId id="277" r:id="rId10"/>
+    <p:sldId id="278" r:id="rId11"/>
+    <p:sldId id="279" r:id="rId12"/>
+    <p:sldId id="281" r:id="rId13"/>
+    <p:sldId id="282" r:id="rId14"/>
+    <p:sldId id="283" r:id="rId15"/>
   </p:sldIdLst>
   <p:sldSz cx="12192000" cy="6858000"/>
   <p:notesSz cx="6858000" cy="9144000"/>
@@ -263,7 +272,7 @@
           <a:p>
             <a:fld id="{D46B952B-F692-4DD1-9678-FCDA40C3FC40}" type="datetimeFigureOut">
               <a:rPr lang="en-US" smtClean="0"/>
-              <a:t>3/19/2023</a:t>
+              <a:t>3/21/2023</a:t>
             </a:fld>
             <a:endParaRPr lang="en-US"/>
           </a:p>
@@ -461,7 +470,7 @@
           <a:p>
             <a:fld id="{D46B952B-F692-4DD1-9678-FCDA40C3FC40}" type="datetimeFigureOut">
               <a:rPr lang="en-US" smtClean="0"/>
-              <a:t>3/19/2023</a:t>
+              <a:t>3/21/2023</a:t>
             </a:fld>
             <a:endParaRPr lang="en-US"/>
           </a:p>
@@ -669,7 +678,7 @@
           <a:p>
             <a:fld id="{D46B952B-F692-4DD1-9678-FCDA40C3FC40}" type="datetimeFigureOut">
               <a:rPr lang="en-US" smtClean="0"/>
-              <a:t>3/19/2023</a:t>
+              <a:t>3/21/2023</a:t>
             </a:fld>
             <a:endParaRPr lang="en-US"/>
           </a:p>
@@ -867,7 +876,7 @@
           <a:p>
             <a:fld id="{D46B952B-F692-4DD1-9678-FCDA40C3FC40}" type="datetimeFigureOut">
               <a:rPr lang="en-US" smtClean="0"/>
-              <a:t>3/19/2023</a:t>
+              <a:t>3/21/2023</a:t>
             </a:fld>
             <a:endParaRPr lang="en-US"/>
           </a:p>
@@ -1142,7 +1151,7 @@
           <a:p>
             <a:fld id="{D46B952B-F692-4DD1-9678-FCDA40C3FC40}" type="datetimeFigureOut">
               <a:rPr lang="en-US" smtClean="0"/>
-              <a:t>3/19/2023</a:t>
+              <a:t>3/21/2023</a:t>
             </a:fld>
             <a:endParaRPr lang="en-US"/>
           </a:p>
@@ -1407,7 +1416,7 @@
           <a:p>
             <a:fld id="{D46B952B-F692-4DD1-9678-FCDA40C3FC40}" type="datetimeFigureOut">
               <a:rPr lang="en-US" smtClean="0"/>
-              <a:t>3/19/2023</a:t>
+              <a:t>3/21/2023</a:t>
             </a:fld>
             <a:endParaRPr lang="en-US"/>
           </a:p>
@@ -1819,7 +1828,7 @@
           <a:p>
             <a:fld id="{D46B952B-F692-4DD1-9678-FCDA40C3FC40}" type="datetimeFigureOut">
               <a:rPr lang="en-US" smtClean="0"/>
-              <a:t>3/19/2023</a:t>
+              <a:t>3/21/2023</a:t>
             </a:fld>
             <a:endParaRPr lang="en-US"/>
           </a:p>
@@ -1960,7 +1969,7 @@
           <a:p>
             <a:fld id="{D46B952B-F692-4DD1-9678-FCDA40C3FC40}" type="datetimeFigureOut">
               <a:rPr lang="en-US" smtClean="0"/>
-              <a:t>3/19/2023</a:t>
+              <a:t>3/21/2023</a:t>
             </a:fld>
             <a:endParaRPr lang="en-US"/>
           </a:p>
@@ -2073,7 +2082,7 @@
           <a:p>
             <a:fld id="{D46B952B-F692-4DD1-9678-FCDA40C3FC40}" type="datetimeFigureOut">
               <a:rPr lang="en-US" smtClean="0"/>
-              <a:t>3/19/2023</a:t>
+              <a:t>3/21/2023</a:t>
             </a:fld>
             <a:endParaRPr lang="en-US"/>
           </a:p>
@@ -2384,7 +2393,7 @@
           <a:p>
             <a:fld id="{D46B952B-F692-4DD1-9678-FCDA40C3FC40}" type="datetimeFigureOut">
               <a:rPr lang="en-US" smtClean="0"/>
-              <a:t>3/19/2023</a:t>
+              <a:t>3/21/2023</a:t>
             </a:fld>
             <a:endParaRPr lang="en-US"/>
           </a:p>
@@ -2672,7 +2681,7 @@
           <a:p>
             <a:fld id="{D46B952B-F692-4DD1-9678-FCDA40C3FC40}" type="datetimeFigureOut">
               <a:rPr lang="en-US" smtClean="0"/>
-              <a:t>3/19/2023</a:t>
+              <a:t>3/21/2023</a:t>
             </a:fld>
             <a:endParaRPr lang="en-US"/>
           </a:p>
@@ -2922,7 +2931,7 @@
           <a:p>
             <a:fld id="{D46B952B-F692-4DD1-9678-FCDA40C3FC40}" type="datetimeFigureOut">
               <a:rPr lang="en-US" smtClean="0"/>
-              <a:t>3/19/2023</a:t>
+              <a:t>3/21/2023</a:t>
             </a:fld>
             <a:endParaRPr lang="en-US"/>
           </a:p>
@@ -3427,6 +3436,438 @@
 </p:sld>
 </file>
 
+<file path=ppt/slides/slide10.xml><?xml version="1.0" encoding="utf-8"?>
+<p:sld xmlns:a="http://schemas.openxmlformats.org/drawingml/2006/main" xmlns:r="http://schemas.openxmlformats.org/officeDocument/2006/relationships" xmlns:p="http://schemas.openxmlformats.org/presentationml/2006/main">
+  <p:cSld>
+    <p:spTree>
+      <p:nvGrpSpPr>
+        <p:cNvPr id="1" name=""/>
+        <p:cNvGrpSpPr/>
+        <p:nvPr/>
+      </p:nvGrpSpPr>
+      <p:grpSpPr>
+        <a:xfrm>
+          <a:off x="0" y="0"/>
+          <a:ext cx="0" cy="0"/>
+          <a:chOff x="0" y="0"/>
+          <a:chExt cx="0" cy="0"/>
+        </a:xfrm>
+      </p:grpSpPr>
+      <p:sp>
+        <p:nvSpPr>
+          <p:cNvPr id="2" name="Title 1">
+            <a:extLst>
+              <a:ext uri="{FF2B5EF4-FFF2-40B4-BE49-F238E27FC236}">
+                <a16:creationId xmlns:a16="http://schemas.microsoft.com/office/drawing/2014/main" id="{63AB74DE-18BA-8DA5-5D43-F4EE68301F79}"/>
+              </a:ext>
+            </a:extLst>
+          </p:cNvPr>
+          <p:cNvSpPr>
+            <a:spLocks noGrp="1"/>
+          </p:cNvSpPr>
+          <p:nvPr>
+            <p:ph type="title"/>
+          </p:nvPr>
+        </p:nvSpPr>
+        <p:spPr/>
+        <p:txBody>
+          <a:bodyPr/>
+          <a:lstStyle/>
+          <a:p>
+            <a:r>
+              <a:rPr lang="en-US" dirty="0"/>
+              <a:t>Azure Function Workflow</a:t>
+            </a:r>
+          </a:p>
+        </p:txBody>
+      </p:sp>
+      <p:sp>
+        <p:nvSpPr>
+          <p:cNvPr id="3" name="Text Placeholder 2">
+            <a:extLst>
+              <a:ext uri="{FF2B5EF4-FFF2-40B4-BE49-F238E27FC236}">
+                <a16:creationId xmlns:a16="http://schemas.microsoft.com/office/drawing/2014/main" id="{6C2E6340-1E8E-E006-C098-43CFA47CB128}"/>
+              </a:ext>
+            </a:extLst>
+          </p:cNvPr>
+          <p:cNvSpPr>
+            <a:spLocks noGrp="1"/>
+          </p:cNvSpPr>
+          <p:nvPr>
+            <p:ph type="body" idx="1"/>
+          </p:nvPr>
+        </p:nvSpPr>
+        <p:spPr/>
+        <p:txBody>
+          <a:bodyPr/>
+          <a:lstStyle/>
+          <a:p>
+            <a:endParaRPr lang="en-US"/>
+          </a:p>
+        </p:txBody>
+      </p:sp>
+    </p:spTree>
+    <p:extLst>
+      <p:ext uri="{BB962C8B-B14F-4D97-AF65-F5344CB8AC3E}">
+        <p14:creationId xmlns:p14="http://schemas.microsoft.com/office/powerpoint/2010/main" val="3640973236"/>
+      </p:ext>
+    </p:extLst>
+  </p:cSld>
+  <p:clrMapOvr>
+    <a:masterClrMapping/>
+  </p:clrMapOvr>
+</p:sld>
+</file>
+
+<file path=ppt/slides/slide11.xml><?xml version="1.0" encoding="utf-8"?>
+<p:sld xmlns:a="http://schemas.openxmlformats.org/drawingml/2006/main" xmlns:r="http://schemas.openxmlformats.org/officeDocument/2006/relationships" xmlns:p="http://schemas.openxmlformats.org/presentationml/2006/main">
+  <p:cSld>
+    <p:spTree>
+      <p:nvGrpSpPr>
+        <p:cNvPr id="1" name=""/>
+        <p:cNvGrpSpPr/>
+        <p:nvPr/>
+      </p:nvGrpSpPr>
+      <p:grpSpPr>
+        <a:xfrm>
+          <a:off x="0" y="0"/>
+          <a:ext cx="0" cy="0"/>
+          <a:chOff x="0" y="0"/>
+          <a:chExt cx="0" cy="0"/>
+        </a:xfrm>
+      </p:grpSpPr>
+      <p:sp>
+        <p:nvSpPr>
+          <p:cNvPr id="2" name="Title 1">
+            <a:extLst>
+              <a:ext uri="{FF2B5EF4-FFF2-40B4-BE49-F238E27FC236}">
+                <a16:creationId xmlns:a16="http://schemas.microsoft.com/office/drawing/2014/main" id="{9A93054A-57C7-C260-5669-95E823B766BB}"/>
+              </a:ext>
+            </a:extLst>
+          </p:cNvPr>
+          <p:cNvSpPr>
+            <a:spLocks noGrp="1"/>
+          </p:cNvSpPr>
+          <p:nvPr>
+            <p:ph type="title"/>
+          </p:nvPr>
+        </p:nvSpPr>
+        <p:spPr/>
+        <p:txBody>
+          <a:bodyPr/>
+          <a:lstStyle/>
+          <a:p>
+            <a:endParaRPr lang="en-US"/>
+          </a:p>
+        </p:txBody>
+      </p:sp>
+      <p:pic>
+        <p:nvPicPr>
+          <p:cNvPr id="5" name="Content Placeholder 4" descr="Diagram&#10;&#10;Description automatically generated">
+            <a:extLst>
+              <a:ext uri="{FF2B5EF4-FFF2-40B4-BE49-F238E27FC236}">
+                <a16:creationId xmlns:a16="http://schemas.microsoft.com/office/drawing/2014/main" id="{E2DF0D96-5F90-FD81-7491-8713C929FB84}"/>
+              </a:ext>
+            </a:extLst>
+          </p:cNvPr>
+          <p:cNvPicPr>
+            <a:picLocks noGrp="1" noChangeAspect="1"/>
+          </p:cNvPicPr>
+          <p:nvPr>
+            <p:ph idx="1"/>
+          </p:nvPr>
+        </p:nvPicPr>
+        <p:blipFill>
+          <a:blip r:embed="rId2">
+            <a:extLst>
+              <a:ext uri="{28A0092B-C50C-407E-A947-70E740481C1C}">
+                <a14:useLocalDpi xmlns:a14="http://schemas.microsoft.com/office/drawing/2010/main" val="0"/>
+              </a:ext>
+            </a:extLst>
+          </a:blip>
+          <a:stretch>
+            <a:fillRect/>
+          </a:stretch>
+        </p:blipFill>
+        <p:spPr>
+          <a:xfrm>
+            <a:off x="838199" y="971551"/>
+            <a:ext cx="10522927" cy="4972844"/>
+          </a:xfrm>
+        </p:spPr>
+      </p:pic>
+    </p:spTree>
+    <p:extLst>
+      <p:ext uri="{BB962C8B-B14F-4D97-AF65-F5344CB8AC3E}">
+        <p14:creationId xmlns:p14="http://schemas.microsoft.com/office/powerpoint/2010/main" val="4153132047"/>
+      </p:ext>
+    </p:extLst>
+  </p:cSld>
+  <p:clrMapOvr>
+    <a:masterClrMapping/>
+  </p:clrMapOvr>
+</p:sld>
+</file>
+
+<file path=ppt/slides/slide12.xml><?xml version="1.0" encoding="utf-8"?>
+<p:sld xmlns:a="http://schemas.openxmlformats.org/drawingml/2006/main" xmlns:r="http://schemas.openxmlformats.org/officeDocument/2006/relationships" xmlns:p="http://schemas.openxmlformats.org/presentationml/2006/main">
+  <p:cSld>
+    <p:spTree>
+      <p:nvGrpSpPr>
+        <p:cNvPr id="1" name=""/>
+        <p:cNvGrpSpPr/>
+        <p:nvPr/>
+      </p:nvGrpSpPr>
+      <p:grpSpPr>
+        <a:xfrm>
+          <a:off x="0" y="0"/>
+          <a:ext cx="0" cy="0"/>
+          <a:chOff x="0" y="0"/>
+          <a:chExt cx="0" cy="0"/>
+        </a:xfrm>
+      </p:grpSpPr>
+      <p:sp>
+        <p:nvSpPr>
+          <p:cNvPr id="2" name="Title 1">
+            <a:extLst>
+              <a:ext uri="{FF2B5EF4-FFF2-40B4-BE49-F238E27FC236}">
+                <a16:creationId xmlns:a16="http://schemas.microsoft.com/office/drawing/2014/main" id="{18133B67-FEE0-DF4C-4D80-404858A55DF3}"/>
+              </a:ext>
+            </a:extLst>
+          </p:cNvPr>
+          <p:cNvSpPr>
+            <a:spLocks noGrp="1"/>
+          </p:cNvSpPr>
+          <p:nvPr>
+            <p:ph type="title"/>
+          </p:nvPr>
+        </p:nvSpPr>
+        <p:spPr/>
+        <p:txBody>
+          <a:bodyPr/>
+          <a:lstStyle/>
+          <a:p>
+            <a:endParaRPr lang="en-US" dirty="0"/>
+          </a:p>
+        </p:txBody>
+      </p:sp>
+      <p:sp>
+        <p:nvSpPr>
+          <p:cNvPr id="3" name="Text Placeholder 2">
+            <a:extLst>
+              <a:ext uri="{FF2B5EF4-FFF2-40B4-BE49-F238E27FC236}">
+                <a16:creationId xmlns:a16="http://schemas.microsoft.com/office/drawing/2014/main" id="{B371DC88-83BE-A49F-AF45-9FE8B3584FA9}"/>
+              </a:ext>
+            </a:extLst>
+          </p:cNvPr>
+          <p:cNvSpPr>
+            <a:spLocks noGrp="1"/>
+          </p:cNvSpPr>
+          <p:nvPr>
+            <p:ph type="body" idx="1"/>
+          </p:nvPr>
+        </p:nvSpPr>
+        <p:spPr/>
+        <p:txBody>
+          <a:bodyPr/>
+          <a:lstStyle/>
+          <a:p>
+            <a:r>
+              <a:rPr lang="en-US" dirty="0">
+                <a:solidFill>
+                  <a:schemeClr val="tx1"/>
+                </a:solidFill>
+                <a:latin typeface="Consolas" panose="020B0609020204030204" pitchFamily="49" charset="0"/>
+              </a:rPr>
+              <a:t>Azure Function code demo…</a:t>
+            </a:r>
+          </a:p>
+        </p:txBody>
+      </p:sp>
+    </p:spTree>
+    <p:extLst>
+      <p:ext uri="{BB962C8B-B14F-4D97-AF65-F5344CB8AC3E}">
+        <p14:creationId xmlns:p14="http://schemas.microsoft.com/office/powerpoint/2010/main" val="3960244462"/>
+      </p:ext>
+    </p:extLst>
+  </p:cSld>
+  <p:clrMapOvr>
+    <a:masterClrMapping/>
+  </p:clrMapOvr>
+</p:sld>
+</file>
+
+<file path=ppt/slides/slide13.xml><?xml version="1.0" encoding="utf-8"?>
+<p:sld xmlns:a="http://schemas.openxmlformats.org/drawingml/2006/main" xmlns:r="http://schemas.openxmlformats.org/officeDocument/2006/relationships" xmlns:p="http://schemas.openxmlformats.org/presentationml/2006/main">
+  <p:cSld>
+    <p:spTree>
+      <p:nvGrpSpPr>
+        <p:cNvPr id="1" name=""/>
+        <p:cNvGrpSpPr/>
+        <p:nvPr/>
+      </p:nvGrpSpPr>
+      <p:grpSpPr>
+        <a:xfrm>
+          <a:off x="0" y="0"/>
+          <a:ext cx="0" cy="0"/>
+          <a:chOff x="0" y="0"/>
+          <a:chExt cx="0" cy="0"/>
+        </a:xfrm>
+      </p:grpSpPr>
+      <p:sp>
+        <p:nvSpPr>
+          <p:cNvPr id="2" name="Title 1">
+            <a:extLst>
+              <a:ext uri="{FF2B5EF4-FFF2-40B4-BE49-F238E27FC236}">
+                <a16:creationId xmlns:a16="http://schemas.microsoft.com/office/drawing/2014/main" id="{FBECC900-50CE-6143-BD63-0FD41482F713}"/>
+              </a:ext>
+            </a:extLst>
+          </p:cNvPr>
+          <p:cNvSpPr>
+            <a:spLocks noGrp="1"/>
+          </p:cNvSpPr>
+          <p:nvPr>
+            <p:ph type="title"/>
+          </p:nvPr>
+        </p:nvSpPr>
+        <p:spPr/>
+        <p:txBody>
+          <a:bodyPr/>
+          <a:lstStyle/>
+          <a:p>
+            <a:r>
+              <a:rPr lang="en-US" dirty="0"/>
+              <a:t>Adding Commands</a:t>
+            </a:r>
+          </a:p>
+        </p:txBody>
+      </p:sp>
+      <p:sp>
+        <p:nvSpPr>
+          <p:cNvPr id="3" name="Text Placeholder 2">
+            <a:extLst>
+              <a:ext uri="{FF2B5EF4-FFF2-40B4-BE49-F238E27FC236}">
+                <a16:creationId xmlns:a16="http://schemas.microsoft.com/office/drawing/2014/main" id="{F94C90DE-EBD1-BFFB-B969-40F7A7127CF4}"/>
+              </a:ext>
+            </a:extLst>
+          </p:cNvPr>
+          <p:cNvSpPr>
+            <a:spLocks noGrp="1"/>
+          </p:cNvSpPr>
+          <p:nvPr>
+            <p:ph type="body" idx="1"/>
+          </p:nvPr>
+        </p:nvSpPr>
+        <p:spPr/>
+        <p:txBody>
+          <a:bodyPr/>
+          <a:lstStyle/>
+          <a:p>
+            <a:endParaRPr lang="en-US"/>
+          </a:p>
+        </p:txBody>
+      </p:sp>
+    </p:spTree>
+    <p:extLst>
+      <p:ext uri="{BB962C8B-B14F-4D97-AF65-F5344CB8AC3E}">
+        <p14:creationId xmlns:p14="http://schemas.microsoft.com/office/powerpoint/2010/main" val="3143325720"/>
+      </p:ext>
+    </p:extLst>
+  </p:cSld>
+  <p:clrMapOvr>
+    <a:masterClrMapping/>
+  </p:clrMapOvr>
+</p:sld>
+</file>
+
+<file path=ppt/slides/slide14.xml><?xml version="1.0" encoding="utf-8"?>
+<p:sld xmlns:a="http://schemas.openxmlformats.org/drawingml/2006/main" xmlns:r="http://schemas.openxmlformats.org/officeDocument/2006/relationships" xmlns:p="http://schemas.openxmlformats.org/presentationml/2006/main">
+  <p:cSld>
+    <p:spTree>
+      <p:nvGrpSpPr>
+        <p:cNvPr id="1" name=""/>
+        <p:cNvGrpSpPr/>
+        <p:nvPr/>
+      </p:nvGrpSpPr>
+      <p:grpSpPr>
+        <a:xfrm>
+          <a:off x="0" y="0"/>
+          <a:ext cx="0" cy="0"/>
+          <a:chOff x="0" y="0"/>
+          <a:chExt cx="0" cy="0"/>
+        </a:xfrm>
+      </p:grpSpPr>
+      <p:sp>
+        <p:nvSpPr>
+          <p:cNvPr id="2" name="Title 1">
+            <a:extLst>
+              <a:ext uri="{FF2B5EF4-FFF2-40B4-BE49-F238E27FC236}">
+                <a16:creationId xmlns:a16="http://schemas.microsoft.com/office/drawing/2014/main" id="{18133B67-FEE0-DF4C-4D80-404858A55DF3}"/>
+              </a:ext>
+            </a:extLst>
+          </p:cNvPr>
+          <p:cNvSpPr>
+            <a:spLocks noGrp="1"/>
+          </p:cNvSpPr>
+          <p:nvPr>
+            <p:ph type="title"/>
+          </p:nvPr>
+        </p:nvSpPr>
+        <p:spPr/>
+        <p:txBody>
+          <a:bodyPr/>
+          <a:lstStyle/>
+          <a:p>
+            <a:endParaRPr lang="en-US" dirty="0"/>
+          </a:p>
+        </p:txBody>
+      </p:sp>
+      <p:sp>
+        <p:nvSpPr>
+          <p:cNvPr id="3" name="Text Placeholder 2">
+            <a:extLst>
+              <a:ext uri="{FF2B5EF4-FFF2-40B4-BE49-F238E27FC236}">
+                <a16:creationId xmlns:a16="http://schemas.microsoft.com/office/drawing/2014/main" id="{B371DC88-83BE-A49F-AF45-9FE8B3584FA9}"/>
+              </a:ext>
+            </a:extLst>
+          </p:cNvPr>
+          <p:cNvSpPr>
+            <a:spLocks noGrp="1"/>
+          </p:cNvSpPr>
+          <p:nvPr>
+            <p:ph type="body" idx="1"/>
+          </p:nvPr>
+        </p:nvSpPr>
+        <p:spPr/>
+        <p:txBody>
+          <a:bodyPr/>
+          <a:lstStyle/>
+          <a:p>
+            <a:r>
+              <a:rPr lang="en-US" dirty="0">
+                <a:solidFill>
+                  <a:schemeClr val="tx1"/>
+                </a:solidFill>
+                <a:latin typeface="Consolas" panose="020B0609020204030204" pitchFamily="49" charset="0"/>
+              </a:rPr>
+              <a:t>Adding commands demo…</a:t>
+            </a:r>
+          </a:p>
+        </p:txBody>
+      </p:sp>
+    </p:spTree>
+    <p:extLst>
+      <p:ext uri="{BB962C8B-B14F-4D97-AF65-F5344CB8AC3E}">
+        <p14:creationId xmlns:p14="http://schemas.microsoft.com/office/powerpoint/2010/main" val="2503600091"/>
+      </p:ext>
+    </p:extLst>
+  </p:cSld>
+  <p:clrMapOvr>
+    <a:masterClrMapping/>
+  </p:clrMapOvr>
+</p:sld>
+</file>
+
 <file path=ppt/slides/slide2.xml><?xml version="1.0" encoding="utf-8"?>
 <p:sld xmlns:a="http://schemas.openxmlformats.org/drawingml/2006/main" xmlns:r="http://schemas.openxmlformats.org/officeDocument/2006/relationships" xmlns:p="http://schemas.openxmlformats.org/presentationml/2006/main">
   <p:cSld>
@@ -3524,7 +3965,7 @@
             <a:pPr lvl="1"/>
             <a:r>
               <a:rPr lang="en-US" dirty="0"/>
-              <a:t>In IT since 2012</a:t>
+              <a:t>In IT since 2011</a:t>
             </a:r>
           </a:p>
           <a:p>
@@ -4015,6 +4456,12 @@
           <a:p>
             <a:r>
               <a:rPr lang="en-US" dirty="0"/>
+              <a:t>Why?</a:t>
+            </a:r>
+          </a:p>
+          <a:p>
+            <a:r>
+              <a:rPr lang="en-US" dirty="0"/>
               <a:t>Discord slash command process explanation</a:t>
             </a:r>
           </a:p>
@@ -4094,7 +4541,7 @@
           <p:cNvPr id="2" name="Title 1">
             <a:extLst>
               <a:ext uri="{FF2B5EF4-FFF2-40B4-BE49-F238E27FC236}">
-                <a16:creationId xmlns:a16="http://schemas.microsoft.com/office/drawing/2014/main" id="{848E72F1-F67E-4AEF-9E86-14F48B4E54AB}"/>
+                <a16:creationId xmlns:a16="http://schemas.microsoft.com/office/drawing/2014/main" id="{02CC5A8B-44BC-073C-D3C2-5B718FAEF40E}"/>
               </a:ext>
             </a:extLst>
           </p:cNvPr>
@@ -4112,7 +4559,7 @@
           <a:p>
             <a:r>
               <a:rPr lang="en-US" dirty="0"/>
-              <a:t>Prerequisites </a:t>
+              <a:t>Why?</a:t>
             </a:r>
           </a:p>
         </p:txBody>
@@ -4122,7 +4569,7 @@
           <p:cNvPr id="3" name="Content Placeholder 2">
             <a:extLst>
               <a:ext uri="{FF2B5EF4-FFF2-40B4-BE49-F238E27FC236}">
-                <a16:creationId xmlns:a16="http://schemas.microsoft.com/office/drawing/2014/main" id="{6420E0E3-B7A2-4D43-9E12-6ABB0339C165}"/>
+                <a16:creationId xmlns:a16="http://schemas.microsoft.com/office/drawing/2014/main" id="{930ED509-E186-23A7-504B-32C5D62E7A40}"/>
               </a:ext>
             </a:extLst>
           </p:cNvPr>
@@ -4140,19 +4587,46 @@
           <a:p>
             <a:r>
               <a:rPr lang="en-US" dirty="0"/>
-              <a:t>PowerShell</a:t>
+              <a:t>Background</a:t>
             </a:r>
           </a:p>
           <a:p>
             <a:r>
               <a:rPr lang="en-US" dirty="0"/>
-              <a:t>Discord Developer account</a:t>
-            </a:r>
-          </a:p>
-          <a:p>
+              <a:t>Money</a:t>
+            </a:r>
+          </a:p>
+          <a:p>
+            <a:pPr lvl="1"/>
             <a:r>
               <a:rPr lang="en-US" dirty="0"/>
-              <a:t>Azure Subscription</a:t>
+              <a:t>Electricity is expensive</a:t>
+            </a:r>
+          </a:p>
+          <a:p>
+            <a:pPr lvl="1"/>
+            <a:r>
+              <a:rPr lang="en-US" dirty="0"/>
+              <a:t>Azure VMs bill based on consumption</a:t>
+            </a:r>
+          </a:p>
+          <a:p>
+            <a:pPr lvl="1"/>
+            <a:r>
+              <a:rPr lang="en-US" dirty="0"/>
+              <a:t>Azure Functions bill based on consumption</a:t>
+            </a:r>
+          </a:p>
+          <a:p>
+            <a:r>
+              <a:rPr lang="en-US" dirty="0"/>
+              <a:t>Professional Development</a:t>
+            </a:r>
+          </a:p>
+          <a:p>
+            <a:r>
+              <a:rPr lang="en-US" dirty="0"/>
+              <a:t>Coolness factor</a:t>
             </a:r>
           </a:p>
         </p:txBody>
@@ -4160,7 +4634,7 @@
     </p:spTree>
     <p:extLst>
       <p:ext uri="{BB962C8B-B14F-4D97-AF65-F5344CB8AC3E}">
-        <p14:creationId xmlns:p14="http://schemas.microsoft.com/office/powerpoint/2010/main" val="4066512176"/>
+        <p14:creationId xmlns:p14="http://schemas.microsoft.com/office/powerpoint/2010/main" val="4238755251"/>
       </p:ext>
     </p:extLst>
   </p:cSld>
@@ -4192,6 +4666,104 @@
           <p:cNvPr id="2" name="Title 1">
             <a:extLst>
               <a:ext uri="{FF2B5EF4-FFF2-40B4-BE49-F238E27FC236}">
+                <a16:creationId xmlns:a16="http://schemas.microsoft.com/office/drawing/2014/main" id="{848E72F1-F67E-4AEF-9E86-14F48B4E54AB}"/>
+              </a:ext>
+            </a:extLst>
+          </p:cNvPr>
+          <p:cNvSpPr>
+            <a:spLocks noGrp="1"/>
+          </p:cNvSpPr>
+          <p:nvPr>
+            <p:ph type="title"/>
+          </p:nvPr>
+        </p:nvSpPr>
+        <p:spPr/>
+        <p:txBody>
+          <a:bodyPr/>
+          <a:lstStyle/>
+          <a:p>
+            <a:r>
+              <a:rPr lang="en-US" dirty="0"/>
+              <a:t>Prerequisites </a:t>
+            </a:r>
+          </a:p>
+        </p:txBody>
+      </p:sp>
+      <p:sp>
+        <p:nvSpPr>
+          <p:cNvPr id="3" name="Content Placeholder 2">
+            <a:extLst>
+              <a:ext uri="{FF2B5EF4-FFF2-40B4-BE49-F238E27FC236}">
+                <a16:creationId xmlns:a16="http://schemas.microsoft.com/office/drawing/2014/main" id="{6420E0E3-B7A2-4D43-9E12-6ABB0339C165}"/>
+              </a:ext>
+            </a:extLst>
+          </p:cNvPr>
+          <p:cNvSpPr>
+            <a:spLocks noGrp="1"/>
+          </p:cNvSpPr>
+          <p:nvPr>
+            <p:ph idx="1"/>
+          </p:nvPr>
+        </p:nvSpPr>
+        <p:spPr/>
+        <p:txBody>
+          <a:bodyPr/>
+          <a:lstStyle/>
+          <a:p>
+            <a:r>
+              <a:rPr lang="en-US" dirty="0"/>
+              <a:t>PowerShell</a:t>
+            </a:r>
+          </a:p>
+          <a:p>
+            <a:r>
+              <a:rPr lang="en-US" dirty="0"/>
+              <a:t>Discord Developer account</a:t>
+            </a:r>
+          </a:p>
+          <a:p>
+            <a:r>
+              <a:rPr lang="en-US" dirty="0"/>
+              <a:t>Azure Subscription</a:t>
+            </a:r>
+          </a:p>
+        </p:txBody>
+      </p:sp>
+    </p:spTree>
+    <p:extLst>
+      <p:ext uri="{BB962C8B-B14F-4D97-AF65-F5344CB8AC3E}">
+        <p14:creationId xmlns:p14="http://schemas.microsoft.com/office/powerpoint/2010/main" val="4066512176"/>
+      </p:ext>
+    </p:extLst>
+  </p:cSld>
+  <p:clrMapOvr>
+    <a:masterClrMapping/>
+  </p:clrMapOvr>
+</p:sld>
+</file>
+
+<file path=ppt/slides/slide6.xml><?xml version="1.0" encoding="utf-8"?>
+<p:sld xmlns:a="http://schemas.openxmlformats.org/drawingml/2006/main" xmlns:r="http://schemas.openxmlformats.org/officeDocument/2006/relationships" xmlns:p="http://schemas.openxmlformats.org/presentationml/2006/main">
+  <p:cSld>
+    <p:spTree>
+      <p:nvGrpSpPr>
+        <p:cNvPr id="1" name=""/>
+        <p:cNvGrpSpPr/>
+        <p:nvPr/>
+      </p:nvGrpSpPr>
+      <p:grpSpPr>
+        <a:xfrm>
+          <a:off x="0" y="0"/>
+          <a:ext cx="0" cy="0"/>
+          <a:chOff x="0" y="0"/>
+          <a:chExt cx="0" cy="0"/>
+        </a:xfrm>
+      </p:grpSpPr>
+      <p:sp>
+        <p:nvSpPr>
+          <p:cNvPr id="2" name="Title 1">
+            <a:extLst>
+              <a:ext uri="{FF2B5EF4-FFF2-40B4-BE49-F238E27FC236}">
                 <a16:creationId xmlns:a16="http://schemas.microsoft.com/office/drawing/2014/main" id="{F1661924-E51B-4AA1-A1C5-C9AD9EE32D81}"/>
               </a:ext>
             </a:extLst>
@@ -4250,7 +4822,7 @@
           <a:p>
             <a:r>
               <a:rPr lang="en-US" dirty="0"/>
-              <a:t>PowerShell 7.3.3</a:t>
+              <a:t>PowerShell 7.2 (Azure Function)</a:t>
             </a:r>
           </a:p>
           <a:p>
@@ -4269,6 +4841,267 @@
     <p:extLst>
       <p:ext uri="{BB962C8B-B14F-4D97-AF65-F5344CB8AC3E}">
         <p14:creationId xmlns:p14="http://schemas.microsoft.com/office/powerpoint/2010/main" val="3298450064"/>
+      </p:ext>
+    </p:extLst>
+  </p:cSld>
+  <p:clrMapOvr>
+    <a:masterClrMapping/>
+  </p:clrMapOvr>
+</p:sld>
+</file>
+
+<file path=ppt/slides/slide7.xml><?xml version="1.0" encoding="utf-8"?>
+<p:sld xmlns:a="http://schemas.openxmlformats.org/drawingml/2006/main" xmlns:r="http://schemas.openxmlformats.org/officeDocument/2006/relationships" xmlns:p="http://schemas.openxmlformats.org/presentationml/2006/main">
+  <p:cSld>
+    <p:spTree>
+      <p:nvGrpSpPr>
+        <p:cNvPr id="1" name=""/>
+        <p:cNvGrpSpPr/>
+        <p:nvPr/>
+      </p:nvGrpSpPr>
+      <p:grpSpPr>
+        <a:xfrm>
+          <a:off x="0" y="0"/>
+          <a:ext cx="0" cy="0"/>
+          <a:chOff x="0" y="0"/>
+          <a:chExt cx="0" cy="0"/>
+        </a:xfrm>
+      </p:grpSpPr>
+      <p:sp>
+        <p:nvSpPr>
+          <p:cNvPr id="2" name="Title 1">
+            <a:extLst>
+              <a:ext uri="{FF2B5EF4-FFF2-40B4-BE49-F238E27FC236}">
+                <a16:creationId xmlns:a16="http://schemas.microsoft.com/office/drawing/2014/main" id="{E49CDC3A-FC08-4ED5-87EF-D4CE6A050B23}"/>
+              </a:ext>
+            </a:extLst>
+          </p:cNvPr>
+          <p:cNvSpPr>
+            <a:spLocks noGrp="1"/>
+          </p:cNvSpPr>
+          <p:nvPr>
+            <p:ph type="title"/>
+          </p:nvPr>
+        </p:nvSpPr>
+        <p:spPr/>
+        <p:txBody>
+          <a:bodyPr/>
+          <a:lstStyle/>
+          <a:p>
+            <a:r>
+              <a:rPr lang="en-US" dirty="0"/>
+              <a:t>Discord Slash Commands</a:t>
+            </a:r>
+          </a:p>
+        </p:txBody>
+      </p:sp>
+      <p:sp>
+        <p:nvSpPr>
+          <p:cNvPr id="3" name="Text Placeholder 2">
+            <a:extLst>
+              <a:ext uri="{FF2B5EF4-FFF2-40B4-BE49-F238E27FC236}">
+                <a16:creationId xmlns:a16="http://schemas.microsoft.com/office/drawing/2014/main" id="{270B8181-23B2-688B-72BF-4A7C276F9FB3}"/>
+              </a:ext>
+            </a:extLst>
+          </p:cNvPr>
+          <p:cNvSpPr>
+            <a:spLocks noGrp="1"/>
+          </p:cNvSpPr>
+          <p:nvPr>
+            <p:ph type="body" idx="1"/>
+          </p:nvPr>
+        </p:nvSpPr>
+        <p:spPr/>
+        <p:txBody>
+          <a:bodyPr/>
+          <a:lstStyle/>
+          <a:p>
+            <a:endParaRPr lang="en-US" dirty="0"/>
+          </a:p>
+        </p:txBody>
+      </p:sp>
+    </p:spTree>
+    <p:extLst>
+      <p:ext uri="{BB962C8B-B14F-4D97-AF65-F5344CB8AC3E}">
+        <p14:creationId xmlns:p14="http://schemas.microsoft.com/office/powerpoint/2010/main" val="1551670895"/>
+      </p:ext>
+    </p:extLst>
+  </p:cSld>
+  <p:clrMapOvr>
+    <a:masterClrMapping/>
+  </p:clrMapOvr>
+</p:sld>
+</file>
+
+<file path=ppt/slides/slide8.xml><?xml version="1.0" encoding="utf-8"?>
+<p:sld xmlns:a="http://schemas.openxmlformats.org/drawingml/2006/main" xmlns:r="http://schemas.openxmlformats.org/officeDocument/2006/relationships" xmlns:p="http://schemas.openxmlformats.org/presentationml/2006/main">
+  <p:cSld>
+    <p:spTree>
+      <p:nvGrpSpPr>
+        <p:cNvPr id="1" name=""/>
+        <p:cNvGrpSpPr/>
+        <p:nvPr/>
+      </p:nvGrpSpPr>
+      <p:grpSpPr>
+        <a:xfrm>
+          <a:off x="0" y="0"/>
+          <a:ext cx="0" cy="0"/>
+          <a:chOff x="0" y="0"/>
+          <a:chExt cx="0" cy="0"/>
+        </a:xfrm>
+      </p:grpSpPr>
+      <p:sp>
+        <p:nvSpPr>
+          <p:cNvPr id="2" name="Title 1">
+            <a:extLst>
+              <a:ext uri="{FF2B5EF4-FFF2-40B4-BE49-F238E27FC236}">
+                <a16:creationId xmlns:a16="http://schemas.microsoft.com/office/drawing/2014/main" id="{CBFD5523-8704-64F5-986C-91C605EFC9EE}"/>
+              </a:ext>
+            </a:extLst>
+          </p:cNvPr>
+          <p:cNvSpPr>
+            <a:spLocks noGrp="1"/>
+          </p:cNvSpPr>
+          <p:nvPr>
+            <p:ph type="title"/>
+          </p:nvPr>
+        </p:nvSpPr>
+        <p:spPr/>
+        <p:txBody>
+          <a:bodyPr/>
+          <a:lstStyle/>
+          <a:p>
+            <a:endParaRPr lang="en-US"/>
+          </a:p>
+        </p:txBody>
+      </p:sp>
+      <p:pic>
+        <p:nvPicPr>
+          <p:cNvPr id="5" name="Content Placeholder 4" descr="Diagram&#10;&#10;Description automatically generated">
+            <a:extLst>
+              <a:ext uri="{FF2B5EF4-FFF2-40B4-BE49-F238E27FC236}">
+                <a16:creationId xmlns:a16="http://schemas.microsoft.com/office/drawing/2014/main" id="{0400EF73-BE5D-B1F1-658D-DB60AB18D76E}"/>
+              </a:ext>
+            </a:extLst>
+          </p:cNvPr>
+          <p:cNvPicPr>
+            <a:picLocks noGrp="1" noChangeAspect="1"/>
+          </p:cNvPicPr>
+          <p:nvPr>
+            <p:ph idx="1"/>
+          </p:nvPr>
+        </p:nvPicPr>
+        <p:blipFill>
+          <a:blip r:embed="rId2">
+            <a:extLst>
+              <a:ext uri="{28A0092B-C50C-407E-A947-70E740481C1C}">
+                <a14:useLocalDpi xmlns:a14="http://schemas.microsoft.com/office/drawing/2010/main" val="0"/>
+              </a:ext>
+            </a:extLst>
+          </a:blip>
+          <a:stretch>
+            <a:fillRect/>
+          </a:stretch>
+        </p:blipFill>
+        <p:spPr>
+          <a:xfrm>
+            <a:off x="2350293" y="370561"/>
+            <a:ext cx="6265069" cy="6072765"/>
+          </a:xfrm>
+        </p:spPr>
+      </p:pic>
+    </p:spTree>
+    <p:extLst>
+      <p:ext uri="{BB962C8B-B14F-4D97-AF65-F5344CB8AC3E}">
+        <p14:creationId xmlns:p14="http://schemas.microsoft.com/office/powerpoint/2010/main" val="2827307933"/>
+      </p:ext>
+    </p:extLst>
+  </p:cSld>
+  <p:clrMapOvr>
+    <a:masterClrMapping/>
+  </p:clrMapOvr>
+</p:sld>
+</file>
+
+<file path=ppt/slides/slide9.xml><?xml version="1.0" encoding="utf-8"?>
+<p:sld xmlns:a="http://schemas.openxmlformats.org/drawingml/2006/main" xmlns:r="http://schemas.openxmlformats.org/officeDocument/2006/relationships" xmlns:p="http://schemas.openxmlformats.org/presentationml/2006/main">
+  <p:cSld>
+    <p:spTree>
+      <p:nvGrpSpPr>
+        <p:cNvPr id="1" name=""/>
+        <p:cNvGrpSpPr/>
+        <p:nvPr/>
+      </p:nvGrpSpPr>
+      <p:grpSpPr>
+        <a:xfrm>
+          <a:off x="0" y="0"/>
+          <a:ext cx="0" cy="0"/>
+          <a:chOff x="0" y="0"/>
+          <a:chExt cx="0" cy="0"/>
+        </a:xfrm>
+      </p:grpSpPr>
+      <p:sp>
+        <p:nvSpPr>
+          <p:cNvPr id="2" name="Title 1">
+            <a:extLst>
+              <a:ext uri="{FF2B5EF4-FFF2-40B4-BE49-F238E27FC236}">
+                <a16:creationId xmlns:a16="http://schemas.microsoft.com/office/drawing/2014/main" id="{18133B67-FEE0-DF4C-4D80-404858A55DF3}"/>
+              </a:ext>
+            </a:extLst>
+          </p:cNvPr>
+          <p:cNvSpPr>
+            <a:spLocks noGrp="1"/>
+          </p:cNvSpPr>
+          <p:nvPr>
+            <p:ph type="title"/>
+          </p:nvPr>
+        </p:nvSpPr>
+        <p:spPr/>
+        <p:txBody>
+          <a:bodyPr/>
+          <a:lstStyle/>
+          <a:p>
+            <a:endParaRPr lang="en-US" dirty="0"/>
+          </a:p>
+        </p:txBody>
+      </p:sp>
+      <p:sp>
+        <p:nvSpPr>
+          <p:cNvPr id="3" name="Text Placeholder 2">
+            <a:extLst>
+              <a:ext uri="{FF2B5EF4-FFF2-40B4-BE49-F238E27FC236}">
+                <a16:creationId xmlns:a16="http://schemas.microsoft.com/office/drawing/2014/main" id="{B371DC88-83BE-A49F-AF45-9FE8B3584FA9}"/>
+              </a:ext>
+            </a:extLst>
+          </p:cNvPr>
+          <p:cNvSpPr>
+            <a:spLocks noGrp="1"/>
+          </p:cNvSpPr>
+          <p:nvPr>
+            <p:ph type="body" idx="1"/>
+          </p:nvPr>
+        </p:nvSpPr>
+        <p:spPr/>
+        <p:txBody>
+          <a:bodyPr/>
+          <a:lstStyle/>
+          <a:p>
+            <a:r>
+              <a:rPr lang="en-US" dirty="0">
+                <a:solidFill>
+                  <a:schemeClr val="tx1"/>
+                </a:solidFill>
+                <a:latin typeface="Consolas" panose="020B0609020204030204" pitchFamily="49" charset="0"/>
+              </a:rPr>
+              <a:t>Slash command demo…</a:t>
+            </a:r>
+          </a:p>
+        </p:txBody>
+      </p:sp>
+    </p:spTree>
+    <p:extLst>
+      <p:ext uri="{BB962C8B-B14F-4D97-AF65-F5344CB8AC3E}">
+        <p14:creationId xmlns:p14="http://schemas.microsoft.com/office/powerpoint/2010/main" val="3755173048"/>
       </p:ext>
     </p:extLst>
   </p:cSld>

--- a/2023-04-26 - Building a serverless Discord bot/PowerShell Summit 2023 - Serverless Discord bot.pptx
+++ b/2023-04-26 - Building a serverless Discord bot/PowerShell Summit 2023 - Serverless Discord bot.pptx
@@ -17,8 +17,11 @@
     <p:sldId id="278" r:id="rId11"/>
     <p:sldId id="279" r:id="rId12"/>
     <p:sldId id="281" r:id="rId13"/>
-    <p:sldId id="282" r:id="rId14"/>
-    <p:sldId id="283" r:id="rId15"/>
+    <p:sldId id="284" r:id="rId14"/>
+    <p:sldId id="286" r:id="rId15"/>
+    <p:sldId id="282" r:id="rId16"/>
+    <p:sldId id="283" r:id="rId17"/>
+    <p:sldId id="285" r:id="rId18"/>
   </p:sldIdLst>
   <p:sldSz cx="12192000" cy="6858000"/>
   <p:notesSz cx="6858000" cy="9144000"/>
@@ -272,7 +275,7 @@
           <a:p>
             <a:fld id="{D46B952B-F692-4DD1-9678-FCDA40C3FC40}" type="datetimeFigureOut">
               <a:rPr lang="en-US" smtClean="0"/>
-              <a:t>3/21/2023</a:t>
+              <a:t>4/2/2023</a:t>
             </a:fld>
             <a:endParaRPr lang="en-US"/>
           </a:p>
@@ -470,7 +473,7 @@
           <a:p>
             <a:fld id="{D46B952B-F692-4DD1-9678-FCDA40C3FC40}" type="datetimeFigureOut">
               <a:rPr lang="en-US" smtClean="0"/>
-              <a:t>3/21/2023</a:t>
+              <a:t>4/2/2023</a:t>
             </a:fld>
             <a:endParaRPr lang="en-US"/>
           </a:p>
@@ -678,7 +681,7 @@
           <a:p>
             <a:fld id="{D46B952B-F692-4DD1-9678-FCDA40C3FC40}" type="datetimeFigureOut">
               <a:rPr lang="en-US" smtClean="0"/>
-              <a:t>3/21/2023</a:t>
+              <a:t>4/2/2023</a:t>
             </a:fld>
             <a:endParaRPr lang="en-US"/>
           </a:p>
@@ -876,7 +879,7 @@
           <a:p>
             <a:fld id="{D46B952B-F692-4DD1-9678-FCDA40C3FC40}" type="datetimeFigureOut">
               <a:rPr lang="en-US" smtClean="0"/>
-              <a:t>3/21/2023</a:t>
+              <a:t>4/2/2023</a:t>
             </a:fld>
             <a:endParaRPr lang="en-US"/>
           </a:p>
@@ -1151,7 +1154,7 @@
           <a:p>
             <a:fld id="{D46B952B-F692-4DD1-9678-FCDA40C3FC40}" type="datetimeFigureOut">
               <a:rPr lang="en-US" smtClean="0"/>
-              <a:t>3/21/2023</a:t>
+              <a:t>4/2/2023</a:t>
             </a:fld>
             <a:endParaRPr lang="en-US"/>
           </a:p>
@@ -1416,7 +1419,7 @@
           <a:p>
             <a:fld id="{D46B952B-F692-4DD1-9678-FCDA40C3FC40}" type="datetimeFigureOut">
               <a:rPr lang="en-US" smtClean="0"/>
-              <a:t>3/21/2023</a:t>
+              <a:t>4/2/2023</a:t>
             </a:fld>
             <a:endParaRPr lang="en-US"/>
           </a:p>
@@ -1828,7 +1831,7 @@
           <a:p>
             <a:fld id="{D46B952B-F692-4DD1-9678-FCDA40C3FC40}" type="datetimeFigureOut">
               <a:rPr lang="en-US" smtClean="0"/>
-              <a:t>3/21/2023</a:t>
+              <a:t>4/2/2023</a:t>
             </a:fld>
             <a:endParaRPr lang="en-US"/>
           </a:p>
@@ -1969,7 +1972,7 @@
           <a:p>
             <a:fld id="{D46B952B-F692-4DD1-9678-FCDA40C3FC40}" type="datetimeFigureOut">
               <a:rPr lang="en-US" smtClean="0"/>
-              <a:t>3/21/2023</a:t>
+              <a:t>4/2/2023</a:t>
             </a:fld>
             <a:endParaRPr lang="en-US"/>
           </a:p>
@@ -2082,7 +2085,7 @@
           <a:p>
             <a:fld id="{D46B952B-F692-4DD1-9678-FCDA40C3FC40}" type="datetimeFigureOut">
               <a:rPr lang="en-US" smtClean="0"/>
-              <a:t>3/21/2023</a:t>
+              <a:t>4/2/2023</a:t>
             </a:fld>
             <a:endParaRPr lang="en-US"/>
           </a:p>
@@ -2393,7 +2396,7 @@
           <a:p>
             <a:fld id="{D46B952B-F692-4DD1-9678-FCDA40C3FC40}" type="datetimeFigureOut">
               <a:rPr lang="en-US" smtClean="0"/>
-              <a:t>3/21/2023</a:t>
+              <a:t>4/2/2023</a:t>
             </a:fld>
             <a:endParaRPr lang="en-US"/>
           </a:p>
@@ -2681,7 +2684,7 @@
           <a:p>
             <a:fld id="{D46B952B-F692-4DD1-9678-FCDA40C3FC40}" type="datetimeFigureOut">
               <a:rPr lang="en-US" smtClean="0"/>
-              <a:t>3/21/2023</a:t>
+              <a:t>4/2/2023</a:t>
             </a:fld>
             <a:endParaRPr lang="en-US"/>
           </a:p>
@@ -2931,7 +2934,7 @@
           <a:p>
             <a:fld id="{D46B952B-F692-4DD1-9678-FCDA40C3FC40}" type="datetimeFigureOut">
               <a:rPr lang="en-US" smtClean="0"/>
-              <a:t>3/21/2023</a:t>
+              <a:t>4/2/2023</a:t>
             </a:fld>
             <a:endParaRPr lang="en-US"/>
           </a:p>
@@ -3719,7 +3722,7 @@
           <p:cNvPr id="2" name="Title 1">
             <a:extLst>
               <a:ext uri="{FF2B5EF4-FFF2-40B4-BE49-F238E27FC236}">
-                <a16:creationId xmlns:a16="http://schemas.microsoft.com/office/drawing/2014/main" id="{FBECC900-50CE-6143-BD63-0FD41482F713}"/>
+                <a16:creationId xmlns:a16="http://schemas.microsoft.com/office/drawing/2014/main" id="{59742D62-9479-2FEC-C9FC-A288EC1A0E17}"/>
               </a:ext>
             </a:extLst>
           </p:cNvPr>
@@ -3737,40 +3740,91 @@
           <a:p>
             <a:r>
               <a:rPr lang="en-US" dirty="0"/>
-              <a:t>Adding Commands</a:t>
-            </a:r>
-          </a:p>
-        </p:txBody>
-      </p:sp>
-      <p:sp>
-        <p:nvSpPr>
-          <p:cNvPr id="3" name="Text Placeholder 2">
-            <a:extLst>
-              <a:ext uri="{FF2B5EF4-FFF2-40B4-BE49-F238E27FC236}">
-                <a16:creationId xmlns:a16="http://schemas.microsoft.com/office/drawing/2014/main" id="{F94C90DE-EBD1-BFFB-B969-40F7A7127CF4}"/>
-              </a:ext>
-            </a:extLst>
-          </p:cNvPr>
-          <p:cNvSpPr>
-            <a:spLocks noGrp="1"/>
-          </p:cNvSpPr>
-          <p:nvPr>
-            <p:ph type="body" idx="1"/>
-          </p:nvPr>
-        </p:nvSpPr>
-        <p:spPr/>
-        <p:txBody>
-          <a:bodyPr/>
-          <a:lstStyle/>
-          <a:p>
-            <a:endParaRPr lang="en-US"/>
+              <a:t>Creating a Discord Bot</a:t>
+            </a:r>
+          </a:p>
+        </p:txBody>
+      </p:sp>
+      <p:sp>
+        <p:nvSpPr>
+          <p:cNvPr id="3" name="Content Placeholder 2">
+            <a:extLst>
+              <a:ext uri="{FF2B5EF4-FFF2-40B4-BE49-F238E27FC236}">
+                <a16:creationId xmlns:a16="http://schemas.microsoft.com/office/drawing/2014/main" id="{2D28C9F1-7BB9-419D-E307-F3BDC4D55D54}"/>
+              </a:ext>
+            </a:extLst>
+          </p:cNvPr>
+          <p:cNvSpPr>
+            <a:spLocks noGrp="1"/>
+          </p:cNvSpPr>
+          <p:nvPr>
+            <p:ph idx="1"/>
+          </p:nvPr>
+        </p:nvSpPr>
+        <p:spPr/>
+        <p:txBody>
+          <a:bodyPr/>
+          <a:lstStyle/>
+          <a:p>
+            <a:r>
+              <a:rPr lang="en-US" dirty="0"/>
+              <a:t>Create Discord App</a:t>
+            </a:r>
+          </a:p>
+          <a:p>
+            <a:r>
+              <a:rPr lang="en-US" dirty="0"/>
+              <a:t>Bot -&gt; Add bot</a:t>
+            </a:r>
+          </a:p>
+          <a:p>
+            <a:r>
+              <a:rPr lang="en-US" dirty="0"/>
+              <a:t>Oauth2 -&gt; URL Generator -&gt;</a:t>
+            </a:r>
+          </a:p>
+          <a:p>
+            <a:pPr lvl="1"/>
+            <a:r>
+              <a:rPr lang="en-US" dirty="0"/>
+              <a:t>bot</a:t>
+            </a:r>
+          </a:p>
+          <a:p>
+            <a:pPr lvl="1"/>
+            <a:r>
+              <a:rPr lang="en-US" dirty="0" err="1"/>
+              <a:t>application.commands</a:t>
+            </a:r>
+            <a:endParaRPr lang="en-US" dirty="0"/>
+          </a:p>
+          <a:p>
+            <a:pPr lvl="1"/>
+            <a:r>
+              <a:rPr lang="en-US" dirty="0"/>
+              <a:t>bot\send messages</a:t>
+            </a:r>
+          </a:p>
+          <a:p>
+            <a:r>
+              <a:rPr lang="en-US" dirty="0"/>
+              <a:t>Add </a:t>
+            </a:r>
+            <a:r>
+              <a:rPr lang="en-US" dirty="0" err="1"/>
+              <a:t>HttpStart</a:t>
+            </a:r>
+            <a:r>
+              <a:rPr lang="en-US" dirty="0"/>
+              <a:t> URI to Interactions Endpoint URL</a:t>
+            </a:r>
           </a:p>
         </p:txBody>
       </p:sp>
     </p:spTree>
     <p:extLst>
       <p:ext uri="{BB962C8B-B14F-4D97-AF65-F5344CB8AC3E}">
-        <p14:creationId xmlns:p14="http://schemas.microsoft.com/office/powerpoint/2010/main" val="3143325720"/>
+        <p14:creationId xmlns:p14="http://schemas.microsoft.com/office/powerpoint/2010/main" val="2618043788"/>
       </p:ext>
     </p:extLst>
   </p:cSld>
@@ -3802,6 +3856,194 @@
           <p:cNvPr id="2" name="Title 1">
             <a:extLst>
               <a:ext uri="{FF2B5EF4-FFF2-40B4-BE49-F238E27FC236}">
+                <a16:creationId xmlns:a16="http://schemas.microsoft.com/office/drawing/2014/main" id="{A40742EB-6100-C42B-D893-91F9BC2D3D0E}"/>
+              </a:ext>
+            </a:extLst>
+          </p:cNvPr>
+          <p:cNvSpPr>
+            <a:spLocks noGrp="1"/>
+          </p:cNvSpPr>
+          <p:nvPr>
+            <p:ph type="title"/>
+          </p:nvPr>
+        </p:nvSpPr>
+        <p:spPr/>
+        <p:txBody>
+          <a:bodyPr/>
+          <a:lstStyle/>
+          <a:p>
+            <a:r>
+              <a:rPr lang="en-US" dirty="0"/>
+              <a:t>Dealing with frostbite</a:t>
+            </a:r>
+          </a:p>
+        </p:txBody>
+      </p:sp>
+      <p:sp>
+        <p:nvSpPr>
+          <p:cNvPr id="3" name="Content Placeholder 2">
+            <a:extLst>
+              <a:ext uri="{FF2B5EF4-FFF2-40B4-BE49-F238E27FC236}">
+                <a16:creationId xmlns:a16="http://schemas.microsoft.com/office/drawing/2014/main" id="{0FF80AB6-017F-914A-05DE-E217E62D4BE3}"/>
+              </a:ext>
+            </a:extLst>
+          </p:cNvPr>
+          <p:cNvSpPr>
+            <a:spLocks noGrp="1"/>
+          </p:cNvSpPr>
+          <p:nvPr>
+            <p:ph idx="1"/>
+          </p:nvPr>
+        </p:nvSpPr>
+        <p:spPr/>
+        <p:txBody>
+          <a:bodyPr/>
+          <a:lstStyle/>
+          <a:p>
+            <a:r>
+              <a:rPr lang="en-US" dirty="0"/>
+              <a:t>PowerShell based Azure Functions have a long cold start</a:t>
+            </a:r>
+          </a:p>
+          <a:p>
+            <a:r>
+              <a:rPr lang="en-US" dirty="0"/>
+              <a:t>Monitor Function</a:t>
+            </a:r>
+          </a:p>
+          <a:p>
+            <a:pPr lvl="1"/>
+            <a:r>
+              <a:rPr lang="en-US" dirty="0"/>
+              <a:t>Every 5m</a:t>
+            </a:r>
+          </a:p>
+          <a:p>
+            <a:r>
+              <a:rPr lang="en-US" dirty="0"/>
+              <a:t>Review Code</a:t>
+            </a:r>
+          </a:p>
+        </p:txBody>
+      </p:sp>
+    </p:spTree>
+    <p:extLst>
+      <p:ext uri="{BB962C8B-B14F-4D97-AF65-F5344CB8AC3E}">
+        <p14:creationId xmlns:p14="http://schemas.microsoft.com/office/powerpoint/2010/main" val="3168010500"/>
+      </p:ext>
+    </p:extLst>
+  </p:cSld>
+  <p:clrMapOvr>
+    <a:masterClrMapping/>
+  </p:clrMapOvr>
+</p:sld>
+</file>
+
+<file path=ppt/slides/slide15.xml><?xml version="1.0" encoding="utf-8"?>
+<p:sld xmlns:a="http://schemas.openxmlformats.org/drawingml/2006/main" xmlns:r="http://schemas.openxmlformats.org/officeDocument/2006/relationships" xmlns:p="http://schemas.openxmlformats.org/presentationml/2006/main">
+  <p:cSld>
+    <p:spTree>
+      <p:nvGrpSpPr>
+        <p:cNvPr id="1" name=""/>
+        <p:cNvGrpSpPr/>
+        <p:nvPr/>
+      </p:nvGrpSpPr>
+      <p:grpSpPr>
+        <a:xfrm>
+          <a:off x="0" y="0"/>
+          <a:ext cx="0" cy="0"/>
+          <a:chOff x="0" y="0"/>
+          <a:chExt cx="0" cy="0"/>
+        </a:xfrm>
+      </p:grpSpPr>
+      <p:sp>
+        <p:nvSpPr>
+          <p:cNvPr id="2" name="Title 1">
+            <a:extLst>
+              <a:ext uri="{FF2B5EF4-FFF2-40B4-BE49-F238E27FC236}">
+                <a16:creationId xmlns:a16="http://schemas.microsoft.com/office/drawing/2014/main" id="{FBECC900-50CE-6143-BD63-0FD41482F713}"/>
+              </a:ext>
+            </a:extLst>
+          </p:cNvPr>
+          <p:cNvSpPr>
+            <a:spLocks noGrp="1"/>
+          </p:cNvSpPr>
+          <p:nvPr>
+            <p:ph type="title"/>
+          </p:nvPr>
+        </p:nvSpPr>
+        <p:spPr/>
+        <p:txBody>
+          <a:bodyPr/>
+          <a:lstStyle/>
+          <a:p>
+            <a:r>
+              <a:rPr lang="en-US" dirty="0"/>
+              <a:t>Adding Commands</a:t>
+            </a:r>
+          </a:p>
+        </p:txBody>
+      </p:sp>
+      <p:sp>
+        <p:nvSpPr>
+          <p:cNvPr id="3" name="Text Placeholder 2">
+            <a:extLst>
+              <a:ext uri="{FF2B5EF4-FFF2-40B4-BE49-F238E27FC236}">
+                <a16:creationId xmlns:a16="http://schemas.microsoft.com/office/drawing/2014/main" id="{F94C90DE-EBD1-BFFB-B969-40F7A7127CF4}"/>
+              </a:ext>
+            </a:extLst>
+          </p:cNvPr>
+          <p:cNvSpPr>
+            <a:spLocks noGrp="1"/>
+          </p:cNvSpPr>
+          <p:nvPr>
+            <p:ph type="body" idx="1"/>
+          </p:nvPr>
+        </p:nvSpPr>
+        <p:spPr/>
+        <p:txBody>
+          <a:bodyPr/>
+          <a:lstStyle/>
+          <a:p>
+            <a:endParaRPr lang="en-US"/>
+          </a:p>
+        </p:txBody>
+      </p:sp>
+    </p:spTree>
+    <p:extLst>
+      <p:ext uri="{BB962C8B-B14F-4D97-AF65-F5344CB8AC3E}">
+        <p14:creationId xmlns:p14="http://schemas.microsoft.com/office/powerpoint/2010/main" val="3143325720"/>
+      </p:ext>
+    </p:extLst>
+  </p:cSld>
+  <p:clrMapOvr>
+    <a:masterClrMapping/>
+  </p:clrMapOvr>
+</p:sld>
+</file>
+
+<file path=ppt/slides/slide16.xml><?xml version="1.0" encoding="utf-8"?>
+<p:sld xmlns:a="http://schemas.openxmlformats.org/drawingml/2006/main" xmlns:r="http://schemas.openxmlformats.org/officeDocument/2006/relationships" xmlns:p="http://schemas.openxmlformats.org/presentationml/2006/main">
+  <p:cSld>
+    <p:spTree>
+      <p:nvGrpSpPr>
+        <p:cNvPr id="1" name=""/>
+        <p:cNvGrpSpPr/>
+        <p:nvPr/>
+      </p:nvGrpSpPr>
+      <p:grpSpPr>
+        <a:xfrm>
+          <a:off x="0" y="0"/>
+          <a:ext cx="0" cy="0"/>
+          <a:chOff x="0" y="0"/>
+          <a:chExt cx="0" cy="0"/>
+        </a:xfrm>
+      </p:grpSpPr>
+      <p:sp>
+        <p:nvSpPr>
+          <p:cNvPr id="2" name="Title 1">
+            <a:extLst>
+              <a:ext uri="{FF2B5EF4-FFF2-40B4-BE49-F238E27FC236}">
                 <a16:creationId xmlns:a16="http://schemas.microsoft.com/office/drawing/2014/main" id="{18133B67-FEE0-DF4C-4D80-404858A55DF3}"/>
               </a:ext>
             </a:extLst>
@@ -3859,6 +4101,170 @@
     <p:extLst>
       <p:ext uri="{BB962C8B-B14F-4D97-AF65-F5344CB8AC3E}">
         <p14:creationId xmlns:p14="http://schemas.microsoft.com/office/powerpoint/2010/main" val="2503600091"/>
+      </p:ext>
+    </p:extLst>
+  </p:cSld>
+  <p:clrMapOvr>
+    <a:masterClrMapping/>
+  </p:clrMapOvr>
+</p:sld>
+</file>
+
+<file path=ppt/slides/slide17.xml><?xml version="1.0" encoding="utf-8"?>
+<p:sld xmlns:a="http://schemas.openxmlformats.org/drawingml/2006/main" xmlns:r="http://schemas.openxmlformats.org/officeDocument/2006/relationships" xmlns:p="http://schemas.openxmlformats.org/presentationml/2006/main">
+  <p:cSld>
+    <p:spTree>
+      <p:nvGrpSpPr>
+        <p:cNvPr id="1" name=""/>
+        <p:cNvGrpSpPr/>
+        <p:nvPr/>
+      </p:nvGrpSpPr>
+      <p:grpSpPr>
+        <a:xfrm>
+          <a:off x="0" y="0"/>
+          <a:ext cx="0" cy="0"/>
+          <a:chOff x="0" y="0"/>
+          <a:chExt cx="0" cy="0"/>
+        </a:xfrm>
+      </p:grpSpPr>
+      <p:sp>
+        <p:nvSpPr>
+          <p:cNvPr id="2" name="Title 1">
+            <a:extLst>
+              <a:ext uri="{FF2B5EF4-FFF2-40B4-BE49-F238E27FC236}">
+                <a16:creationId xmlns:a16="http://schemas.microsoft.com/office/drawing/2014/main" id="{94E7DA5E-F78C-1916-2904-D92DC8680545}"/>
+              </a:ext>
+            </a:extLst>
+          </p:cNvPr>
+          <p:cNvSpPr>
+            <a:spLocks noGrp="1"/>
+          </p:cNvSpPr>
+          <p:nvPr>
+            <p:ph type="title"/>
+          </p:nvPr>
+        </p:nvSpPr>
+        <p:spPr/>
+        <p:txBody>
+          <a:bodyPr/>
+          <a:lstStyle/>
+          <a:p>
+            <a:r>
+              <a:rPr lang="en-US" dirty="0"/>
+              <a:t>Evolution</a:t>
+            </a:r>
+          </a:p>
+        </p:txBody>
+      </p:sp>
+      <p:sp>
+        <p:nvSpPr>
+          <p:cNvPr id="3" name="Content Placeholder 2">
+            <a:extLst>
+              <a:ext uri="{FF2B5EF4-FFF2-40B4-BE49-F238E27FC236}">
+                <a16:creationId xmlns:a16="http://schemas.microsoft.com/office/drawing/2014/main" id="{03098E5D-B70E-FE27-6D02-4DB30AE8B82E}"/>
+              </a:ext>
+            </a:extLst>
+          </p:cNvPr>
+          <p:cNvSpPr>
+            <a:spLocks noGrp="1"/>
+          </p:cNvSpPr>
+          <p:nvPr>
+            <p:ph idx="1"/>
+          </p:nvPr>
+        </p:nvSpPr>
+        <p:spPr/>
+        <p:txBody>
+          <a:bodyPr>
+            <a:normAutofit lnSpcReduction="10000"/>
+          </a:bodyPr>
+          <a:lstStyle/>
+          <a:p>
+            <a:r>
+              <a:rPr lang="en-US" dirty="0"/>
+              <a:t>Queue based</a:t>
+            </a:r>
+          </a:p>
+          <a:p>
+            <a:pPr lvl="1"/>
+            <a:r>
+              <a:rPr lang="en-US" dirty="0">
+                <a:hlinkClick r:id="rId2"/>
+              </a:rPr>
+              <a:t>Building a Discord Bot in PowerShell and Azure Functions</a:t>
+            </a:r>
+            <a:endParaRPr lang="en-US" dirty="0"/>
+          </a:p>
+          <a:p>
+            <a:pPr lvl="2"/>
+            <a:r>
+              <a:rPr lang="en-US" dirty="0"/>
+              <a:t>Devin Rich</a:t>
+            </a:r>
+          </a:p>
+          <a:p>
+            <a:pPr lvl="1"/>
+            <a:r>
+              <a:rPr lang="en-US" dirty="0"/>
+              <a:t>Command is passed off via a queue</a:t>
+            </a:r>
+          </a:p>
+          <a:p>
+            <a:pPr lvl="1"/>
+            <a:r>
+              <a:rPr lang="en-US" dirty="0"/>
+              <a:t>Very slow, more reliable than HTTP POST chain</a:t>
+            </a:r>
+          </a:p>
+          <a:p>
+            <a:r>
+              <a:rPr lang="en-US" dirty="0"/>
+              <a:t>Durable Function</a:t>
+            </a:r>
+          </a:p>
+          <a:p>
+            <a:pPr lvl="1"/>
+            <a:r>
+              <a:rPr lang="en-US" dirty="0"/>
+              <a:t>Command is passed off via New-Orchestration</a:t>
+            </a:r>
+          </a:p>
+          <a:p>
+            <a:pPr lvl="1"/>
+            <a:r>
+              <a:rPr lang="en-US" dirty="0"/>
+              <a:t>Very storage intensive (expensive)</a:t>
+            </a:r>
+          </a:p>
+          <a:p>
+            <a:r>
+              <a:rPr lang="en-US" dirty="0"/>
+              <a:t>HTTP POST chain</a:t>
+            </a:r>
+          </a:p>
+          <a:p>
+            <a:pPr lvl="1"/>
+            <a:r>
+              <a:rPr lang="en-US" dirty="0"/>
+              <a:t>Command is passed off via HTTP POST</a:t>
+            </a:r>
+          </a:p>
+          <a:p>
+            <a:pPr lvl="1"/>
+            <a:r>
+              <a:rPr lang="en-US" dirty="0"/>
+              <a:t>Fast, but requires function keys and -</a:t>
+            </a:r>
+            <a:r>
+              <a:rPr lang="en-US" dirty="0" err="1"/>
+              <a:t>TimeoutSec</a:t>
+            </a:r>
+            <a:endParaRPr lang="en-US" dirty="0"/>
+          </a:p>
+        </p:txBody>
+      </p:sp>
+    </p:spTree>
+    <p:extLst>
+      <p:ext uri="{BB962C8B-B14F-4D97-AF65-F5344CB8AC3E}">
+        <p14:creationId xmlns:p14="http://schemas.microsoft.com/office/powerpoint/2010/main" val="964659942"/>
       </p:ext>
     </p:extLst>
   </p:cSld>
@@ -4451,7 +4857,9 @@
         </p:nvSpPr>
         <p:spPr/>
         <p:txBody>
-          <a:bodyPr/>
+          <a:bodyPr>
+            <a:normAutofit/>
+          </a:bodyPr>
           <a:lstStyle/>
           <a:p>
             <a:r>
@@ -4474,6 +4882,24 @@
           <a:p>
             <a:r>
               <a:rPr lang="en-US" dirty="0"/>
+              <a:t>Creating a Discord bot</a:t>
+            </a:r>
+          </a:p>
+          <a:p>
+            <a:r>
+              <a:rPr lang="en-US" dirty="0"/>
+              <a:t>Avoiding frostbite</a:t>
+            </a:r>
+          </a:p>
+          <a:p>
+            <a:r>
+              <a:rPr lang="en-US" dirty="0"/>
+              <a:t>The code itself</a:t>
+            </a:r>
+          </a:p>
+          <a:p>
+            <a:r>
+              <a:rPr lang="en-US" dirty="0"/>
               <a:t>Command addition process</a:t>
             </a:r>
           </a:p>
@@ -4481,27 +4907,6 @@
             <a:r>
               <a:rPr lang="en-US" dirty="0"/>
               <a:t>Evolution</a:t>
-            </a:r>
-          </a:p>
-          <a:p>
-            <a:pPr lvl="1"/>
-            <a:r>
-              <a:rPr lang="en-US" dirty="0"/>
-              <a:t>Queue based</a:t>
-            </a:r>
-          </a:p>
-          <a:p>
-            <a:pPr lvl="1"/>
-            <a:r>
-              <a:rPr lang="en-US" dirty="0"/>
-              <a:t>Durable Function</a:t>
-            </a:r>
-          </a:p>
-          <a:p>
-            <a:pPr lvl="1"/>
-            <a:r>
-              <a:rPr lang="en-US" dirty="0"/>
-              <a:t>HTTP Post chain</a:t>
             </a:r>
           </a:p>
         </p:txBody>

--- a/2023-04-26 - Building a serverless Discord bot/PowerShell Summit 2023 - Serverless Discord bot.pptx
+++ b/2023-04-26 - Building a serverless Discord bot/PowerShell Summit 2023 - Serverless Discord bot.pptx
@@ -19,9 +19,10 @@
     <p:sldId id="281" r:id="rId13"/>
     <p:sldId id="284" r:id="rId14"/>
     <p:sldId id="286" r:id="rId15"/>
-    <p:sldId id="282" r:id="rId16"/>
-    <p:sldId id="283" r:id="rId17"/>
-    <p:sldId id="285" r:id="rId18"/>
+    <p:sldId id="287" r:id="rId16"/>
+    <p:sldId id="282" r:id="rId17"/>
+    <p:sldId id="283" r:id="rId18"/>
+    <p:sldId id="285" r:id="rId19"/>
   </p:sldIdLst>
   <p:sldSz cx="12192000" cy="6858000"/>
   <p:notesSz cx="6858000" cy="9144000"/>
@@ -275,7 +276,7 @@
           <a:p>
             <a:fld id="{D46B952B-F692-4DD1-9678-FCDA40C3FC40}" type="datetimeFigureOut">
               <a:rPr lang="en-US" smtClean="0"/>
-              <a:t>4/2/2023</a:t>
+              <a:t>4/4/2023</a:t>
             </a:fld>
             <a:endParaRPr lang="en-US"/>
           </a:p>
@@ -473,7 +474,7 @@
           <a:p>
             <a:fld id="{D46B952B-F692-4DD1-9678-FCDA40C3FC40}" type="datetimeFigureOut">
               <a:rPr lang="en-US" smtClean="0"/>
-              <a:t>4/2/2023</a:t>
+              <a:t>4/4/2023</a:t>
             </a:fld>
             <a:endParaRPr lang="en-US"/>
           </a:p>
@@ -681,7 +682,7 @@
           <a:p>
             <a:fld id="{D46B952B-F692-4DD1-9678-FCDA40C3FC40}" type="datetimeFigureOut">
               <a:rPr lang="en-US" smtClean="0"/>
-              <a:t>4/2/2023</a:t>
+              <a:t>4/4/2023</a:t>
             </a:fld>
             <a:endParaRPr lang="en-US"/>
           </a:p>
@@ -879,7 +880,7 @@
           <a:p>
             <a:fld id="{D46B952B-F692-4DD1-9678-FCDA40C3FC40}" type="datetimeFigureOut">
               <a:rPr lang="en-US" smtClean="0"/>
-              <a:t>4/2/2023</a:t>
+              <a:t>4/4/2023</a:t>
             </a:fld>
             <a:endParaRPr lang="en-US"/>
           </a:p>
@@ -1154,7 +1155,7 @@
           <a:p>
             <a:fld id="{D46B952B-F692-4DD1-9678-FCDA40C3FC40}" type="datetimeFigureOut">
               <a:rPr lang="en-US" smtClean="0"/>
-              <a:t>4/2/2023</a:t>
+              <a:t>4/4/2023</a:t>
             </a:fld>
             <a:endParaRPr lang="en-US"/>
           </a:p>
@@ -1419,7 +1420,7 @@
           <a:p>
             <a:fld id="{D46B952B-F692-4DD1-9678-FCDA40C3FC40}" type="datetimeFigureOut">
               <a:rPr lang="en-US" smtClean="0"/>
-              <a:t>4/2/2023</a:t>
+              <a:t>4/4/2023</a:t>
             </a:fld>
             <a:endParaRPr lang="en-US"/>
           </a:p>
@@ -1831,7 +1832,7 @@
           <a:p>
             <a:fld id="{D46B952B-F692-4DD1-9678-FCDA40C3FC40}" type="datetimeFigureOut">
               <a:rPr lang="en-US" smtClean="0"/>
-              <a:t>4/2/2023</a:t>
+              <a:t>4/4/2023</a:t>
             </a:fld>
             <a:endParaRPr lang="en-US"/>
           </a:p>
@@ -1972,7 +1973,7 @@
           <a:p>
             <a:fld id="{D46B952B-F692-4DD1-9678-FCDA40C3FC40}" type="datetimeFigureOut">
               <a:rPr lang="en-US" smtClean="0"/>
-              <a:t>4/2/2023</a:t>
+              <a:t>4/4/2023</a:t>
             </a:fld>
             <a:endParaRPr lang="en-US"/>
           </a:p>
@@ -2085,7 +2086,7 @@
           <a:p>
             <a:fld id="{D46B952B-F692-4DD1-9678-FCDA40C3FC40}" type="datetimeFigureOut">
               <a:rPr lang="en-US" smtClean="0"/>
-              <a:t>4/2/2023</a:t>
+              <a:t>4/4/2023</a:t>
             </a:fld>
             <a:endParaRPr lang="en-US"/>
           </a:p>
@@ -2396,7 +2397,7 @@
           <a:p>
             <a:fld id="{D46B952B-F692-4DD1-9678-FCDA40C3FC40}" type="datetimeFigureOut">
               <a:rPr lang="en-US" smtClean="0"/>
-              <a:t>4/2/2023</a:t>
+              <a:t>4/4/2023</a:t>
             </a:fld>
             <a:endParaRPr lang="en-US"/>
           </a:p>
@@ -2684,7 +2685,7 @@
           <a:p>
             <a:fld id="{D46B952B-F692-4DD1-9678-FCDA40C3FC40}" type="datetimeFigureOut">
               <a:rPr lang="en-US" smtClean="0"/>
-              <a:t>4/2/2023</a:t>
+              <a:t>4/4/2023</a:t>
             </a:fld>
             <a:endParaRPr lang="en-US"/>
           </a:p>
@@ -2934,7 +2935,7 @@
           <a:p>
             <a:fld id="{D46B952B-F692-4DD1-9678-FCDA40C3FC40}" type="datetimeFigureOut">
               <a:rPr lang="en-US" smtClean="0"/>
-              <a:t>4/2/2023</a:t>
+              <a:t>4/4/2023</a:t>
             </a:fld>
             <a:endParaRPr lang="en-US"/>
           </a:p>
@@ -3961,7 +3962,7 @@
           <p:cNvPr id="2" name="Title 1">
             <a:extLst>
               <a:ext uri="{FF2B5EF4-FFF2-40B4-BE49-F238E27FC236}">
-                <a16:creationId xmlns:a16="http://schemas.microsoft.com/office/drawing/2014/main" id="{FBECC900-50CE-6143-BD63-0FD41482F713}"/>
+                <a16:creationId xmlns:a16="http://schemas.microsoft.com/office/drawing/2014/main" id="{F0E90596-D92B-856E-7CAA-EDE2058C101B}"/>
               </a:ext>
             </a:extLst>
           </p:cNvPr>
@@ -3977,10 +3978,7 @@
           <a:bodyPr/>
           <a:lstStyle/>
           <a:p>
-            <a:r>
-              <a:rPr lang="en-US" dirty="0"/>
-              <a:t>Adding Commands</a:t>
-            </a:r>
+            <a:endParaRPr lang="en-US"/>
           </a:p>
         </p:txBody>
       </p:sp>
@@ -3989,7 +3987,7 @@
           <p:cNvPr id="3" name="Text Placeholder 2">
             <a:extLst>
               <a:ext uri="{FF2B5EF4-FFF2-40B4-BE49-F238E27FC236}">
-                <a16:creationId xmlns:a16="http://schemas.microsoft.com/office/drawing/2014/main" id="{F94C90DE-EBD1-BFFB-B969-40F7A7127CF4}"/>
+                <a16:creationId xmlns:a16="http://schemas.microsoft.com/office/drawing/2014/main" id="{2267A0A5-C1D1-975E-8D0F-40962DC299C6}"/>
               </a:ext>
             </a:extLst>
           </p:cNvPr>
@@ -4005,14 +4003,25 @@
           <a:bodyPr/>
           <a:lstStyle/>
           <a:p>
-            <a:endParaRPr lang="en-US"/>
+            <a:r>
+              <a:rPr lang="en-US" dirty="0">
+                <a:solidFill>
+                  <a:schemeClr val="tx1"/>
+                </a:solidFill>
+                <a:latin typeface="Consolas" panose="020B0609020204030204" pitchFamily="49" charset="0"/>
+              </a:rPr>
+              <a:t>Full function code review…</a:t>
+            </a:r>
+          </a:p>
+          <a:p>
+            <a:endParaRPr lang="en-US" dirty="0"/>
           </a:p>
         </p:txBody>
       </p:sp>
     </p:spTree>
     <p:extLst>
       <p:ext uri="{BB962C8B-B14F-4D97-AF65-F5344CB8AC3E}">
-        <p14:creationId xmlns:p14="http://schemas.microsoft.com/office/powerpoint/2010/main" val="3143325720"/>
+        <p14:creationId xmlns:p14="http://schemas.microsoft.com/office/powerpoint/2010/main" val="1124600913"/>
       </p:ext>
     </p:extLst>
   </p:cSld>
@@ -4044,6 +4053,89 @@
           <p:cNvPr id="2" name="Title 1">
             <a:extLst>
               <a:ext uri="{FF2B5EF4-FFF2-40B4-BE49-F238E27FC236}">
+                <a16:creationId xmlns:a16="http://schemas.microsoft.com/office/drawing/2014/main" id="{FBECC900-50CE-6143-BD63-0FD41482F713}"/>
+              </a:ext>
+            </a:extLst>
+          </p:cNvPr>
+          <p:cNvSpPr>
+            <a:spLocks noGrp="1"/>
+          </p:cNvSpPr>
+          <p:nvPr>
+            <p:ph type="title"/>
+          </p:nvPr>
+        </p:nvSpPr>
+        <p:spPr/>
+        <p:txBody>
+          <a:bodyPr/>
+          <a:lstStyle/>
+          <a:p>
+            <a:r>
+              <a:rPr lang="en-US" dirty="0"/>
+              <a:t>Adding Commands</a:t>
+            </a:r>
+          </a:p>
+        </p:txBody>
+      </p:sp>
+      <p:sp>
+        <p:nvSpPr>
+          <p:cNvPr id="3" name="Text Placeholder 2">
+            <a:extLst>
+              <a:ext uri="{FF2B5EF4-FFF2-40B4-BE49-F238E27FC236}">
+                <a16:creationId xmlns:a16="http://schemas.microsoft.com/office/drawing/2014/main" id="{F94C90DE-EBD1-BFFB-B969-40F7A7127CF4}"/>
+              </a:ext>
+            </a:extLst>
+          </p:cNvPr>
+          <p:cNvSpPr>
+            <a:spLocks noGrp="1"/>
+          </p:cNvSpPr>
+          <p:nvPr>
+            <p:ph type="body" idx="1"/>
+          </p:nvPr>
+        </p:nvSpPr>
+        <p:spPr/>
+        <p:txBody>
+          <a:bodyPr/>
+          <a:lstStyle/>
+          <a:p>
+            <a:endParaRPr lang="en-US"/>
+          </a:p>
+        </p:txBody>
+      </p:sp>
+    </p:spTree>
+    <p:extLst>
+      <p:ext uri="{BB962C8B-B14F-4D97-AF65-F5344CB8AC3E}">
+        <p14:creationId xmlns:p14="http://schemas.microsoft.com/office/powerpoint/2010/main" val="3143325720"/>
+      </p:ext>
+    </p:extLst>
+  </p:cSld>
+  <p:clrMapOvr>
+    <a:masterClrMapping/>
+  </p:clrMapOvr>
+</p:sld>
+</file>
+
+<file path=ppt/slides/slide17.xml><?xml version="1.0" encoding="utf-8"?>
+<p:sld xmlns:a="http://schemas.openxmlformats.org/drawingml/2006/main" xmlns:r="http://schemas.openxmlformats.org/officeDocument/2006/relationships" xmlns:p="http://schemas.openxmlformats.org/presentationml/2006/main">
+  <p:cSld>
+    <p:spTree>
+      <p:nvGrpSpPr>
+        <p:cNvPr id="1" name=""/>
+        <p:cNvGrpSpPr/>
+        <p:nvPr/>
+      </p:nvGrpSpPr>
+      <p:grpSpPr>
+        <a:xfrm>
+          <a:off x="0" y="0"/>
+          <a:ext cx="0" cy="0"/>
+          <a:chOff x="0" y="0"/>
+          <a:chExt cx="0" cy="0"/>
+        </a:xfrm>
+      </p:grpSpPr>
+      <p:sp>
+        <p:nvSpPr>
+          <p:cNvPr id="2" name="Title 1">
+            <a:extLst>
+              <a:ext uri="{FF2B5EF4-FFF2-40B4-BE49-F238E27FC236}">
                 <a16:creationId xmlns:a16="http://schemas.microsoft.com/office/drawing/2014/main" id="{18133B67-FEE0-DF4C-4D80-404858A55DF3}"/>
               </a:ext>
             </a:extLst>
@@ -4110,7 +4202,7 @@
 </p:sld>
 </file>
 
-<file path=ppt/slides/slide17.xml><?xml version="1.0" encoding="utf-8"?>
+<file path=ppt/slides/slide18.xml><?xml version="1.0" encoding="utf-8"?>
 <p:sld xmlns:a="http://schemas.openxmlformats.org/drawingml/2006/main" xmlns:r="http://schemas.openxmlformats.org/officeDocument/2006/relationships" xmlns:p="http://schemas.openxmlformats.org/presentationml/2006/main">
   <p:cSld>
     <p:spTree>

--- a/2023-04-26 - Building a serverless Discord bot/PowerShell Summit 2023 - Serverless Discord bot.pptx
+++ b/2023-04-26 - Building a serverless Discord bot/PowerShell Summit 2023 - Serverless Discord bot.pptx
@@ -21,8 +21,9 @@
     <p:sldId id="286" r:id="rId15"/>
     <p:sldId id="287" r:id="rId16"/>
     <p:sldId id="282" r:id="rId17"/>
-    <p:sldId id="283" r:id="rId18"/>
-    <p:sldId id="285" r:id="rId19"/>
+    <p:sldId id="288" r:id="rId18"/>
+    <p:sldId id="283" r:id="rId19"/>
+    <p:sldId id="285" r:id="rId20"/>
   </p:sldIdLst>
   <p:sldSz cx="12192000" cy="6858000"/>
   <p:notesSz cx="6858000" cy="9144000"/>
@@ -276,7 +277,7 @@
           <a:p>
             <a:fld id="{D46B952B-F692-4DD1-9678-FCDA40C3FC40}" type="datetimeFigureOut">
               <a:rPr lang="en-US" smtClean="0"/>
-              <a:t>4/4/2023</a:t>
+              <a:t>4/9/2023</a:t>
             </a:fld>
             <a:endParaRPr lang="en-US"/>
           </a:p>
@@ -474,7 +475,7 @@
           <a:p>
             <a:fld id="{D46B952B-F692-4DD1-9678-FCDA40C3FC40}" type="datetimeFigureOut">
               <a:rPr lang="en-US" smtClean="0"/>
-              <a:t>4/4/2023</a:t>
+              <a:t>4/9/2023</a:t>
             </a:fld>
             <a:endParaRPr lang="en-US"/>
           </a:p>
@@ -682,7 +683,7 @@
           <a:p>
             <a:fld id="{D46B952B-F692-4DD1-9678-FCDA40C3FC40}" type="datetimeFigureOut">
               <a:rPr lang="en-US" smtClean="0"/>
-              <a:t>4/4/2023</a:t>
+              <a:t>4/9/2023</a:t>
             </a:fld>
             <a:endParaRPr lang="en-US"/>
           </a:p>
@@ -880,7 +881,7 @@
           <a:p>
             <a:fld id="{D46B952B-F692-4DD1-9678-FCDA40C3FC40}" type="datetimeFigureOut">
               <a:rPr lang="en-US" smtClean="0"/>
-              <a:t>4/4/2023</a:t>
+              <a:t>4/9/2023</a:t>
             </a:fld>
             <a:endParaRPr lang="en-US"/>
           </a:p>
@@ -1155,7 +1156,7 @@
           <a:p>
             <a:fld id="{D46B952B-F692-4DD1-9678-FCDA40C3FC40}" type="datetimeFigureOut">
               <a:rPr lang="en-US" smtClean="0"/>
-              <a:t>4/4/2023</a:t>
+              <a:t>4/9/2023</a:t>
             </a:fld>
             <a:endParaRPr lang="en-US"/>
           </a:p>
@@ -1420,7 +1421,7 @@
           <a:p>
             <a:fld id="{D46B952B-F692-4DD1-9678-FCDA40C3FC40}" type="datetimeFigureOut">
               <a:rPr lang="en-US" smtClean="0"/>
-              <a:t>4/4/2023</a:t>
+              <a:t>4/9/2023</a:t>
             </a:fld>
             <a:endParaRPr lang="en-US"/>
           </a:p>
@@ -1832,7 +1833,7 @@
           <a:p>
             <a:fld id="{D46B952B-F692-4DD1-9678-FCDA40C3FC40}" type="datetimeFigureOut">
               <a:rPr lang="en-US" smtClean="0"/>
-              <a:t>4/4/2023</a:t>
+              <a:t>4/9/2023</a:t>
             </a:fld>
             <a:endParaRPr lang="en-US"/>
           </a:p>
@@ -1973,7 +1974,7 @@
           <a:p>
             <a:fld id="{D46B952B-F692-4DD1-9678-FCDA40C3FC40}" type="datetimeFigureOut">
               <a:rPr lang="en-US" smtClean="0"/>
-              <a:t>4/4/2023</a:t>
+              <a:t>4/9/2023</a:t>
             </a:fld>
             <a:endParaRPr lang="en-US"/>
           </a:p>
@@ -2086,7 +2087,7 @@
           <a:p>
             <a:fld id="{D46B952B-F692-4DD1-9678-FCDA40C3FC40}" type="datetimeFigureOut">
               <a:rPr lang="en-US" smtClean="0"/>
-              <a:t>4/4/2023</a:t>
+              <a:t>4/9/2023</a:t>
             </a:fld>
             <a:endParaRPr lang="en-US"/>
           </a:p>
@@ -2397,7 +2398,7 @@
           <a:p>
             <a:fld id="{D46B952B-F692-4DD1-9678-FCDA40C3FC40}" type="datetimeFigureOut">
               <a:rPr lang="en-US" smtClean="0"/>
-              <a:t>4/4/2023</a:t>
+              <a:t>4/9/2023</a:t>
             </a:fld>
             <a:endParaRPr lang="en-US"/>
           </a:p>
@@ -2685,7 +2686,7 @@
           <a:p>
             <a:fld id="{D46B952B-F692-4DD1-9678-FCDA40C3FC40}" type="datetimeFigureOut">
               <a:rPr lang="en-US" smtClean="0"/>
-              <a:t>4/4/2023</a:t>
+              <a:t>4/9/2023</a:t>
             </a:fld>
             <a:endParaRPr lang="en-US"/>
           </a:p>
@@ -2935,7 +2936,7 @@
           <a:p>
             <a:fld id="{D46B952B-F692-4DD1-9678-FCDA40C3FC40}" type="datetimeFigureOut">
               <a:rPr lang="en-US" smtClean="0"/>
-              <a:t>4/4/2023</a:t>
+              <a:t>4/9/2023</a:t>
             </a:fld>
             <a:endParaRPr lang="en-US"/>
           </a:p>
@@ -4136,6 +4137,127 @@
           <p:cNvPr id="2" name="Title 1">
             <a:extLst>
               <a:ext uri="{FF2B5EF4-FFF2-40B4-BE49-F238E27FC236}">
+                <a16:creationId xmlns:a16="http://schemas.microsoft.com/office/drawing/2014/main" id="{FE06D3E5-4ABA-FCFA-4F84-AEE01DA4566C}"/>
+              </a:ext>
+            </a:extLst>
+          </p:cNvPr>
+          <p:cNvSpPr>
+            <a:spLocks noGrp="1"/>
+          </p:cNvSpPr>
+          <p:nvPr>
+            <p:ph type="title"/>
+          </p:nvPr>
+        </p:nvSpPr>
+        <p:spPr/>
+        <p:txBody>
+          <a:bodyPr/>
+          <a:lstStyle/>
+          <a:p>
+            <a:r>
+              <a:rPr lang="en-US" dirty="0"/>
+              <a:t>Command Types</a:t>
+            </a:r>
+          </a:p>
+        </p:txBody>
+      </p:sp>
+      <p:sp>
+        <p:nvSpPr>
+          <p:cNvPr id="3" name="Content Placeholder 2">
+            <a:extLst>
+              <a:ext uri="{FF2B5EF4-FFF2-40B4-BE49-F238E27FC236}">
+                <a16:creationId xmlns:a16="http://schemas.microsoft.com/office/drawing/2014/main" id="{C15EFAF7-3ED1-6A70-FD7D-48CC2B6795D6}"/>
+              </a:ext>
+            </a:extLst>
+          </p:cNvPr>
+          <p:cNvSpPr>
+            <a:spLocks noGrp="1"/>
+          </p:cNvSpPr>
+          <p:nvPr>
+            <p:ph idx="1"/>
+          </p:nvPr>
+        </p:nvSpPr>
+        <p:spPr/>
+        <p:txBody>
+          <a:bodyPr/>
+          <a:lstStyle/>
+          <a:p>
+            <a:r>
+              <a:rPr lang="en-US" dirty="0"/>
+              <a:t>Application (Global)</a:t>
+            </a:r>
+          </a:p>
+          <a:p>
+            <a:pPr lvl="1"/>
+            <a:r>
+              <a:rPr lang="en-US" dirty="0"/>
+              <a:t>Applies to all servers</a:t>
+            </a:r>
+          </a:p>
+          <a:p>
+            <a:pPr lvl="1"/>
+            <a:r>
+              <a:rPr lang="en-US" dirty="0"/>
+              <a:t>Slow propagation</a:t>
+            </a:r>
+          </a:p>
+          <a:p>
+            <a:r>
+              <a:rPr lang="en-US" dirty="0"/>
+              <a:t>Guild (Server)</a:t>
+            </a:r>
+          </a:p>
+          <a:p>
+            <a:pPr lvl="1"/>
+            <a:r>
+              <a:rPr lang="en-US" dirty="0"/>
+              <a:t>Applies to a specific server</a:t>
+            </a:r>
+          </a:p>
+          <a:p>
+            <a:pPr lvl="1"/>
+            <a:r>
+              <a:rPr lang="en-US"/>
+              <a:t>Instant propagation</a:t>
+            </a:r>
+            <a:endParaRPr lang="en-US" dirty="0"/>
+          </a:p>
+        </p:txBody>
+      </p:sp>
+    </p:spTree>
+    <p:extLst>
+      <p:ext uri="{BB962C8B-B14F-4D97-AF65-F5344CB8AC3E}">
+        <p14:creationId xmlns:p14="http://schemas.microsoft.com/office/powerpoint/2010/main" val="3619535768"/>
+      </p:ext>
+    </p:extLst>
+  </p:cSld>
+  <p:clrMapOvr>
+    <a:masterClrMapping/>
+  </p:clrMapOvr>
+</p:sld>
+</file>
+
+<file path=ppt/slides/slide18.xml><?xml version="1.0" encoding="utf-8"?>
+<p:sld xmlns:a="http://schemas.openxmlformats.org/drawingml/2006/main" xmlns:r="http://schemas.openxmlformats.org/officeDocument/2006/relationships" xmlns:p="http://schemas.openxmlformats.org/presentationml/2006/main">
+  <p:cSld>
+    <p:spTree>
+      <p:nvGrpSpPr>
+        <p:cNvPr id="1" name=""/>
+        <p:cNvGrpSpPr/>
+        <p:nvPr/>
+      </p:nvGrpSpPr>
+      <p:grpSpPr>
+        <a:xfrm>
+          <a:off x="0" y="0"/>
+          <a:ext cx="0" cy="0"/>
+          <a:chOff x="0" y="0"/>
+          <a:chExt cx="0" cy="0"/>
+        </a:xfrm>
+      </p:grpSpPr>
+      <p:sp>
+        <p:nvSpPr>
+          <p:cNvPr id="2" name="Title 1">
+            <a:extLst>
+              <a:ext uri="{FF2B5EF4-FFF2-40B4-BE49-F238E27FC236}">
                 <a16:creationId xmlns:a16="http://schemas.microsoft.com/office/drawing/2014/main" id="{18133B67-FEE0-DF4C-4D80-404858A55DF3}"/>
               </a:ext>
             </a:extLst>
@@ -4202,7 +4324,7 @@
 </p:sld>
 </file>
 
-<file path=ppt/slides/slide18.xml><?xml version="1.0" encoding="utf-8"?>
+<file path=ppt/slides/slide19.xml><?xml version="1.0" encoding="utf-8"?>
 <p:sld xmlns:a="http://schemas.openxmlformats.org/drawingml/2006/main" xmlns:r="http://schemas.openxmlformats.org/officeDocument/2006/relationships" xmlns:p="http://schemas.openxmlformats.org/presentationml/2006/main">
   <p:cSld>
     <p:spTree>

--- a/2023-04-26 - Building a serverless Discord bot/PowerShell Summit 2023 - Serverless Discord bot.pptx
+++ b/2023-04-26 - Building a serverless Discord bot/PowerShell Summit 2023 - Serverless Discord bot.pptx
@@ -9,21 +9,23 @@
     <p:sldId id="257" r:id="rId3"/>
     <p:sldId id="272" r:id="rId4"/>
     <p:sldId id="273" r:id="rId5"/>
-    <p:sldId id="271" r:id="rId6"/>
-    <p:sldId id="268" r:id="rId7"/>
-    <p:sldId id="274" r:id="rId8"/>
-    <p:sldId id="280" r:id="rId9"/>
+    <p:sldId id="290" r:id="rId6"/>
+    <p:sldId id="271" r:id="rId7"/>
+    <p:sldId id="268" r:id="rId8"/>
+    <p:sldId id="274" r:id="rId9"/>
     <p:sldId id="277" r:id="rId10"/>
-    <p:sldId id="278" r:id="rId11"/>
-    <p:sldId id="279" r:id="rId12"/>
-    <p:sldId id="281" r:id="rId13"/>
-    <p:sldId id="284" r:id="rId14"/>
-    <p:sldId id="286" r:id="rId15"/>
-    <p:sldId id="287" r:id="rId16"/>
-    <p:sldId id="282" r:id="rId17"/>
-    <p:sldId id="288" r:id="rId18"/>
-    <p:sldId id="283" r:id="rId19"/>
-    <p:sldId id="285" r:id="rId20"/>
+    <p:sldId id="280" r:id="rId11"/>
+    <p:sldId id="289" r:id="rId12"/>
+    <p:sldId id="285" r:id="rId13"/>
+    <p:sldId id="278" r:id="rId14"/>
+    <p:sldId id="279" r:id="rId15"/>
+    <p:sldId id="281" r:id="rId16"/>
+    <p:sldId id="284" r:id="rId17"/>
+    <p:sldId id="286" r:id="rId18"/>
+    <p:sldId id="287" r:id="rId19"/>
+    <p:sldId id="282" r:id="rId20"/>
+    <p:sldId id="288" r:id="rId21"/>
+    <p:sldId id="283" r:id="rId22"/>
   </p:sldIdLst>
   <p:sldSz cx="12192000" cy="6858000"/>
   <p:notesSz cx="6858000" cy="9144000"/>
@@ -277,7 +279,7 @@
           <a:p>
             <a:fld id="{D46B952B-F692-4DD1-9678-FCDA40C3FC40}" type="datetimeFigureOut">
               <a:rPr lang="en-US" smtClean="0"/>
-              <a:t>4/9/2023</a:t>
+              <a:t>4/17/2023</a:t>
             </a:fld>
             <a:endParaRPr lang="en-US"/>
           </a:p>
@@ -475,7 +477,7 @@
           <a:p>
             <a:fld id="{D46B952B-F692-4DD1-9678-FCDA40C3FC40}" type="datetimeFigureOut">
               <a:rPr lang="en-US" smtClean="0"/>
-              <a:t>4/9/2023</a:t>
+              <a:t>4/17/2023</a:t>
             </a:fld>
             <a:endParaRPr lang="en-US"/>
           </a:p>
@@ -683,7 +685,7 @@
           <a:p>
             <a:fld id="{D46B952B-F692-4DD1-9678-FCDA40C3FC40}" type="datetimeFigureOut">
               <a:rPr lang="en-US" smtClean="0"/>
-              <a:t>4/9/2023</a:t>
+              <a:t>4/17/2023</a:t>
             </a:fld>
             <a:endParaRPr lang="en-US"/>
           </a:p>
@@ -881,7 +883,7 @@
           <a:p>
             <a:fld id="{D46B952B-F692-4DD1-9678-FCDA40C3FC40}" type="datetimeFigureOut">
               <a:rPr lang="en-US" smtClean="0"/>
-              <a:t>4/9/2023</a:t>
+              <a:t>4/17/2023</a:t>
             </a:fld>
             <a:endParaRPr lang="en-US"/>
           </a:p>
@@ -1156,7 +1158,7 @@
           <a:p>
             <a:fld id="{D46B952B-F692-4DD1-9678-FCDA40C3FC40}" type="datetimeFigureOut">
               <a:rPr lang="en-US" smtClean="0"/>
-              <a:t>4/9/2023</a:t>
+              <a:t>4/17/2023</a:t>
             </a:fld>
             <a:endParaRPr lang="en-US"/>
           </a:p>
@@ -1421,7 +1423,7 @@
           <a:p>
             <a:fld id="{D46B952B-F692-4DD1-9678-FCDA40C3FC40}" type="datetimeFigureOut">
               <a:rPr lang="en-US" smtClean="0"/>
-              <a:t>4/9/2023</a:t>
+              <a:t>4/17/2023</a:t>
             </a:fld>
             <a:endParaRPr lang="en-US"/>
           </a:p>
@@ -1833,7 +1835,7 @@
           <a:p>
             <a:fld id="{D46B952B-F692-4DD1-9678-FCDA40C3FC40}" type="datetimeFigureOut">
               <a:rPr lang="en-US" smtClean="0"/>
-              <a:t>4/9/2023</a:t>
+              <a:t>4/17/2023</a:t>
             </a:fld>
             <a:endParaRPr lang="en-US"/>
           </a:p>
@@ -1974,7 +1976,7 @@
           <a:p>
             <a:fld id="{D46B952B-F692-4DD1-9678-FCDA40C3FC40}" type="datetimeFigureOut">
               <a:rPr lang="en-US" smtClean="0"/>
-              <a:t>4/9/2023</a:t>
+              <a:t>4/17/2023</a:t>
             </a:fld>
             <a:endParaRPr lang="en-US"/>
           </a:p>
@@ -2087,7 +2089,7 @@
           <a:p>
             <a:fld id="{D46B952B-F692-4DD1-9678-FCDA40C3FC40}" type="datetimeFigureOut">
               <a:rPr lang="en-US" smtClean="0"/>
-              <a:t>4/9/2023</a:t>
+              <a:t>4/17/2023</a:t>
             </a:fld>
             <a:endParaRPr lang="en-US"/>
           </a:p>
@@ -2398,7 +2400,7 @@
           <a:p>
             <a:fld id="{D46B952B-F692-4DD1-9678-FCDA40C3FC40}" type="datetimeFigureOut">
               <a:rPr lang="en-US" smtClean="0"/>
-              <a:t>4/9/2023</a:t>
+              <a:t>4/17/2023</a:t>
             </a:fld>
             <a:endParaRPr lang="en-US"/>
           </a:p>
@@ -2686,7 +2688,7 @@
           <a:p>
             <a:fld id="{D46B952B-F692-4DD1-9678-FCDA40C3FC40}" type="datetimeFigureOut">
               <a:rPr lang="en-US" smtClean="0"/>
-              <a:t>4/9/2023</a:t>
+              <a:t>4/17/2023</a:t>
             </a:fld>
             <a:endParaRPr lang="en-US"/>
           </a:p>
@@ -2936,7 +2938,7 @@
           <a:p>
             <a:fld id="{D46B952B-F692-4DD1-9678-FCDA40C3FC40}" type="datetimeFigureOut">
               <a:rPr lang="en-US" smtClean="0"/>
-              <a:t>4/9/2023</a:t>
+              <a:t>4/17/2023</a:t>
             </a:fld>
             <a:endParaRPr lang="en-US"/>
           </a:p>
@@ -3463,7 +3465,7 @@
           <p:cNvPr id="2" name="Title 1">
             <a:extLst>
               <a:ext uri="{FF2B5EF4-FFF2-40B4-BE49-F238E27FC236}">
-                <a16:creationId xmlns:a16="http://schemas.microsoft.com/office/drawing/2014/main" id="{63AB74DE-18BA-8DA5-5D43-F4EE68301F79}"/>
+                <a16:creationId xmlns:a16="http://schemas.microsoft.com/office/drawing/2014/main" id="{CBFD5523-8704-64F5-986C-91C605EFC9EE}"/>
               </a:ext>
             </a:extLst>
           </p:cNvPr>
@@ -3479,42 +3481,49 @@
           <a:bodyPr/>
           <a:lstStyle/>
           <a:p>
-            <a:r>
-              <a:rPr lang="en-US" dirty="0"/>
-              <a:t>Azure Function Workflow</a:t>
-            </a:r>
-          </a:p>
-        </p:txBody>
-      </p:sp>
-      <p:sp>
-        <p:nvSpPr>
-          <p:cNvPr id="3" name="Text Placeholder 2">
-            <a:extLst>
-              <a:ext uri="{FF2B5EF4-FFF2-40B4-BE49-F238E27FC236}">
-                <a16:creationId xmlns:a16="http://schemas.microsoft.com/office/drawing/2014/main" id="{6C2E6340-1E8E-E006-C098-43CFA47CB128}"/>
-              </a:ext>
-            </a:extLst>
-          </p:cNvPr>
-          <p:cNvSpPr>
-            <a:spLocks noGrp="1"/>
-          </p:cNvSpPr>
-          <p:nvPr>
-            <p:ph type="body" idx="1"/>
-          </p:nvPr>
-        </p:nvSpPr>
-        <p:spPr/>
-        <p:txBody>
-          <a:bodyPr/>
-          <a:lstStyle/>
-          <a:p>
             <a:endParaRPr lang="en-US"/>
           </a:p>
         </p:txBody>
       </p:sp>
+      <p:pic>
+        <p:nvPicPr>
+          <p:cNvPr id="5" name="Content Placeholder 4" descr="Diagram&#10;&#10;Description automatically generated">
+            <a:extLst>
+              <a:ext uri="{FF2B5EF4-FFF2-40B4-BE49-F238E27FC236}">
+                <a16:creationId xmlns:a16="http://schemas.microsoft.com/office/drawing/2014/main" id="{0400EF73-BE5D-B1F1-658D-DB60AB18D76E}"/>
+              </a:ext>
+            </a:extLst>
+          </p:cNvPr>
+          <p:cNvPicPr>
+            <a:picLocks noGrp="1" noChangeAspect="1"/>
+          </p:cNvPicPr>
+          <p:nvPr>
+            <p:ph idx="1"/>
+          </p:nvPr>
+        </p:nvPicPr>
+        <p:blipFill>
+          <a:blip r:embed="rId2">
+            <a:extLst>
+              <a:ext uri="{28A0092B-C50C-407E-A947-70E740481C1C}">
+                <a14:useLocalDpi xmlns:a14="http://schemas.microsoft.com/office/drawing/2010/main" val="0"/>
+              </a:ext>
+            </a:extLst>
+          </a:blip>
+          <a:stretch>
+            <a:fillRect/>
+          </a:stretch>
+        </p:blipFill>
+        <p:spPr>
+          <a:xfrm>
+            <a:off x="2350293" y="370561"/>
+            <a:ext cx="6265069" cy="6072765"/>
+          </a:xfrm>
+        </p:spPr>
+      </p:pic>
     </p:spTree>
     <p:extLst>
       <p:ext uri="{BB962C8B-B14F-4D97-AF65-F5344CB8AC3E}">
-        <p14:creationId xmlns:p14="http://schemas.microsoft.com/office/powerpoint/2010/main" val="3640973236"/>
+        <p14:creationId xmlns:p14="http://schemas.microsoft.com/office/powerpoint/2010/main" val="2827307933"/>
       </p:ext>
     </p:extLst>
   </p:cSld>
@@ -3546,7 +3555,7 @@
           <p:cNvPr id="2" name="Title 1">
             <a:extLst>
               <a:ext uri="{FF2B5EF4-FFF2-40B4-BE49-F238E27FC236}">
-                <a16:creationId xmlns:a16="http://schemas.microsoft.com/office/drawing/2014/main" id="{9A93054A-57C7-C260-5669-95E823B766BB}"/>
+                <a16:creationId xmlns:a16="http://schemas.microsoft.com/office/drawing/2014/main" id="{FC34987A-11E3-F2BC-832E-ADE3AFE74C6C}"/>
               </a:ext>
             </a:extLst>
           </p:cNvPr>
@@ -3562,16 +3571,19 @@
           <a:bodyPr/>
           <a:lstStyle/>
           <a:p>
-            <a:endParaRPr lang="en-US"/>
+            <a:r>
+              <a:rPr lang="en-US" dirty="0"/>
+              <a:t>Function Chaining</a:t>
+            </a:r>
           </a:p>
         </p:txBody>
       </p:sp>
       <p:pic>
         <p:nvPicPr>
-          <p:cNvPr id="5" name="Content Placeholder 4" descr="Diagram&#10;&#10;Description automatically generated">
-            <a:extLst>
-              <a:ext uri="{FF2B5EF4-FFF2-40B4-BE49-F238E27FC236}">
-                <a16:creationId xmlns:a16="http://schemas.microsoft.com/office/drawing/2014/main" id="{E2DF0D96-5F90-FD81-7491-8713C929FB84}"/>
+          <p:cNvPr id="13" name="Content Placeholder 12" descr="Diagram&#10;&#10;Description automatically generated">
+            <a:extLst>
+              <a:ext uri="{FF2B5EF4-FFF2-40B4-BE49-F238E27FC236}">
+                <a16:creationId xmlns:a16="http://schemas.microsoft.com/office/drawing/2014/main" id="{8CF119B8-D0F3-195E-D9B7-1A9953E93596}"/>
               </a:ext>
             </a:extLst>
           </p:cNvPr>
@@ -3596,15 +3608,15 @@
         </p:blipFill>
         <p:spPr>
           <a:xfrm>
-            <a:off x="838199" y="971551"/>
-            <a:ext cx="10522927" cy="4972844"/>
+            <a:off x="1339200" y="1527758"/>
+            <a:ext cx="9115200" cy="4739904"/>
           </a:xfrm>
         </p:spPr>
       </p:pic>
     </p:spTree>
     <p:extLst>
       <p:ext uri="{BB962C8B-B14F-4D97-AF65-F5344CB8AC3E}">
-        <p14:creationId xmlns:p14="http://schemas.microsoft.com/office/powerpoint/2010/main" val="4153132047"/>
+        <p14:creationId xmlns:p14="http://schemas.microsoft.com/office/powerpoint/2010/main" val="2555899919"/>
       </p:ext>
     </p:extLst>
   </p:cSld>
@@ -3636,7 +3648,7 @@
           <p:cNvPr id="2" name="Title 1">
             <a:extLst>
               <a:ext uri="{FF2B5EF4-FFF2-40B4-BE49-F238E27FC236}">
-                <a16:creationId xmlns:a16="http://schemas.microsoft.com/office/drawing/2014/main" id="{18133B67-FEE0-DF4C-4D80-404858A55DF3}"/>
+                <a16:creationId xmlns:a16="http://schemas.microsoft.com/office/drawing/2014/main" id="{94E7DA5E-F78C-1916-2904-D92DC8680545}"/>
               </a:ext>
             </a:extLst>
           </p:cNvPr>
@@ -3652,47 +3664,135 @@
           <a:bodyPr/>
           <a:lstStyle/>
           <a:p>
+            <a:r>
+              <a:rPr lang="en-US" dirty="0"/>
+              <a:t>Function Chaining Evolutions</a:t>
+            </a:r>
+          </a:p>
+        </p:txBody>
+      </p:sp>
+      <p:sp>
+        <p:nvSpPr>
+          <p:cNvPr id="3" name="Content Placeholder 2">
+            <a:extLst>
+              <a:ext uri="{FF2B5EF4-FFF2-40B4-BE49-F238E27FC236}">
+                <a16:creationId xmlns:a16="http://schemas.microsoft.com/office/drawing/2014/main" id="{03098E5D-B70E-FE27-6D02-4DB30AE8B82E}"/>
+              </a:ext>
+            </a:extLst>
+          </p:cNvPr>
+          <p:cNvSpPr>
+            <a:spLocks noGrp="1"/>
+          </p:cNvSpPr>
+          <p:nvPr>
+            <p:ph idx="1"/>
+          </p:nvPr>
+        </p:nvSpPr>
+        <p:spPr/>
+        <p:txBody>
+          <a:bodyPr>
+            <a:normAutofit lnSpcReduction="10000"/>
+          </a:bodyPr>
+          <a:lstStyle/>
+          <a:p>
+            <a:pPr marL="514350" indent="-514350">
+              <a:buFont typeface="+mj-lt"/>
+              <a:buAutoNum type="arabicPeriod"/>
+            </a:pPr>
+            <a:r>
+              <a:rPr lang="en-US" dirty="0"/>
+              <a:t>Queue based</a:t>
+            </a:r>
+          </a:p>
+          <a:p>
+            <a:pPr lvl="1"/>
+            <a:r>
+              <a:rPr lang="en-US" dirty="0">
+                <a:hlinkClick r:id="rId2"/>
+              </a:rPr>
+              <a:t>Building a Discord Bot in PowerShell and Azure Functions</a:t>
+            </a:r>
             <a:endParaRPr lang="en-US" dirty="0"/>
           </a:p>
-        </p:txBody>
-      </p:sp>
-      <p:sp>
-        <p:nvSpPr>
-          <p:cNvPr id="3" name="Text Placeholder 2">
-            <a:extLst>
-              <a:ext uri="{FF2B5EF4-FFF2-40B4-BE49-F238E27FC236}">
-                <a16:creationId xmlns:a16="http://schemas.microsoft.com/office/drawing/2014/main" id="{B371DC88-83BE-A49F-AF45-9FE8B3584FA9}"/>
-              </a:ext>
-            </a:extLst>
-          </p:cNvPr>
-          <p:cNvSpPr>
-            <a:spLocks noGrp="1"/>
-          </p:cNvSpPr>
-          <p:nvPr>
-            <p:ph type="body" idx="1"/>
-          </p:nvPr>
-        </p:nvSpPr>
-        <p:spPr/>
-        <p:txBody>
-          <a:bodyPr/>
-          <a:lstStyle/>
-          <a:p>
-            <a:r>
-              <a:rPr lang="en-US" dirty="0">
-                <a:solidFill>
-                  <a:schemeClr val="tx1"/>
-                </a:solidFill>
-                <a:latin typeface="Consolas" panose="020B0609020204030204" pitchFamily="49" charset="0"/>
-              </a:rPr>
-              <a:t>Azure Function code demo…</a:t>
-            </a:r>
+          <a:p>
+            <a:pPr lvl="2"/>
+            <a:r>
+              <a:rPr lang="en-US" dirty="0"/>
+              <a:t>Devin Rich</a:t>
+            </a:r>
+          </a:p>
+          <a:p>
+            <a:pPr lvl="1"/>
+            <a:r>
+              <a:rPr lang="en-US" dirty="0"/>
+              <a:t>Command is passed off via a queue</a:t>
+            </a:r>
+          </a:p>
+          <a:p>
+            <a:pPr lvl="1"/>
+            <a:r>
+              <a:rPr lang="en-US" dirty="0"/>
+              <a:t>Slower, but more reliable than HTTP POST chain</a:t>
+            </a:r>
+          </a:p>
+          <a:p>
+            <a:pPr marL="514350" indent="-514350">
+              <a:buFont typeface="+mj-lt"/>
+              <a:buAutoNum type="arabicPeriod"/>
+            </a:pPr>
+            <a:r>
+              <a:rPr lang="en-US" dirty="0"/>
+              <a:t>Durable Function</a:t>
+            </a:r>
+          </a:p>
+          <a:p>
+            <a:pPr lvl="1"/>
+            <a:r>
+              <a:rPr lang="en-US" dirty="0"/>
+              <a:t>Command is passed off via New-Orchestration</a:t>
+            </a:r>
+          </a:p>
+          <a:p>
+            <a:pPr lvl="1"/>
+            <a:r>
+              <a:rPr lang="en-US" dirty="0"/>
+              <a:t>Very storage intensive (expensive)</a:t>
+            </a:r>
+          </a:p>
+          <a:p>
+            <a:pPr marL="514350" indent="-514350">
+              <a:buFont typeface="+mj-lt"/>
+              <a:buAutoNum type="arabicPeriod"/>
+            </a:pPr>
+            <a:r>
+              <a:rPr lang="en-US" dirty="0"/>
+              <a:t>HTTP POST chain</a:t>
+            </a:r>
+          </a:p>
+          <a:p>
+            <a:pPr lvl="1"/>
+            <a:r>
+              <a:rPr lang="en-US" dirty="0"/>
+              <a:t>Command is passed off via HTTP POST</a:t>
+            </a:r>
+          </a:p>
+          <a:p>
+            <a:pPr lvl="1"/>
+            <a:r>
+              <a:rPr lang="en-US" dirty="0"/>
+              <a:t>Fast, but requires function keys and -</a:t>
+            </a:r>
+            <a:r>
+              <a:rPr lang="en-US" dirty="0" err="1"/>
+              <a:t>TimeoutSec</a:t>
+            </a:r>
+            <a:endParaRPr lang="en-US" dirty="0"/>
           </a:p>
         </p:txBody>
       </p:sp>
     </p:spTree>
     <p:extLst>
       <p:ext uri="{BB962C8B-B14F-4D97-AF65-F5344CB8AC3E}">
-        <p14:creationId xmlns:p14="http://schemas.microsoft.com/office/powerpoint/2010/main" val="3960244462"/>
+        <p14:creationId xmlns:p14="http://schemas.microsoft.com/office/powerpoint/2010/main" val="1949597004"/>
       </p:ext>
     </p:extLst>
   </p:cSld>
@@ -3724,7 +3824,7 @@
           <p:cNvPr id="2" name="Title 1">
             <a:extLst>
               <a:ext uri="{FF2B5EF4-FFF2-40B4-BE49-F238E27FC236}">
-                <a16:creationId xmlns:a16="http://schemas.microsoft.com/office/drawing/2014/main" id="{59742D62-9479-2FEC-C9FC-A288EC1A0E17}"/>
+                <a16:creationId xmlns:a16="http://schemas.microsoft.com/office/drawing/2014/main" id="{63AB74DE-18BA-8DA5-5D43-F4EE68301F79}"/>
               </a:ext>
             </a:extLst>
           </p:cNvPr>
@@ -3742,91 +3842,40 @@
           <a:p>
             <a:r>
               <a:rPr lang="en-US" dirty="0"/>
-              <a:t>Creating a Discord Bot</a:t>
-            </a:r>
-          </a:p>
-        </p:txBody>
-      </p:sp>
-      <p:sp>
-        <p:nvSpPr>
-          <p:cNvPr id="3" name="Content Placeholder 2">
-            <a:extLst>
-              <a:ext uri="{FF2B5EF4-FFF2-40B4-BE49-F238E27FC236}">
-                <a16:creationId xmlns:a16="http://schemas.microsoft.com/office/drawing/2014/main" id="{2D28C9F1-7BB9-419D-E307-F3BDC4D55D54}"/>
-              </a:ext>
-            </a:extLst>
-          </p:cNvPr>
-          <p:cNvSpPr>
-            <a:spLocks noGrp="1"/>
-          </p:cNvSpPr>
-          <p:nvPr>
-            <p:ph idx="1"/>
-          </p:nvPr>
-        </p:nvSpPr>
-        <p:spPr/>
-        <p:txBody>
-          <a:bodyPr/>
-          <a:lstStyle/>
-          <a:p>
-            <a:r>
-              <a:rPr lang="en-US" dirty="0"/>
-              <a:t>Create Discord App</a:t>
-            </a:r>
-          </a:p>
-          <a:p>
-            <a:r>
-              <a:rPr lang="en-US" dirty="0"/>
-              <a:t>Bot -&gt; Add bot</a:t>
-            </a:r>
-          </a:p>
-          <a:p>
-            <a:r>
-              <a:rPr lang="en-US" dirty="0"/>
-              <a:t>Oauth2 -&gt; URL Generator -&gt;</a:t>
-            </a:r>
-          </a:p>
-          <a:p>
-            <a:pPr lvl="1"/>
-            <a:r>
-              <a:rPr lang="en-US" dirty="0"/>
-              <a:t>bot</a:t>
-            </a:r>
-          </a:p>
-          <a:p>
-            <a:pPr lvl="1"/>
-            <a:r>
-              <a:rPr lang="en-US" dirty="0" err="1"/>
-              <a:t>application.commands</a:t>
-            </a:r>
-            <a:endParaRPr lang="en-US" dirty="0"/>
-          </a:p>
-          <a:p>
-            <a:pPr lvl="1"/>
-            <a:r>
-              <a:rPr lang="en-US" dirty="0"/>
-              <a:t>bot\send messages</a:t>
-            </a:r>
-          </a:p>
-          <a:p>
-            <a:r>
-              <a:rPr lang="en-US" dirty="0"/>
-              <a:t>Add </a:t>
-            </a:r>
-            <a:r>
-              <a:rPr lang="en-US" dirty="0" err="1"/>
-              <a:t>HttpStart</a:t>
-            </a:r>
-            <a:r>
-              <a:rPr lang="en-US" dirty="0"/>
-              <a:t> URI to Interactions Endpoint URL</a:t>
-            </a:r>
+              <a:t>Azure Function Workflow</a:t>
+            </a:r>
+          </a:p>
+        </p:txBody>
+      </p:sp>
+      <p:sp>
+        <p:nvSpPr>
+          <p:cNvPr id="3" name="Text Placeholder 2">
+            <a:extLst>
+              <a:ext uri="{FF2B5EF4-FFF2-40B4-BE49-F238E27FC236}">
+                <a16:creationId xmlns:a16="http://schemas.microsoft.com/office/drawing/2014/main" id="{6C2E6340-1E8E-E006-C098-43CFA47CB128}"/>
+              </a:ext>
+            </a:extLst>
+          </p:cNvPr>
+          <p:cNvSpPr>
+            <a:spLocks noGrp="1"/>
+          </p:cNvSpPr>
+          <p:nvPr>
+            <p:ph type="body" idx="1"/>
+          </p:nvPr>
+        </p:nvSpPr>
+        <p:spPr/>
+        <p:txBody>
+          <a:bodyPr/>
+          <a:lstStyle/>
+          <a:p>
+            <a:endParaRPr lang="en-US"/>
           </a:p>
         </p:txBody>
       </p:sp>
     </p:spTree>
     <p:extLst>
       <p:ext uri="{BB962C8B-B14F-4D97-AF65-F5344CB8AC3E}">
-        <p14:creationId xmlns:p14="http://schemas.microsoft.com/office/powerpoint/2010/main" val="2618043788"/>
+        <p14:creationId xmlns:p14="http://schemas.microsoft.com/office/powerpoint/2010/main" val="3640973236"/>
       </p:ext>
     </p:extLst>
   </p:cSld>
@@ -3858,7 +3907,7 @@
           <p:cNvPr id="2" name="Title 1">
             <a:extLst>
               <a:ext uri="{FF2B5EF4-FFF2-40B4-BE49-F238E27FC236}">
-                <a16:creationId xmlns:a16="http://schemas.microsoft.com/office/drawing/2014/main" id="{A40742EB-6100-C42B-D893-91F9BC2D3D0E}"/>
+                <a16:creationId xmlns:a16="http://schemas.microsoft.com/office/drawing/2014/main" id="{9A93054A-57C7-C260-5669-95E823B766BB}"/>
               </a:ext>
             </a:extLst>
           </p:cNvPr>
@@ -3874,64 +3923,49 @@
           <a:bodyPr/>
           <a:lstStyle/>
           <a:p>
-            <a:r>
-              <a:rPr lang="en-US" dirty="0"/>
-              <a:t>Dealing with frostbite</a:t>
-            </a:r>
-          </a:p>
-        </p:txBody>
-      </p:sp>
-      <p:sp>
-        <p:nvSpPr>
-          <p:cNvPr id="3" name="Content Placeholder 2">
-            <a:extLst>
-              <a:ext uri="{FF2B5EF4-FFF2-40B4-BE49-F238E27FC236}">
-                <a16:creationId xmlns:a16="http://schemas.microsoft.com/office/drawing/2014/main" id="{0FF80AB6-017F-914A-05DE-E217E62D4BE3}"/>
-              </a:ext>
-            </a:extLst>
-          </p:cNvPr>
-          <p:cNvSpPr>
-            <a:spLocks noGrp="1"/>
-          </p:cNvSpPr>
+            <a:endParaRPr lang="en-US"/>
+          </a:p>
+        </p:txBody>
+      </p:sp>
+      <p:pic>
+        <p:nvPicPr>
+          <p:cNvPr id="5" name="Content Placeholder 4" descr="Diagram&#10;&#10;Description automatically generated">
+            <a:extLst>
+              <a:ext uri="{FF2B5EF4-FFF2-40B4-BE49-F238E27FC236}">
+                <a16:creationId xmlns:a16="http://schemas.microsoft.com/office/drawing/2014/main" id="{E2DF0D96-5F90-FD81-7491-8713C929FB84}"/>
+              </a:ext>
+            </a:extLst>
+          </p:cNvPr>
+          <p:cNvPicPr>
+            <a:picLocks noGrp="1" noChangeAspect="1"/>
+          </p:cNvPicPr>
           <p:nvPr>
             <p:ph idx="1"/>
           </p:nvPr>
-        </p:nvSpPr>
-        <p:spPr/>
-        <p:txBody>
-          <a:bodyPr/>
-          <a:lstStyle/>
-          <a:p>
-            <a:r>
-              <a:rPr lang="en-US" dirty="0"/>
-              <a:t>PowerShell based Azure Functions have a long cold start</a:t>
-            </a:r>
-          </a:p>
-          <a:p>
-            <a:r>
-              <a:rPr lang="en-US" dirty="0"/>
-              <a:t>Monitor Function</a:t>
-            </a:r>
-          </a:p>
-          <a:p>
-            <a:pPr lvl="1"/>
-            <a:r>
-              <a:rPr lang="en-US" dirty="0"/>
-              <a:t>Every 5m</a:t>
-            </a:r>
-          </a:p>
-          <a:p>
-            <a:r>
-              <a:rPr lang="en-US" dirty="0"/>
-              <a:t>Review Code</a:t>
-            </a:r>
-          </a:p>
-        </p:txBody>
-      </p:sp>
+        </p:nvPicPr>
+        <p:blipFill>
+          <a:blip r:embed="rId2">
+            <a:extLst>
+              <a:ext uri="{28A0092B-C50C-407E-A947-70E740481C1C}">
+                <a14:useLocalDpi xmlns:a14="http://schemas.microsoft.com/office/drawing/2010/main" val="0"/>
+              </a:ext>
+            </a:extLst>
+          </a:blip>
+          <a:stretch>
+            <a:fillRect/>
+          </a:stretch>
+        </p:blipFill>
+        <p:spPr>
+          <a:xfrm>
+            <a:off x="838199" y="971551"/>
+            <a:ext cx="10522927" cy="4972844"/>
+          </a:xfrm>
+        </p:spPr>
+      </p:pic>
     </p:spTree>
     <p:extLst>
       <p:ext uri="{BB962C8B-B14F-4D97-AF65-F5344CB8AC3E}">
-        <p14:creationId xmlns:p14="http://schemas.microsoft.com/office/powerpoint/2010/main" val="3168010500"/>
+        <p14:creationId xmlns:p14="http://schemas.microsoft.com/office/powerpoint/2010/main" val="4153132047"/>
       </p:ext>
     </p:extLst>
   </p:cSld>
@@ -3963,7 +3997,7 @@
           <p:cNvPr id="2" name="Title 1">
             <a:extLst>
               <a:ext uri="{FF2B5EF4-FFF2-40B4-BE49-F238E27FC236}">
-                <a16:creationId xmlns:a16="http://schemas.microsoft.com/office/drawing/2014/main" id="{F0E90596-D92B-856E-7CAA-EDE2058C101B}"/>
+                <a16:creationId xmlns:a16="http://schemas.microsoft.com/office/drawing/2014/main" id="{18133B67-FEE0-DF4C-4D80-404858A55DF3}"/>
               </a:ext>
             </a:extLst>
           </p:cNvPr>
@@ -3979,7 +4013,7 @@
           <a:bodyPr/>
           <a:lstStyle/>
           <a:p>
-            <a:endParaRPr lang="en-US"/>
+            <a:endParaRPr lang="en-US" dirty="0"/>
           </a:p>
         </p:txBody>
       </p:sp>
@@ -3988,7 +4022,7 @@
           <p:cNvPr id="3" name="Text Placeholder 2">
             <a:extLst>
               <a:ext uri="{FF2B5EF4-FFF2-40B4-BE49-F238E27FC236}">
-                <a16:creationId xmlns:a16="http://schemas.microsoft.com/office/drawing/2014/main" id="{2267A0A5-C1D1-975E-8D0F-40962DC299C6}"/>
+                <a16:creationId xmlns:a16="http://schemas.microsoft.com/office/drawing/2014/main" id="{B371DC88-83BE-A49F-AF45-9FE8B3584FA9}"/>
               </a:ext>
             </a:extLst>
           </p:cNvPr>
@@ -4011,18 +4045,15 @@
                 </a:solidFill>
                 <a:latin typeface="Consolas" panose="020B0609020204030204" pitchFamily="49" charset="0"/>
               </a:rPr>
-              <a:t>Full function code review…</a:t>
-            </a:r>
-          </a:p>
-          <a:p>
-            <a:endParaRPr lang="en-US" dirty="0"/>
+              <a:t>Azure Function code demo…</a:t>
+            </a:r>
           </a:p>
         </p:txBody>
       </p:sp>
     </p:spTree>
     <p:extLst>
       <p:ext uri="{BB962C8B-B14F-4D97-AF65-F5344CB8AC3E}">
-        <p14:creationId xmlns:p14="http://schemas.microsoft.com/office/powerpoint/2010/main" val="1124600913"/>
+        <p14:creationId xmlns:p14="http://schemas.microsoft.com/office/powerpoint/2010/main" val="3960244462"/>
       </p:ext>
     </p:extLst>
   </p:cSld>
@@ -4054,7 +4085,7 @@
           <p:cNvPr id="2" name="Title 1">
             <a:extLst>
               <a:ext uri="{FF2B5EF4-FFF2-40B4-BE49-F238E27FC236}">
-                <a16:creationId xmlns:a16="http://schemas.microsoft.com/office/drawing/2014/main" id="{FBECC900-50CE-6143-BD63-0FD41482F713}"/>
+                <a16:creationId xmlns:a16="http://schemas.microsoft.com/office/drawing/2014/main" id="{59742D62-9479-2FEC-C9FC-A288EC1A0E17}"/>
               </a:ext>
             </a:extLst>
           </p:cNvPr>
@@ -4072,40 +4103,98 @@
           <a:p>
             <a:r>
               <a:rPr lang="en-US" dirty="0"/>
-              <a:t>Adding Commands</a:t>
-            </a:r>
-          </a:p>
-        </p:txBody>
-      </p:sp>
-      <p:sp>
-        <p:nvSpPr>
-          <p:cNvPr id="3" name="Text Placeholder 2">
-            <a:extLst>
-              <a:ext uri="{FF2B5EF4-FFF2-40B4-BE49-F238E27FC236}">
-                <a16:creationId xmlns:a16="http://schemas.microsoft.com/office/drawing/2014/main" id="{F94C90DE-EBD1-BFFB-B969-40F7A7127CF4}"/>
-              </a:ext>
-            </a:extLst>
-          </p:cNvPr>
-          <p:cNvSpPr>
-            <a:spLocks noGrp="1"/>
-          </p:cNvSpPr>
-          <p:nvPr>
-            <p:ph type="body" idx="1"/>
-          </p:nvPr>
-        </p:nvSpPr>
-        <p:spPr/>
-        <p:txBody>
-          <a:bodyPr/>
-          <a:lstStyle/>
-          <a:p>
-            <a:endParaRPr lang="en-US"/>
+              <a:t>Creating a Discord Bot</a:t>
+            </a:r>
+          </a:p>
+        </p:txBody>
+      </p:sp>
+      <p:sp>
+        <p:nvSpPr>
+          <p:cNvPr id="3" name="Content Placeholder 2">
+            <a:extLst>
+              <a:ext uri="{FF2B5EF4-FFF2-40B4-BE49-F238E27FC236}">
+                <a16:creationId xmlns:a16="http://schemas.microsoft.com/office/drawing/2014/main" id="{2D28C9F1-7BB9-419D-E307-F3BDC4D55D54}"/>
+              </a:ext>
+            </a:extLst>
+          </p:cNvPr>
+          <p:cNvSpPr>
+            <a:spLocks noGrp="1"/>
+          </p:cNvSpPr>
+          <p:nvPr>
+            <p:ph idx="1"/>
+          </p:nvPr>
+        </p:nvSpPr>
+        <p:spPr/>
+        <p:txBody>
+          <a:bodyPr/>
+          <a:lstStyle/>
+          <a:p>
+            <a:r>
+              <a:rPr lang="en-US" dirty="0"/>
+              <a:t>Create Discord App</a:t>
+            </a:r>
+          </a:p>
+          <a:p>
+            <a:r>
+              <a:rPr lang="en-US" dirty="0"/>
+              <a:t>Bot -&gt; Add bot</a:t>
+            </a:r>
+          </a:p>
+          <a:p>
+            <a:r>
+              <a:rPr lang="en-US" dirty="0"/>
+              <a:t>Oauth2 -&gt; URL Generator -&gt;</a:t>
+            </a:r>
+          </a:p>
+          <a:p>
+            <a:pPr lvl="1"/>
+            <a:r>
+              <a:rPr lang="en-US" dirty="0"/>
+              <a:t>bot</a:t>
+            </a:r>
+          </a:p>
+          <a:p>
+            <a:pPr lvl="1"/>
+            <a:r>
+              <a:rPr lang="en-US" dirty="0" err="1"/>
+              <a:t>application.commands</a:t>
+            </a:r>
+            <a:endParaRPr lang="en-US" dirty="0"/>
+          </a:p>
+          <a:p>
+            <a:pPr lvl="1"/>
+            <a:r>
+              <a:rPr lang="en-US" dirty="0"/>
+              <a:t>bot\send messages</a:t>
+            </a:r>
+          </a:p>
+          <a:p>
+            <a:pPr lvl="1"/>
+            <a:r>
+              <a:rPr lang="en-US" dirty="0"/>
+              <a:t>Others as needed (none other needed for this demo)</a:t>
+            </a:r>
+          </a:p>
+          <a:p>
+            <a:r>
+              <a:rPr lang="en-US" dirty="0"/>
+              <a:t>Add </a:t>
+            </a:r>
+            <a:r>
+              <a:rPr lang="en-US" dirty="0" err="1"/>
+              <a:t>HttpStart</a:t>
+            </a:r>
+            <a:r>
+              <a:rPr lang="en-US" dirty="0"/>
+              <a:t> URI to Interactions Endpoint URL</a:t>
+            </a:r>
           </a:p>
         </p:txBody>
       </p:sp>
     </p:spTree>
     <p:extLst>
       <p:ext uri="{BB962C8B-B14F-4D97-AF65-F5344CB8AC3E}">
-        <p14:creationId xmlns:p14="http://schemas.microsoft.com/office/powerpoint/2010/main" val="3143325720"/>
+        <p14:creationId xmlns:p14="http://schemas.microsoft.com/office/powerpoint/2010/main" val="2618043788"/>
       </p:ext>
     </p:extLst>
   </p:cSld>
@@ -4137,7 +4226,7 @@
           <p:cNvPr id="2" name="Title 1">
             <a:extLst>
               <a:ext uri="{FF2B5EF4-FFF2-40B4-BE49-F238E27FC236}">
-                <a16:creationId xmlns:a16="http://schemas.microsoft.com/office/drawing/2014/main" id="{FE06D3E5-4ABA-FCFA-4F84-AEE01DA4566C}"/>
+                <a16:creationId xmlns:a16="http://schemas.microsoft.com/office/drawing/2014/main" id="{A40742EB-6100-C42B-D893-91F9BC2D3D0E}"/>
               </a:ext>
             </a:extLst>
           </p:cNvPr>
@@ -4155,7 +4244,7 @@
           <a:p>
             <a:r>
               <a:rPr lang="en-US" dirty="0"/>
-              <a:t>Command Types</a:t>
+              <a:t>Dealing with frostbite</a:t>
             </a:r>
           </a:p>
         </p:txBody>
@@ -4165,7 +4254,7 @@
           <p:cNvPr id="3" name="Content Placeholder 2">
             <a:extLst>
               <a:ext uri="{FF2B5EF4-FFF2-40B4-BE49-F238E27FC236}">
-                <a16:creationId xmlns:a16="http://schemas.microsoft.com/office/drawing/2014/main" id="{C15EFAF7-3ED1-6A70-FD7D-48CC2B6795D6}"/>
+                <a16:creationId xmlns:a16="http://schemas.microsoft.com/office/drawing/2014/main" id="{0FF80AB6-017F-914A-05DE-E217E62D4BE3}"/>
               </a:ext>
             </a:extLst>
           </p:cNvPr>
@@ -4183,50 +4272,34 @@
           <a:p>
             <a:r>
               <a:rPr lang="en-US" dirty="0"/>
-              <a:t>Application (Global)</a:t>
+              <a:t>PowerShell based Azure Functions have a long cold start</a:t>
+            </a:r>
+          </a:p>
+          <a:p>
+            <a:r>
+              <a:rPr lang="en-US" dirty="0"/>
+              <a:t>Monitor Function</a:t>
             </a:r>
           </a:p>
           <a:p>
             <a:pPr lvl="1"/>
             <a:r>
               <a:rPr lang="en-US" dirty="0"/>
-              <a:t>Applies to all servers</a:t>
-            </a:r>
-          </a:p>
-          <a:p>
-            <a:pPr lvl="1"/>
-            <a:r>
-              <a:rPr lang="en-US" dirty="0"/>
-              <a:t>Slow propagation</a:t>
-            </a:r>
-          </a:p>
-          <a:p>
-            <a:r>
-              <a:rPr lang="en-US" dirty="0"/>
-              <a:t>Guild (Server)</a:t>
-            </a:r>
-          </a:p>
-          <a:p>
-            <a:pPr lvl="1"/>
-            <a:r>
-              <a:rPr lang="en-US" dirty="0"/>
-              <a:t>Applies to a specific server</a:t>
-            </a:r>
-          </a:p>
-          <a:p>
-            <a:pPr lvl="1"/>
-            <a:r>
-              <a:rPr lang="en-US"/>
-              <a:t>Instant propagation</a:t>
-            </a:r>
-            <a:endParaRPr lang="en-US" dirty="0"/>
+              <a:t>Every 5m</a:t>
+            </a:r>
+          </a:p>
+          <a:p>
+            <a:r>
+              <a:rPr lang="en-US" dirty="0"/>
+              <a:t>Review Code</a:t>
+            </a:r>
           </a:p>
         </p:txBody>
       </p:sp>
     </p:spTree>
     <p:extLst>
       <p:ext uri="{BB962C8B-B14F-4D97-AF65-F5344CB8AC3E}">
-        <p14:creationId xmlns:p14="http://schemas.microsoft.com/office/powerpoint/2010/main" val="3619535768"/>
+        <p14:creationId xmlns:p14="http://schemas.microsoft.com/office/powerpoint/2010/main" val="3168010500"/>
       </p:ext>
     </p:extLst>
   </p:cSld>
@@ -4258,7 +4331,7 @@
           <p:cNvPr id="2" name="Title 1">
             <a:extLst>
               <a:ext uri="{FF2B5EF4-FFF2-40B4-BE49-F238E27FC236}">
-                <a16:creationId xmlns:a16="http://schemas.microsoft.com/office/drawing/2014/main" id="{18133B67-FEE0-DF4C-4D80-404858A55DF3}"/>
+                <a16:creationId xmlns:a16="http://schemas.microsoft.com/office/drawing/2014/main" id="{F0E90596-D92B-856E-7CAA-EDE2058C101B}"/>
               </a:ext>
             </a:extLst>
           </p:cNvPr>
@@ -4283,7 +4356,7 @@
           <p:cNvPr id="3" name="Text Placeholder 2">
             <a:extLst>
               <a:ext uri="{FF2B5EF4-FFF2-40B4-BE49-F238E27FC236}">
-                <a16:creationId xmlns:a16="http://schemas.microsoft.com/office/drawing/2014/main" id="{B371DC88-83BE-A49F-AF45-9FE8B3584FA9}"/>
+                <a16:creationId xmlns:a16="http://schemas.microsoft.com/office/drawing/2014/main" id="{2267A0A5-C1D1-975E-8D0F-40962DC299C6}"/>
               </a:ext>
             </a:extLst>
           </p:cNvPr>
@@ -4306,15 +4379,18 @@
                 </a:solidFill>
                 <a:latin typeface="Consolas" panose="020B0609020204030204" pitchFamily="49" charset="0"/>
               </a:rPr>
-              <a:t>Adding commands demo…</a:t>
-            </a:r>
+              <a:t>Full function code review…</a:t>
+            </a:r>
+          </a:p>
+          <a:p>
+            <a:endParaRPr lang="en-US" dirty="0"/>
           </a:p>
         </p:txBody>
       </p:sp>
     </p:spTree>
     <p:extLst>
       <p:ext uri="{BB962C8B-B14F-4D97-AF65-F5344CB8AC3E}">
-        <p14:creationId xmlns:p14="http://schemas.microsoft.com/office/powerpoint/2010/main" val="2503600091"/>
+        <p14:creationId xmlns:p14="http://schemas.microsoft.com/office/powerpoint/2010/main" val="1124600913"/>
       </p:ext>
     </p:extLst>
   </p:cSld>
@@ -4346,7 +4422,7 @@
           <p:cNvPr id="2" name="Title 1">
             <a:extLst>
               <a:ext uri="{FF2B5EF4-FFF2-40B4-BE49-F238E27FC236}">
-                <a16:creationId xmlns:a16="http://schemas.microsoft.com/office/drawing/2014/main" id="{94E7DA5E-F78C-1916-2904-D92DC8680545}"/>
+                <a16:creationId xmlns:a16="http://schemas.microsoft.com/office/drawing/2014/main" id="{FBECC900-50CE-6143-BD63-0FD41482F713}"/>
               </a:ext>
             </a:extLst>
           </p:cNvPr>
@@ -4364,121 +4440,40 @@
           <a:p>
             <a:r>
               <a:rPr lang="en-US" dirty="0"/>
-              <a:t>Evolution</a:t>
-            </a:r>
-          </a:p>
-        </p:txBody>
-      </p:sp>
-      <p:sp>
-        <p:nvSpPr>
-          <p:cNvPr id="3" name="Content Placeholder 2">
-            <a:extLst>
-              <a:ext uri="{FF2B5EF4-FFF2-40B4-BE49-F238E27FC236}">
-                <a16:creationId xmlns:a16="http://schemas.microsoft.com/office/drawing/2014/main" id="{03098E5D-B70E-FE27-6D02-4DB30AE8B82E}"/>
-              </a:ext>
-            </a:extLst>
-          </p:cNvPr>
-          <p:cNvSpPr>
-            <a:spLocks noGrp="1"/>
-          </p:cNvSpPr>
-          <p:nvPr>
-            <p:ph idx="1"/>
-          </p:nvPr>
-        </p:nvSpPr>
-        <p:spPr/>
-        <p:txBody>
-          <a:bodyPr>
-            <a:normAutofit lnSpcReduction="10000"/>
-          </a:bodyPr>
-          <a:lstStyle/>
-          <a:p>
-            <a:r>
-              <a:rPr lang="en-US" dirty="0"/>
-              <a:t>Queue based</a:t>
-            </a:r>
-          </a:p>
-          <a:p>
-            <a:pPr lvl="1"/>
-            <a:r>
-              <a:rPr lang="en-US" dirty="0">
-                <a:hlinkClick r:id="rId2"/>
-              </a:rPr>
-              <a:t>Building a Discord Bot in PowerShell and Azure Functions</a:t>
-            </a:r>
-            <a:endParaRPr lang="en-US" dirty="0"/>
-          </a:p>
-          <a:p>
-            <a:pPr lvl="2"/>
-            <a:r>
-              <a:rPr lang="en-US" dirty="0"/>
-              <a:t>Devin Rich</a:t>
-            </a:r>
-          </a:p>
-          <a:p>
-            <a:pPr lvl="1"/>
-            <a:r>
-              <a:rPr lang="en-US" dirty="0"/>
-              <a:t>Command is passed off via a queue</a:t>
-            </a:r>
-          </a:p>
-          <a:p>
-            <a:pPr lvl="1"/>
-            <a:r>
-              <a:rPr lang="en-US" dirty="0"/>
-              <a:t>Very slow, more reliable than HTTP POST chain</a:t>
-            </a:r>
-          </a:p>
-          <a:p>
-            <a:r>
-              <a:rPr lang="en-US" dirty="0"/>
-              <a:t>Durable Function</a:t>
-            </a:r>
-          </a:p>
-          <a:p>
-            <a:pPr lvl="1"/>
-            <a:r>
-              <a:rPr lang="en-US" dirty="0"/>
-              <a:t>Command is passed off via New-Orchestration</a:t>
-            </a:r>
-          </a:p>
-          <a:p>
-            <a:pPr lvl="1"/>
-            <a:r>
-              <a:rPr lang="en-US" dirty="0"/>
-              <a:t>Very storage intensive (expensive)</a:t>
-            </a:r>
-          </a:p>
-          <a:p>
-            <a:r>
-              <a:rPr lang="en-US" dirty="0"/>
-              <a:t>HTTP POST chain</a:t>
-            </a:r>
-          </a:p>
-          <a:p>
-            <a:pPr lvl="1"/>
-            <a:r>
-              <a:rPr lang="en-US" dirty="0"/>
-              <a:t>Command is passed off via HTTP POST</a:t>
-            </a:r>
-          </a:p>
-          <a:p>
-            <a:pPr lvl="1"/>
-            <a:r>
-              <a:rPr lang="en-US" dirty="0"/>
-              <a:t>Fast, but requires function keys and -</a:t>
-            </a:r>
-            <a:r>
-              <a:rPr lang="en-US" dirty="0" err="1"/>
-              <a:t>TimeoutSec</a:t>
-            </a:r>
-            <a:endParaRPr lang="en-US" dirty="0"/>
+              <a:t>Adding Commands</a:t>
+            </a:r>
+          </a:p>
+        </p:txBody>
+      </p:sp>
+      <p:sp>
+        <p:nvSpPr>
+          <p:cNvPr id="3" name="Text Placeholder 2">
+            <a:extLst>
+              <a:ext uri="{FF2B5EF4-FFF2-40B4-BE49-F238E27FC236}">
+                <a16:creationId xmlns:a16="http://schemas.microsoft.com/office/drawing/2014/main" id="{F94C90DE-EBD1-BFFB-B969-40F7A7127CF4}"/>
+              </a:ext>
+            </a:extLst>
+          </p:cNvPr>
+          <p:cNvSpPr>
+            <a:spLocks noGrp="1"/>
+          </p:cNvSpPr>
+          <p:nvPr>
+            <p:ph type="body" idx="1"/>
+          </p:nvPr>
+        </p:nvSpPr>
+        <p:spPr/>
+        <p:txBody>
+          <a:bodyPr/>
+          <a:lstStyle/>
+          <a:p>
+            <a:endParaRPr lang="en-US"/>
           </a:p>
         </p:txBody>
       </p:sp>
     </p:spTree>
     <p:extLst>
       <p:ext uri="{BB962C8B-B14F-4D97-AF65-F5344CB8AC3E}">
-        <p14:creationId xmlns:p14="http://schemas.microsoft.com/office/powerpoint/2010/main" val="964659942"/>
+        <p14:creationId xmlns:p14="http://schemas.microsoft.com/office/powerpoint/2010/main" val="3143325720"/>
       </p:ext>
     </p:extLst>
   </p:cSld>
@@ -4571,7 +4566,22 @@
             <a:pPr lvl="1"/>
             <a:r>
               <a:rPr lang="en-US" dirty="0"/>
-              <a:t>From Eugene, OR USA so I like to</a:t>
+              <a:t>From Eugene, OR USA so, according to </a:t>
+            </a:r>
+            <a:r>
+              <a:rPr lang="en-US" dirty="0" err="1"/>
+              <a:t>ChatGPT</a:t>
+            </a:r>
+            <a:r>
+              <a:rPr lang="en-US" dirty="0"/>
+              <a:t>, I am:</a:t>
+            </a:r>
+          </a:p>
+          <a:p>
+            <a:pPr lvl="2"/>
+            <a:r>
+              <a:rPr lang="en-US" dirty="0"/>
+              <a:t>Progressive, outdoorsy, creative, friendly, and open-minded</a:t>
             </a:r>
           </a:p>
           <a:p>
@@ -4974,6 +4984,37 @@
                                   </p:childTnLst>
                                 </p:cTn>
                               </p:par>
+                              <p:par>
+                                <p:cTn id="23" presetID="1" presetClass="entr" presetSubtype="0" fill="hold" grpId="0" nodeType="withEffect">
+                                  <p:stCondLst>
+                                    <p:cond delay="0"/>
+                                  </p:stCondLst>
+                                  <p:childTnLst>
+                                    <p:set>
+                                      <p:cBhvr>
+                                        <p:cTn id="24" dur="1" fill="hold">
+                                          <p:stCondLst>
+                                            <p:cond delay="0"/>
+                                          </p:stCondLst>
+                                        </p:cTn>
+                                        <p:tgtEl>
+                                          <p:spTgt spid="3">
+                                            <p:txEl>
+                                              <p:pRg st="9" end="9"/>
+                                            </p:txEl>
+                                          </p:spTgt>
+                                        </p:tgtEl>
+                                        <p:attrNameLst>
+                                          <p:attrName>style.visibility</p:attrName>
+                                        </p:attrNameLst>
+                                      </p:cBhvr>
+                                      <p:to>
+                                        <p:strVal val="visible"/>
+                                      </p:to>
+                                    </p:set>
+                                  </p:childTnLst>
+                                </p:cTn>
+                              </p:par>
                             </p:childTnLst>
                           </p:cTn>
                         </p:par>
@@ -5008,6 +5049,215 @@
 </p:sld>
 </file>
 
+<file path=ppt/slides/slide20.xml><?xml version="1.0" encoding="utf-8"?>
+<p:sld xmlns:a="http://schemas.openxmlformats.org/drawingml/2006/main" xmlns:r="http://schemas.openxmlformats.org/officeDocument/2006/relationships" xmlns:p="http://schemas.openxmlformats.org/presentationml/2006/main">
+  <p:cSld>
+    <p:spTree>
+      <p:nvGrpSpPr>
+        <p:cNvPr id="1" name=""/>
+        <p:cNvGrpSpPr/>
+        <p:nvPr/>
+      </p:nvGrpSpPr>
+      <p:grpSpPr>
+        <a:xfrm>
+          <a:off x="0" y="0"/>
+          <a:ext cx="0" cy="0"/>
+          <a:chOff x="0" y="0"/>
+          <a:chExt cx="0" cy="0"/>
+        </a:xfrm>
+      </p:grpSpPr>
+      <p:sp>
+        <p:nvSpPr>
+          <p:cNvPr id="2" name="Title 1">
+            <a:extLst>
+              <a:ext uri="{FF2B5EF4-FFF2-40B4-BE49-F238E27FC236}">
+                <a16:creationId xmlns:a16="http://schemas.microsoft.com/office/drawing/2014/main" id="{FE06D3E5-4ABA-FCFA-4F84-AEE01DA4566C}"/>
+              </a:ext>
+            </a:extLst>
+          </p:cNvPr>
+          <p:cNvSpPr>
+            <a:spLocks noGrp="1"/>
+          </p:cNvSpPr>
+          <p:nvPr>
+            <p:ph type="title"/>
+          </p:nvPr>
+        </p:nvSpPr>
+        <p:spPr/>
+        <p:txBody>
+          <a:bodyPr/>
+          <a:lstStyle/>
+          <a:p>
+            <a:r>
+              <a:rPr lang="en-US" dirty="0"/>
+              <a:t>Command Types</a:t>
+            </a:r>
+          </a:p>
+        </p:txBody>
+      </p:sp>
+      <p:sp>
+        <p:nvSpPr>
+          <p:cNvPr id="3" name="Content Placeholder 2">
+            <a:extLst>
+              <a:ext uri="{FF2B5EF4-FFF2-40B4-BE49-F238E27FC236}">
+                <a16:creationId xmlns:a16="http://schemas.microsoft.com/office/drawing/2014/main" id="{C15EFAF7-3ED1-6A70-FD7D-48CC2B6795D6}"/>
+              </a:ext>
+            </a:extLst>
+          </p:cNvPr>
+          <p:cNvSpPr>
+            <a:spLocks noGrp="1"/>
+          </p:cNvSpPr>
+          <p:nvPr>
+            <p:ph idx="1"/>
+          </p:nvPr>
+        </p:nvSpPr>
+        <p:spPr/>
+        <p:txBody>
+          <a:bodyPr/>
+          <a:lstStyle/>
+          <a:p>
+            <a:r>
+              <a:rPr lang="en-US" dirty="0"/>
+              <a:t>Application (Global)</a:t>
+            </a:r>
+          </a:p>
+          <a:p>
+            <a:pPr lvl="1"/>
+            <a:r>
+              <a:rPr lang="en-US" dirty="0"/>
+              <a:t>Applies to all servers</a:t>
+            </a:r>
+          </a:p>
+          <a:p>
+            <a:pPr lvl="1"/>
+            <a:r>
+              <a:rPr lang="en-US" dirty="0"/>
+              <a:t>Slow propagation</a:t>
+            </a:r>
+          </a:p>
+          <a:p>
+            <a:r>
+              <a:rPr lang="en-US" dirty="0"/>
+              <a:t>Guild (Server)</a:t>
+            </a:r>
+          </a:p>
+          <a:p>
+            <a:pPr lvl="1"/>
+            <a:r>
+              <a:rPr lang="en-US" dirty="0"/>
+              <a:t>Applies to a specific server</a:t>
+            </a:r>
+          </a:p>
+          <a:p>
+            <a:pPr lvl="1"/>
+            <a:r>
+              <a:rPr lang="en-US"/>
+              <a:t>Instant propagation</a:t>
+            </a:r>
+            <a:endParaRPr lang="en-US" dirty="0"/>
+          </a:p>
+        </p:txBody>
+      </p:sp>
+    </p:spTree>
+    <p:extLst>
+      <p:ext uri="{BB962C8B-B14F-4D97-AF65-F5344CB8AC3E}">
+        <p14:creationId xmlns:p14="http://schemas.microsoft.com/office/powerpoint/2010/main" val="3619535768"/>
+      </p:ext>
+    </p:extLst>
+  </p:cSld>
+  <p:clrMapOvr>
+    <a:masterClrMapping/>
+  </p:clrMapOvr>
+</p:sld>
+</file>
+
+<file path=ppt/slides/slide21.xml><?xml version="1.0" encoding="utf-8"?>
+<p:sld xmlns:a="http://schemas.openxmlformats.org/drawingml/2006/main" xmlns:r="http://schemas.openxmlformats.org/officeDocument/2006/relationships" xmlns:p="http://schemas.openxmlformats.org/presentationml/2006/main">
+  <p:cSld>
+    <p:spTree>
+      <p:nvGrpSpPr>
+        <p:cNvPr id="1" name=""/>
+        <p:cNvGrpSpPr/>
+        <p:nvPr/>
+      </p:nvGrpSpPr>
+      <p:grpSpPr>
+        <a:xfrm>
+          <a:off x="0" y="0"/>
+          <a:ext cx="0" cy="0"/>
+          <a:chOff x="0" y="0"/>
+          <a:chExt cx="0" cy="0"/>
+        </a:xfrm>
+      </p:grpSpPr>
+      <p:sp>
+        <p:nvSpPr>
+          <p:cNvPr id="2" name="Title 1">
+            <a:extLst>
+              <a:ext uri="{FF2B5EF4-FFF2-40B4-BE49-F238E27FC236}">
+                <a16:creationId xmlns:a16="http://schemas.microsoft.com/office/drawing/2014/main" id="{18133B67-FEE0-DF4C-4D80-404858A55DF3}"/>
+              </a:ext>
+            </a:extLst>
+          </p:cNvPr>
+          <p:cNvSpPr>
+            <a:spLocks noGrp="1"/>
+          </p:cNvSpPr>
+          <p:nvPr>
+            <p:ph type="title"/>
+          </p:nvPr>
+        </p:nvSpPr>
+        <p:spPr/>
+        <p:txBody>
+          <a:bodyPr/>
+          <a:lstStyle/>
+          <a:p>
+            <a:endParaRPr lang="en-US" dirty="0"/>
+          </a:p>
+        </p:txBody>
+      </p:sp>
+      <p:sp>
+        <p:nvSpPr>
+          <p:cNvPr id="3" name="Text Placeholder 2">
+            <a:extLst>
+              <a:ext uri="{FF2B5EF4-FFF2-40B4-BE49-F238E27FC236}">
+                <a16:creationId xmlns:a16="http://schemas.microsoft.com/office/drawing/2014/main" id="{B371DC88-83BE-A49F-AF45-9FE8B3584FA9}"/>
+              </a:ext>
+            </a:extLst>
+          </p:cNvPr>
+          <p:cNvSpPr>
+            <a:spLocks noGrp="1"/>
+          </p:cNvSpPr>
+          <p:nvPr>
+            <p:ph type="body" idx="1"/>
+          </p:nvPr>
+        </p:nvSpPr>
+        <p:spPr/>
+        <p:txBody>
+          <a:bodyPr/>
+          <a:lstStyle/>
+          <a:p>
+            <a:r>
+              <a:rPr lang="en-US" dirty="0">
+                <a:solidFill>
+                  <a:schemeClr val="tx1"/>
+                </a:solidFill>
+                <a:latin typeface="Consolas" panose="020B0609020204030204" pitchFamily="49" charset="0"/>
+              </a:rPr>
+              <a:t>Adding commands demo…</a:t>
+            </a:r>
+          </a:p>
+        </p:txBody>
+      </p:sp>
+    </p:spTree>
+    <p:extLst>
+      <p:ext uri="{BB962C8B-B14F-4D97-AF65-F5344CB8AC3E}">
+        <p14:creationId xmlns:p14="http://schemas.microsoft.com/office/powerpoint/2010/main" val="2503600091"/>
+      </p:ext>
+    </p:extLst>
+  </p:cSld>
+  <p:clrMapOvr>
+    <a:masterClrMapping/>
+  </p:clrMapOvr>
+</p:sld>
+</file>
+
 <file path=ppt/slides/slide3.xml><?xml version="1.0" encoding="utf-8"?>
 <p:sld xmlns:a="http://schemas.openxmlformats.org/drawingml/2006/main" xmlns:r="http://schemas.openxmlformats.org/officeDocument/2006/relationships" xmlns:p="http://schemas.openxmlformats.org/presentationml/2006/main">
   <p:cSld>
@@ -5078,7 +5328,7 @@
           <a:p>
             <a:r>
               <a:rPr lang="en-US" dirty="0"/>
-              <a:t>Why?</a:t>
+              <a:t>Purpose and goals</a:t>
             </a:r>
           </a:p>
           <a:p>
@@ -5090,6 +5340,12 @@
           <a:p>
             <a:r>
               <a:rPr lang="en-US" dirty="0"/>
+              <a:t>Function Chaining</a:t>
+            </a:r>
+          </a:p>
+          <a:p>
+            <a:r>
+              <a:rPr lang="en-US" dirty="0"/>
               <a:t>Azure Function workflow</a:t>
             </a:r>
           </a:p>
@@ -5115,12 +5371,6 @@
             <a:r>
               <a:rPr lang="en-US" dirty="0"/>
               <a:t>Command addition process</a:t>
-            </a:r>
-          </a:p>
-          <a:p>
-            <a:r>
-              <a:rPr lang="en-US" dirty="0"/>
-              <a:t>Evolution</a:t>
             </a:r>
           </a:p>
         </p:txBody>
@@ -5285,7 +5535,7 @@
           <p:cNvPr id="2" name="Title 1">
             <a:extLst>
               <a:ext uri="{FF2B5EF4-FFF2-40B4-BE49-F238E27FC236}">
-                <a16:creationId xmlns:a16="http://schemas.microsoft.com/office/drawing/2014/main" id="{848E72F1-F67E-4AEF-9E86-14F48B4E54AB}"/>
+                <a16:creationId xmlns:a16="http://schemas.microsoft.com/office/drawing/2014/main" id="{1A16CADC-806C-3EC0-C13A-5771591E4277}"/>
               </a:ext>
             </a:extLst>
           </p:cNvPr>
@@ -5303,7 +5553,7 @@
           <a:p>
             <a:r>
               <a:rPr lang="en-US" dirty="0"/>
-              <a:t>Prerequisites </a:t>
+              <a:t>Goals</a:t>
             </a:r>
           </a:p>
         </p:txBody>
@@ -5313,7 +5563,7 @@
           <p:cNvPr id="3" name="Content Placeholder 2">
             <a:extLst>
               <a:ext uri="{FF2B5EF4-FFF2-40B4-BE49-F238E27FC236}">
-                <a16:creationId xmlns:a16="http://schemas.microsoft.com/office/drawing/2014/main" id="{6420E0E3-B7A2-4D43-9E12-6ABB0339C165}"/>
+                <a16:creationId xmlns:a16="http://schemas.microsoft.com/office/drawing/2014/main" id="{2F1E81C0-E292-6CDF-C19B-1E67F1F70199}"/>
               </a:ext>
             </a:extLst>
           </p:cNvPr>
@@ -5331,19 +5581,31 @@
           <a:p>
             <a:r>
               <a:rPr lang="en-US" dirty="0"/>
+              <a:t>Discord Bot</a:t>
+            </a:r>
+          </a:p>
+          <a:p>
+            <a:r>
+              <a:rPr lang="en-US" dirty="0"/>
+              <a:t>Azure Based</a:t>
+            </a:r>
+          </a:p>
+          <a:p>
+            <a:r>
+              <a:rPr lang="en-US" dirty="0"/>
+              <a:t>Inexpensive</a:t>
+            </a:r>
+          </a:p>
+          <a:p>
+            <a:r>
+              <a:rPr lang="en-US" dirty="0"/>
+              <a:t>Fast</a:t>
+            </a:r>
+          </a:p>
+          <a:p>
+            <a:r>
+              <a:rPr lang="en-US" dirty="0"/>
               <a:t>PowerShell</a:t>
-            </a:r>
-          </a:p>
-          <a:p>
-            <a:r>
-              <a:rPr lang="en-US" dirty="0"/>
-              <a:t>Discord Developer account</a:t>
-            </a:r>
-          </a:p>
-          <a:p>
-            <a:r>
-              <a:rPr lang="en-US" dirty="0"/>
-              <a:t>Azure Subscription</a:t>
             </a:r>
           </a:p>
         </p:txBody>
@@ -5351,7 +5613,7 @@
     </p:spTree>
     <p:extLst>
       <p:ext uri="{BB962C8B-B14F-4D97-AF65-F5344CB8AC3E}">
-        <p14:creationId xmlns:p14="http://schemas.microsoft.com/office/powerpoint/2010/main" val="4066512176"/>
+        <p14:creationId xmlns:p14="http://schemas.microsoft.com/office/powerpoint/2010/main" val="3523797473"/>
       </p:ext>
     </p:extLst>
   </p:cSld>
@@ -5383,7 +5645,7 @@
           <p:cNvPr id="2" name="Title 1">
             <a:extLst>
               <a:ext uri="{FF2B5EF4-FFF2-40B4-BE49-F238E27FC236}">
-                <a16:creationId xmlns:a16="http://schemas.microsoft.com/office/drawing/2014/main" id="{F1661924-E51B-4AA1-A1C5-C9AD9EE32D81}"/>
+                <a16:creationId xmlns:a16="http://schemas.microsoft.com/office/drawing/2014/main" id="{848E72F1-F67E-4AEF-9E86-14F48B4E54AB}"/>
               </a:ext>
             </a:extLst>
           </p:cNvPr>
@@ -5401,7 +5663,7 @@
           <a:p>
             <a:r>
               <a:rPr lang="en-US" dirty="0"/>
-              <a:t>Demo Environment</a:t>
+              <a:t>Prerequisites </a:t>
             </a:r>
           </a:p>
         </p:txBody>
@@ -5411,7 +5673,7 @@
           <p:cNvPr id="3" name="Content Placeholder 2">
             <a:extLst>
               <a:ext uri="{FF2B5EF4-FFF2-40B4-BE49-F238E27FC236}">
-                <a16:creationId xmlns:a16="http://schemas.microsoft.com/office/drawing/2014/main" id="{4FA49B7C-A4DE-4ADA-8216-70A81166A541}"/>
+                <a16:creationId xmlns:a16="http://schemas.microsoft.com/office/drawing/2014/main" id="{6420E0E3-B7A2-4D43-9E12-6ABB0339C165}"/>
               </a:ext>
             </a:extLst>
           </p:cNvPr>
@@ -5429,37 +5691,27 @@
           <a:p>
             <a:r>
               <a:rPr lang="en-US" dirty="0"/>
-              <a:t>Windows 10</a:t>
-            </a:r>
-          </a:p>
-          <a:p>
-            <a:r>
-              <a:rPr lang="en-US" dirty="0"/>
-              <a:t>VS Code (latest version)</a:t>
-            </a:r>
-          </a:p>
-          <a:p>
-            <a:r>
-              <a:rPr lang="en-US" dirty="0"/>
-              <a:t>PowerShell 7.2 (Azure Function)</a:t>
-            </a:r>
-          </a:p>
-          <a:p>
-            <a:r>
-              <a:rPr lang="en-US" dirty="0" err="1"/>
-              <a:t>Discord.Net.PowerShell</a:t>
-            </a:r>
-            <a:endParaRPr lang="en-US" dirty="0"/>
-          </a:p>
-          <a:p>
-            <a:endParaRPr lang="en-US" dirty="0"/>
+              <a:t>PowerShell</a:t>
+            </a:r>
+          </a:p>
+          <a:p>
+            <a:r>
+              <a:rPr lang="en-US" dirty="0"/>
+              <a:t>Discord Developer account</a:t>
+            </a:r>
+          </a:p>
+          <a:p>
+            <a:r>
+              <a:rPr lang="en-US" dirty="0"/>
+              <a:t>Azure Subscription</a:t>
+            </a:r>
           </a:p>
         </p:txBody>
       </p:sp>
     </p:spTree>
     <p:extLst>
       <p:ext uri="{BB962C8B-B14F-4D97-AF65-F5344CB8AC3E}">
-        <p14:creationId xmlns:p14="http://schemas.microsoft.com/office/powerpoint/2010/main" val="3298450064"/>
+        <p14:creationId xmlns:p14="http://schemas.microsoft.com/office/powerpoint/2010/main" val="4066512176"/>
       </p:ext>
     </p:extLst>
   </p:cSld>
@@ -5491,7 +5743,7 @@
           <p:cNvPr id="2" name="Title 1">
             <a:extLst>
               <a:ext uri="{FF2B5EF4-FFF2-40B4-BE49-F238E27FC236}">
-                <a16:creationId xmlns:a16="http://schemas.microsoft.com/office/drawing/2014/main" id="{E49CDC3A-FC08-4ED5-87EF-D4CE6A050B23}"/>
+                <a16:creationId xmlns:a16="http://schemas.microsoft.com/office/drawing/2014/main" id="{F1661924-E51B-4AA1-A1C5-C9AD9EE32D81}"/>
               </a:ext>
             </a:extLst>
           </p:cNvPr>
@@ -5509,31 +5761,56 @@
           <a:p>
             <a:r>
               <a:rPr lang="en-US" dirty="0"/>
-              <a:t>Discord Slash Commands</a:t>
-            </a:r>
-          </a:p>
-        </p:txBody>
-      </p:sp>
-      <p:sp>
-        <p:nvSpPr>
-          <p:cNvPr id="3" name="Text Placeholder 2">
-            <a:extLst>
-              <a:ext uri="{FF2B5EF4-FFF2-40B4-BE49-F238E27FC236}">
-                <a16:creationId xmlns:a16="http://schemas.microsoft.com/office/drawing/2014/main" id="{270B8181-23B2-688B-72BF-4A7C276F9FB3}"/>
-              </a:ext>
-            </a:extLst>
-          </p:cNvPr>
-          <p:cNvSpPr>
-            <a:spLocks noGrp="1"/>
-          </p:cNvSpPr>
-          <p:nvPr>
-            <p:ph type="body" idx="1"/>
-          </p:nvPr>
-        </p:nvSpPr>
-        <p:spPr/>
-        <p:txBody>
-          <a:bodyPr/>
-          <a:lstStyle/>
+              <a:t>Demo Environment</a:t>
+            </a:r>
+          </a:p>
+        </p:txBody>
+      </p:sp>
+      <p:sp>
+        <p:nvSpPr>
+          <p:cNvPr id="3" name="Content Placeholder 2">
+            <a:extLst>
+              <a:ext uri="{FF2B5EF4-FFF2-40B4-BE49-F238E27FC236}">
+                <a16:creationId xmlns:a16="http://schemas.microsoft.com/office/drawing/2014/main" id="{4FA49B7C-A4DE-4ADA-8216-70A81166A541}"/>
+              </a:ext>
+            </a:extLst>
+          </p:cNvPr>
+          <p:cNvSpPr>
+            <a:spLocks noGrp="1"/>
+          </p:cNvSpPr>
+          <p:nvPr>
+            <p:ph idx="1"/>
+          </p:nvPr>
+        </p:nvSpPr>
+        <p:spPr/>
+        <p:txBody>
+          <a:bodyPr/>
+          <a:lstStyle/>
+          <a:p>
+            <a:r>
+              <a:rPr lang="en-US" dirty="0"/>
+              <a:t>Windows 10</a:t>
+            </a:r>
+          </a:p>
+          <a:p>
+            <a:r>
+              <a:rPr lang="en-US" dirty="0"/>
+              <a:t>VS Code (latest version)</a:t>
+            </a:r>
+          </a:p>
+          <a:p>
+            <a:r>
+              <a:rPr lang="en-US" dirty="0"/>
+              <a:t>PowerShell 7.2 (Azure Function)</a:t>
+            </a:r>
+          </a:p>
+          <a:p>
+            <a:r>
+              <a:rPr lang="en-US" dirty="0" err="1"/>
+              <a:t>Discord.Net.PowerShell</a:t>
+            </a:r>
+            <a:endParaRPr lang="en-US" dirty="0"/>
+          </a:p>
           <a:p>
             <a:endParaRPr lang="en-US" dirty="0"/>
           </a:p>
@@ -5542,7 +5819,7 @@
     </p:spTree>
     <p:extLst>
       <p:ext uri="{BB962C8B-B14F-4D97-AF65-F5344CB8AC3E}">
-        <p14:creationId xmlns:p14="http://schemas.microsoft.com/office/powerpoint/2010/main" val="1551670895"/>
+        <p14:creationId xmlns:p14="http://schemas.microsoft.com/office/powerpoint/2010/main" val="3298450064"/>
       </p:ext>
     </p:extLst>
   </p:cSld>
@@ -5574,7 +5851,7 @@
           <p:cNvPr id="2" name="Title 1">
             <a:extLst>
               <a:ext uri="{FF2B5EF4-FFF2-40B4-BE49-F238E27FC236}">
-                <a16:creationId xmlns:a16="http://schemas.microsoft.com/office/drawing/2014/main" id="{CBFD5523-8704-64F5-986C-91C605EFC9EE}"/>
+                <a16:creationId xmlns:a16="http://schemas.microsoft.com/office/drawing/2014/main" id="{E49CDC3A-FC08-4ED5-87EF-D4CE6A050B23}"/>
               </a:ext>
             </a:extLst>
           </p:cNvPr>
@@ -5590,49 +5867,42 @@
           <a:bodyPr/>
           <a:lstStyle/>
           <a:p>
-            <a:endParaRPr lang="en-US"/>
-          </a:p>
-        </p:txBody>
-      </p:sp>
-      <p:pic>
-        <p:nvPicPr>
-          <p:cNvPr id="5" name="Content Placeholder 4" descr="Diagram&#10;&#10;Description automatically generated">
-            <a:extLst>
-              <a:ext uri="{FF2B5EF4-FFF2-40B4-BE49-F238E27FC236}">
-                <a16:creationId xmlns:a16="http://schemas.microsoft.com/office/drawing/2014/main" id="{0400EF73-BE5D-B1F1-658D-DB60AB18D76E}"/>
-              </a:ext>
-            </a:extLst>
-          </p:cNvPr>
-          <p:cNvPicPr>
-            <a:picLocks noGrp="1" noChangeAspect="1"/>
-          </p:cNvPicPr>
-          <p:nvPr>
-            <p:ph idx="1"/>
-          </p:nvPr>
-        </p:nvPicPr>
-        <p:blipFill>
-          <a:blip r:embed="rId2">
-            <a:extLst>
-              <a:ext uri="{28A0092B-C50C-407E-A947-70E740481C1C}">
-                <a14:useLocalDpi xmlns:a14="http://schemas.microsoft.com/office/drawing/2010/main" val="0"/>
-              </a:ext>
-            </a:extLst>
-          </a:blip>
-          <a:stretch>
-            <a:fillRect/>
-          </a:stretch>
-        </p:blipFill>
-        <p:spPr>
-          <a:xfrm>
-            <a:off x="2350293" y="370561"/>
-            <a:ext cx="6265069" cy="6072765"/>
-          </a:xfrm>
-        </p:spPr>
-      </p:pic>
+            <a:r>
+              <a:rPr lang="en-US" dirty="0"/>
+              <a:t>Discord Slash Commands</a:t>
+            </a:r>
+          </a:p>
+        </p:txBody>
+      </p:sp>
+      <p:sp>
+        <p:nvSpPr>
+          <p:cNvPr id="3" name="Text Placeholder 2">
+            <a:extLst>
+              <a:ext uri="{FF2B5EF4-FFF2-40B4-BE49-F238E27FC236}">
+                <a16:creationId xmlns:a16="http://schemas.microsoft.com/office/drawing/2014/main" id="{270B8181-23B2-688B-72BF-4A7C276F9FB3}"/>
+              </a:ext>
+            </a:extLst>
+          </p:cNvPr>
+          <p:cNvSpPr>
+            <a:spLocks noGrp="1"/>
+          </p:cNvSpPr>
+          <p:nvPr>
+            <p:ph type="body" idx="1"/>
+          </p:nvPr>
+        </p:nvSpPr>
+        <p:spPr/>
+        <p:txBody>
+          <a:bodyPr/>
+          <a:lstStyle/>
+          <a:p>
+            <a:endParaRPr lang="en-US" dirty="0"/>
+          </a:p>
+        </p:txBody>
+      </p:sp>
     </p:spTree>
     <p:extLst>
       <p:ext uri="{BB962C8B-B14F-4D97-AF65-F5344CB8AC3E}">
-        <p14:creationId xmlns:p14="http://schemas.microsoft.com/office/powerpoint/2010/main" val="2827307933"/>
+        <p14:creationId xmlns:p14="http://schemas.microsoft.com/office/powerpoint/2010/main" val="1551670895"/>
       </p:ext>
     </p:extLst>
   </p:cSld>

--- a/2023-04-26 - Building a serverless Discord bot/PowerShell Summit 2023 - Serverless Discord bot.pptx
+++ b/2023-04-26 - Building a serverless Discord bot/PowerShell Summit 2023 - Serverless Discord bot.pptx
@@ -26,6 +26,7 @@
     <p:sldId id="282" r:id="rId20"/>
     <p:sldId id="288" r:id="rId21"/>
     <p:sldId id="283" r:id="rId22"/>
+    <p:sldId id="291" r:id="rId23"/>
   </p:sldIdLst>
   <p:sldSz cx="12192000" cy="6858000"/>
   <p:notesSz cx="6858000" cy="9144000"/>
@@ -279,7 +280,7 @@
           <a:p>
             <a:fld id="{D46B952B-F692-4DD1-9678-FCDA40C3FC40}" type="datetimeFigureOut">
               <a:rPr lang="en-US" smtClean="0"/>
-              <a:t>4/17/2023</a:t>
+              <a:t>4/20/2023</a:t>
             </a:fld>
             <a:endParaRPr lang="en-US"/>
           </a:p>
@@ -477,7 +478,7 @@
           <a:p>
             <a:fld id="{D46B952B-F692-4DD1-9678-FCDA40C3FC40}" type="datetimeFigureOut">
               <a:rPr lang="en-US" smtClean="0"/>
-              <a:t>4/17/2023</a:t>
+              <a:t>4/20/2023</a:t>
             </a:fld>
             <a:endParaRPr lang="en-US"/>
           </a:p>
@@ -685,7 +686,7 @@
           <a:p>
             <a:fld id="{D46B952B-F692-4DD1-9678-FCDA40C3FC40}" type="datetimeFigureOut">
               <a:rPr lang="en-US" smtClean="0"/>
-              <a:t>4/17/2023</a:t>
+              <a:t>4/20/2023</a:t>
             </a:fld>
             <a:endParaRPr lang="en-US"/>
           </a:p>
@@ -883,7 +884,7 @@
           <a:p>
             <a:fld id="{D46B952B-F692-4DD1-9678-FCDA40C3FC40}" type="datetimeFigureOut">
               <a:rPr lang="en-US" smtClean="0"/>
-              <a:t>4/17/2023</a:t>
+              <a:t>4/20/2023</a:t>
             </a:fld>
             <a:endParaRPr lang="en-US"/>
           </a:p>
@@ -1158,7 +1159,7 @@
           <a:p>
             <a:fld id="{D46B952B-F692-4DD1-9678-FCDA40C3FC40}" type="datetimeFigureOut">
               <a:rPr lang="en-US" smtClean="0"/>
-              <a:t>4/17/2023</a:t>
+              <a:t>4/20/2023</a:t>
             </a:fld>
             <a:endParaRPr lang="en-US"/>
           </a:p>
@@ -1423,7 +1424,7 @@
           <a:p>
             <a:fld id="{D46B952B-F692-4DD1-9678-FCDA40C3FC40}" type="datetimeFigureOut">
               <a:rPr lang="en-US" smtClean="0"/>
-              <a:t>4/17/2023</a:t>
+              <a:t>4/20/2023</a:t>
             </a:fld>
             <a:endParaRPr lang="en-US"/>
           </a:p>
@@ -1835,7 +1836,7 @@
           <a:p>
             <a:fld id="{D46B952B-F692-4DD1-9678-FCDA40C3FC40}" type="datetimeFigureOut">
               <a:rPr lang="en-US" smtClean="0"/>
-              <a:t>4/17/2023</a:t>
+              <a:t>4/20/2023</a:t>
             </a:fld>
             <a:endParaRPr lang="en-US"/>
           </a:p>
@@ -1976,7 +1977,7 @@
           <a:p>
             <a:fld id="{D46B952B-F692-4DD1-9678-FCDA40C3FC40}" type="datetimeFigureOut">
               <a:rPr lang="en-US" smtClean="0"/>
-              <a:t>4/17/2023</a:t>
+              <a:t>4/20/2023</a:t>
             </a:fld>
             <a:endParaRPr lang="en-US"/>
           </a:p>
@@ -2089,7 +2090,7 @@
           <a:p>
             <a:fld id="{D46B952B-F692-4DD1-9678-FCDA40C3FC40}" type="datetimeFigureOut">
               <a:rPr lang="en-US" smtClean="0"/>
-              <a:t>4/17/2023</a:t>
+              <a:t>4/20/2023</a:t>
             </a:fld>
             <a:endParaRPr lang="en-US"/>
           </a:p>
@@ -2400,7 +2401,7 @@
           <a:p>
             <a:fld id="{D46B952B-F692-4DD1-9678-FCDA40C3FC40}" type="datetimeFigureOut">
               <a:rPr lang="en-US" smtClean="0"/>
-              <a:t>4/17/2023</a:t>
+              <a:t>4/20/2023</a:t>
             </a:fld>
             <a:endParaRPr lang="en-US"/>
           </a:p>
@@ -2688,7 +2689,7 @@
           <a:p>
             <a:fld id="{D46B952B-F692-4DD1-9678-FCDA40C3FC40}" type="datetimeFigureOut">
               <a:rPr lang="en-US" smtClean="0"/>
-              <a:t>4/17/2023</a:t>
+              <a:t>4/20/2023</a:t>
             </a:fld>
             <a:endParaRPr lang="en-US"/>
           </a:p>
@@ -2938,7 +2939,7 @@
           <a:p>
             <a:fld id="{D46B952B-F692-4DD1-9678-FCDA40C3FC40}" type="datetimeFigureOut">
               <a:rPr lang="en-US" smtClean="0"/>
-              <a:t>4/17/2023</a:t>
+              <a:t>4/20/2023</a:t>
             </a:fld>
             <a:endParaRPr lang="en-US"/>
           </a:p>
@@ -4685,367 +4686,6 @@
   <p:clrMapOvr>
     <a:masterClrMapping/>
   </p:clrMapOvr>
-  <p:timing>
-    <p:tnLst>
-      <p:par>
-        <p:cTn id="1" dur="indefinite" restart="never" nodeType="tmRoot">
-          <p:childTnLst>
-            <p:seq concurrent="1" nextAc="seek">
-              <p:cTn id="2" dur="indefinite" nodeType="mainSeq">
-                <p:childTnLst>
-                  <p:par>
-                    <p:cTn id="3" fill="hold">
-                      <p:stCondLst>
-                        <p:cond delay="indefinite"/>
-                      </p:stCondLst>
-                      <p:childTnLst>
-                        <p:par>
-                          <p:cTn id="4" fill="hold">
-                            <p:stCondLst>
-                              <p:cond delay="0"/>
-                            </p:stCondLst>
-                            <p:childTnLst>
-                              <p:par>
-                                <p:cTn id="5" presetID="1" presetClass="entr" presetSubtype="0" fill="hold" grpId="0" nodeType="clickEffect">
-                                  <p:stCondLst>
-                                    <p:cond delay="0"/>
-                                  </p:stCondLst>
-                                  <p:childTnLst>
-                                    <p:set>
-                                      <p:cBhvr>
-                                        <p:cTn id="6" dur="1" fill="hold">
-                                          <p:stCondLst>
-                                            <p:cond delay="0"/>
-                                          </p:stCondLst>
-                                        </p:cTn>
-                                        <p:tgtEl>
-                                          <p:spTgt spid="3">
-                                            <p:txEl>
-                                              <p:pRg st="0" end="0"/>
-                                            </p:txEl>
-                                          </p:spTgt>
-                                        </p:tgtEl>
-                                        <p:attrNameLst>
-                                          <p:attrName>style.visibility</p:attrName>
-                                        </p:attrNameLst>
-                                      </p:cBhvr>
-                                      <p:to>
-                                        <p:strVal val="visible"/>
-                                      </p:to>
-                                    </p:set>
-                                  </p:childTnLst>
-                                </p:cTn>
-                              </p:par>
-                              <p:par>
-                                <p:cTn id="7" presetID="1" presetClass="entr" presetSubtype="0" fill="hold" grpId="0" nodeType="withEffect">
-                                  <p:stCondLst>
-                                    <p:cond delay="0"/>
-                                  </p:stCondLst>
-                                  <p:childTnLst>
-                                    <p:set>
-                                      <p:cBhvr>
-                                        <p:cTn id="8" dur="1" fill="hold">
-                                          <p:stCondLst>
-                                            <p:cond delay="0"/>
-                                          </p:stCondLst>
-                                        </p:cTn>
-                                        <p:tgtEl>
-                                          <p:spTgt spid="3">
-                                            <p:txEl>
-                                              <p:pRg st="1" end="1"/>
-                                            </p:txEl>
-                                          </p:spTgt>
-                                        </p:tgtEl>
-                                        <p:attrNameLst>
-                                          <p:attrName>style.visibility</p:attrName>
-                                        </p:attrNameLst>
-                                      </p:cBhvr>
-                                      <p:to>
-                                        <p:strVal val="visible"/>
-                                      </p:to>
-                                    </p:set>
-                                  </p:childTnLst>
-                                </p:cTn>
-                              </p:par>
-                              <p:par>
-                                <p:cTn id="9" presetID="1" presetClass="entr" presetSubtype="0" fill="hold" grpId="0" nodeType="withEffect">
-                                  <p:stCondLst>
-                                    <p:cond delay="0"/>
-                                  </p:stCondLst>
-                                  <p:childTnLst>
-                                    <p:set>
-                                      <p:cBhvr>
-                                        <p:cTn id="10" dur="1" fill="hold">
-                                          <p:stCondLst>
-                                            <p:cond delay="0"/>
-                                          </p:stCondLst>
-                                        </p:cTn>
-                                        <p:tgtEl>
-                                          <p:spTgt spid="3">
-                                            <p:txEl>
-                                              <p:pRg st="2" end="2"/>
-                                            </p:txEl>
-                                          </p:spTgt>
-                                        </p:tgtEl>
-                                        <p:attrNameLst>
-                                          <p:attrName>style.visibility</p:attrName>
-                                        </p:attrNameLst>
-                                      </p:cBhvr>
-                                      <p:to>
-                                        <p:strVal val="visible"/>
-                                      </p:to>
-                                    </p:set>
-                                  </p:childTnLst>
-                                </p:cTn>
-                              </p:par>
-                              <p:par>
-                                <p:cTn id="11" presetID="1" presetClass="entr" presetSubtype="0" fill="hold" grpId="0" nodeType="withEffect">
-                                  <p:stCondLst>
-                                    <p:cond delay="0"/>
-                                  </p:stCondLst>
-                                  <p:childTnLst>
-                                    <p:set>
-                                      <p:cBhvr>
-                                        <p:cTn id="12" dur="1" fill="hold">
-                                          <p:stCondLst>
-                                            <p:cond delay="0"/>
-                                          </p:stCondLst>
-                                        </p:cTn>
-                                        <p:tgtEl>
-                                          <p:spTgt spid="3">
-                                            <p:txEl>
-                                              <p:pRg st="3" end="3"/>
-                                            </p:txEl>
-                                          </p:spTgt>
-                                        </p:tgtEl>
-                                        <p:attrNameLst>
-                                          <p:attrName>style.visibility</p:attrName>
-                                        </p:attrNameLst>
-                                      </p:cBhvr>
-                                      <p:to>
-                                        <p:strVal val="visible"/>
-                                      </p:to>
-                                    </p:set>
-                                  </p:childTnLst>
-                                </p:cTn>
-                              </p:par>
-                              <p:par>
-                                <p:cTn id="13" presetID="1" presetClass="entr" presetSubtype="0" fill="hold" grpId="0" nodeType="withEffect">
-                                  <p:stCondLst>
-                                    <p:cond delay="0"/>
-                                  </p:stCondLst>
-                                  <p:childTnLst>
-                                    <p:set>
-                                      <p:cBhvr>
-                                        <p:cTn id="14" dur="1" fill="hold">
-                                          <p:stCondLst>
-                                            <p:cond delay="0"/>
-                                          </p:stCondLst>
-                                        </p:cTn>
-                                        <p:tgtEl>
-                                          <p:spTgt spid="3">
-                                            <p:txEl>
-                                              <p:pRg st="4" end="4"/>
-                                            </p:txEl>
-                                          </p:spTgt>
-                                        </p:tgtEl>
-                                        <p:attrNameLst>
-                                          <p:attrName>style.visibility</p:attrName>
-                                        </p:attrNameLst>
-                                      </p:cBhvr>
-                                      <p:to>
-                                        <p:strVal val="visible"/>
-                                      </p:to>
-                                    </p:set>
-                                  </p:childTnLst>
-                                </p:cTn>
-                              </p:par>
-                              <p:par>
-                                <p:cTn id="15" presetID="1" presetClass="entr" presetSubtype="0" fill="hold" grpId="0" nodeType="withEffect">
-                                  <p:stCondLst>
-                                    <p:cond delay="0"/>
-                                  </p:stCondLst>
-                                  <p:childTnLst>
-                                    <p:set>
-                                      <p:cBhvr>
-                                        <p:cTn id="16" dur="1" fill="hold">
-                                          <p:stCondLst>
-                                            <p:cond delay="0"/>
-                                          </p:stCondLst>
-                                        </p:cTn>
-                                        <p:tgtEl>
-                                          <p:spTgt spid="3">
-                                            <p:txEl>
-                                              <p:pRg st="5" end="5"/>
-                                            </p:txEl>
-                                          </p:spTgt>
-                                        </p:tgtEl>
-                                        <p:attrNameLst>
-                                          <p:attrName>style.visibility</p:attrName>
-                                        </p:attrNameLst>
-                                      </p:cBhvr>
-                                      <p:to>
-                                        <p:strVal val="visible"/>
-                                      </p:to>
-                                    </p:set>
-                                  </p:childTnLst>
-                                </p:cTn>
-                              </p:par>
-                              <p:par>
-                                <p:cTn id="17" presetID="1" presetClass="entr" presetSubtype="0" fill="hold" grpId="0" nodeType="withEffect">
-                                  <p:stCondLst>
-                                    <p:cond delay="0"/>
-                                  </p:stCondLst>
-                                  <p:childTnLst>
-                                    <p:set>
-                                      <p:cBhvr>
-                                        <p:cTn id="18" dur="1" fill="hold">
-                                          <p:stCondLst>
-                                            <p:cond delay="0"/>
-                                          </p:stCondLst>
-                                        </p:cTn>
-                                        <p:tgtEl>
-                                          <p:spTgt spid="3">
-                                            <p:txEl>
-                                              <p:pRg st="6" end="6"/>
-                                            </p:txEl>
-                                          </p:spTgt>
-                                        </p:tgtEl>
-                                        <p:attrNameLst>
-                                          <p:attrName>style.visibility</p:attrName>
-                                        </p:attrNameLst>
-                                      </p:cBhvr>
-                                      <p:to>
-                                        <p:strVal val="visible"/>
-                                      </p:to>
-                                    </p:set>
-                                  </p:childTnLst>
-                                </p:cTn>
-                              </p:par>
-                              <p:par>
-                                <p:cTn id="19" presetID="1" presetClass="entr" presetSubtype="0" fill="hold" grpId="0" nodeType="withEffect">
-                                  <p:stCondLst>
-                                    <p:cond delay="0"/>
-                                  </p:stCondLst>
-                                  <p:childTnLst>
-                                    <p:set>
-                                      <p:cBhvr>
-                                        <p:cTn id="20" dur="1" fill="hold">
-                                          <p:stCondLst>
-                                            <p:cond delay="0"/>
-                                          </p:stCondLst>
-                                        </p:cTn>
-                                        <p:tgtEl>
-                                          <p:spTgt spid="3">
-                                            <p:txEl>
-                                              <p:pRg st="7" end="7"/>
-                                            </p:txEl>
-                                          </p:spTgt>
-                                        </p:tgtEl>
-                                        <p:attrNameLst>
-                                          <p:attrName>style.visibility</p:attrName>
-                                        </p:attrNameLst>
-                                      </p:cBhvr>
-                                      <p:to>
-                                        <p:strVal val="visible"/>
-                                      </p:to>
-                                    </p:set>
-                                  </p:childTnLst>
-                                </p:cTn>
-                              </p:par>
-                              <p:par>
-                                <p:cTn id="21" presetID="1" presetClass="entr" presetSubtype="0" fill="hold" grpId="0" nodeType="withEffect">
-                                  <p:stCondLst>
-                                    <p:cond delay="0"/>
-                                  </p:stCondLst>
-                                  <p:childTnLst>
-                                    <p:set>
-                                      <p:cBhvr>
-                                        <p:cTn id="22" dur="1" fill="hold">
-                                          <p:stCondLst>
-                                            <p:cond delay="0"/>
-                                          </p:stCondLst>
-                                        </p:cTn>
-                                        <p:tgtEl>
-                                          <p:spTgt spid="3">
-                                            <p:txEl>
-                                              <p:pRg st="8" end="8"/>
-                                            </p:txEl>
-                                          </p:spTgt>
-                                        </p:tgtEl>
-                                        <p:attrNameLst>
-                                          <p:attrName>style.visibility</p:attrName>
-                                        </p:attrNameLst>
-                                      </p:cBhvr>
-                                      <p:to>
-                                        <p:strVal val="visible"/>
-                                      </p:to>
-                                    </p:set>
-                                  </p:childTnLst>
-                                </p:cTn>
-                              </p:par>
-                              <p:par>
-                                <p:cTn id="23" presetID="1" presetClass="entr" presetSubtype="0" fill="hold" grpId="0" nodeType="withEffect">
-                                  <p:stCondLst>
-                                    <p:cond delay="0"/>
-                                  </p:stCondLst>
-                                  <p:childTnLst>
-                                    <p:set>
-                                      <p:cBhvr>
-                                        <p:cTn id="24" dur="1" fill="hold">
-                                          <p:stCondLst>
-                                            <p:cond delay="0"/>
-                                          </p:stCondLst>
-                                        </p:cTn>
-                                        <p:tgtEl>
-                                          <p:spTgt spid="3">
-                                            <p:txEl>
-                                              <p:pRg st="9" end="9"/>
-                                            </p:txEl>
-                                          </p:spTgt>
-                                        </p:tgtEl>
-                                        <p:attrNameLst>
-                                          <p:attrName>style.visibility</p:attrName>
-                                        </p:attrNameLst>
-                                      </p:cBhvr>
-                                      <p:to>
-                                        <p:strVal val="visible"/>
-                                      </p:to>
-                                    </p:set>
-                                  </p:childTnLst>
-                                </p:cTn>
-                              </p:par>
-                            </p:childTnLst>
-                          </p:cTn>
-                        </p:par>
-                      </p:childTnLst>
-                    </p:cTn>
-                  </p:par>
-                </p:childTnLst>
-              </p:cTn>
-              <p:prevCondLst>
-                <p:cond evt="onPrev" delay="0">
-                  <p:tgtEl>
-                    <p:sldTgt/>
-                  </p:tgtEl>
-                </p:cond>
-              </p:prevCondLst>
-              <p:nextCondLst>
-                <p:cond evt="onNext" delay="0">
-                  <p:tgtEl>
-                    <p:sldTgt/>
-                  </p:tgtEl>
-                </p:cond>
-              </p:nextCondLst>
-            </p:seq>
-          </p:childTnLst>
-        </p:cTn>
-      </p:par>
-    </p:tnLst>
-    <p:bldLst>
-      <p:bldP spid="3" grpId="0" build="p"/>
-    </p:bldLst>
-  </p:timing>
 </p:sld>
 </file>
 
@@ -5249,6 +4889,162 @@
     <p:extLst>
       <p:ext uri="{BB962C8B-B14F-4D97-AF65-F5344CB8AC3E}">
         <p14:creationId xmlns:p14="http://schemas.microsoft.com/office/powerpoint/2010/main" val="2503600091"/>
+      </p:ext>
+    </p:extLst>
+  </p:cSld>
+  <p:clrMapOvr>
+    <a:masterClrMapping/>
+  </p:clrMapOvr>
+</p:sld>
+</file>
+
+<file path=ppt/slides/slide22.xml><?xml version="1.0" encoding="utf-8"?>
+<p:sld xmlns:a="http://schemas.openxmlformats.org/drawingml/2006/main" xmlns:r="http://schemas.openxmlformats.org/officeDocument/2006/relationships" xmlns:p="http://schemas.openxmlformats.org/presentationml/2006/main">
+  <p:cSld>
+    <p:spTree>
+      <p:nvGrpSpPr>
+        <p:cNvPr id="1" name=""/>
+        <p:cNvGrpSpPr/>
+        <p:nvPr/>
+      </p:nvGrpSpPr>
+      <p:grpSpPr>
+        <a:xfrm>
+          <a:off x="0" y="0"/>
+          <a:ext cx="0" cy="0"/>
+          <a:chOff x="0" y="0"/>
+          <a:chExt cx="0" cy="0"/>
+        </a:xfrm>
+      </p:grpSpPr>
+      <p:sp>
+        <p:nvSpPr>
+          <p:cNvPr id="2" name="Title 1">
+            <a:extLst>
+              <a:ext uri="{FF2B5EF4-FFF2-40B4-BE49-F238E27FC236}">
+                <a16:creationId xmlns:a16="http://schemas.microsoft.com/office/drawing/2014/main" id="{A8154610-B8F6-34DB-E97F-4F6085A5DAEE}"/>
+              </a:ext>
+            </a:extLst>
+          </p:cNvPr>
+          <p:cNvSpPr>
+            <a:spLocks noGrp="1"/>
+          </p:cNvSpPr>
+          <p:nvPr>
+            <p:ph type="title"/>
+          </p:nvPr>
+        </p:nvSpPr>
+        <p:spPr/>
+        <p:txBody>
+          <a:bodyPr/>
+          <a:lstStyle/>
+          <a:p>
+            <a:r>
+              <a:rPr lang="en-US" dirty="0"/>
+              <a:t>Building the bot yourself</a:t>
+            </a:r>
+          </a:p>
+        </p:txBody>
+      </p:sp>
+      <p:sp>
+        <p:nvSpPr>
+          <p:cNvPr id="3" name="Content Placeholder 2">
+            <a:extLst>
+              <a:ext uri="{FF2B5EF4-FFF2-40B4-BE49-F238E27FC236}">
+                <a16:creationId xmlns:a16="http://schemas.microsoft.com/office/drawing/2014/main" id="{E367B74B-99B8-1565-2B09-509C1C6B722B}"/>
+              </a:ext>
+            </a:extLst>
+          </p:cNvPr>
+          <p:cNvSpPr>
+            <a:spLocks noGrp="1"/>
+          </p:cNvSpPr>
+          <p:nvPr>
+            <p:ph idx="1"/>
+          </p:nvPr>
+        </p:nvSpPr>
+        <p:spPr/>
+        <p:txBody>
+          <a:bodyPr/>
+          <a:lstStyle/>
+          <a:p>
+            <a:pPr marL="514350" indent="-514350">
+              <a:buFont typeface="+mj-lt"/>
+              <a:buAutoNum type="arabicPeriod"/>
+            </a:pPr>
+            <a:r>
+              <a:rPr lang="en-US" dirty="0"/>
+              <a:t>Deploy ’03 – Function App’ folder to an existing Azure Function that is Linux PowerShell 7.2+ using VS Code</a:t>
+            </a:r>
+          </a:p>
+          <a:p>
+            <a:pPr marL="514350" indent="-514350">
+              <a:buFont typeface="+mj-lt"/>
+              <a:buAutoNum type="arabicPeriod"/>
+            </a:pPr>
+            <a:r>
+              <a:rPr lang="en-US" dirty="0"/>
+              <a:t>Create a bot in Discord, set the bot’s public key as a function app config item called: ‘DISCORD_PUBLIC_KEY’</a:t>
+            </a:r>
+          </a:p>
+          <a:p>
+            <a:pPr marL="514350" indent="-514350">
+              <a:buFont typeface="+mj-lt"/>
+              <a:buAutoNum type="arabicPeriod"/>
+            </a:pPr>
+            <a:r>
+              <a:rPr lang="en-US" dirty="0"/>
+              <a:t>Make sure the bot is warm and then copy </a:t>
+            </a:r>
+            <a:r>
+              <a:rPr lang="en-US" dirty="0" err="1"/>
+              <a:t>HttpStart</a:t>
+            </a:r>
+            <a:r>
+              <a:rPr lang="en-US" dirty="0"/>
+              <a:t> function </a:t>
+            </a:r>
+            <a:r>
+              <a:rPr lang="en-US" dirty="0" err="1"/>
+              <a:t>url</a:t>
+            </a:r>
+            <a:r>
+              <a:rPr lang="en-US" dirty="0"/>
+              <a:t> into the interactions URL for the bot.</a:t>
+            </a:r>
+          </a:p>
+          <a:p>
+            <a:pPr marL="514350" indent="-514350">
+              <a:buFont typeface="+mj-lt"/>
+              <a:buAutoNum type="arabicPeriod"/>
+            </a:pPr>
+            <a:r>
+              <a:rPr lang="en-US" dirty="0"/>
+              <a:t>Add the bot to a server by creating a URL and then navigating to it.</a:t>
+            </a:r>
+          </a:p>
+          <a:p>
+            <a:pPr marL="514350" indent="-514350">
+              <a:buFont typeface="+mj-lt"/>
+              <a:buAutoNum type="arabicPeriod"/>
+            </a:pPr>
+            <a:r>
+              <a:rPr lang="en-US" dirty="0"/>
+              <a:t>Create hello guild command</a:t>
+            </a:r>
+          </a:p>
+          <a:p>
+            <a:pPr marL="514350" indent="-514350">
+              <a:buFont typeface="+mj-lt"/>
+              <a:buAutoNum type="arabicPeriod"/>
+            </a:pPr>
+            <a:r>
+              <a:rPr lang="en-US" dirty="0"/>
+              <a:t>Run: /hello</a:t>
+            </a:r>
+          </a:p>
+        </p:txBody>
+      </p:sp>
+    </p:spTree>
+    <p:extLst>
+      <p:ext uri="{BB962C8B-B14F-4D97-AF65-F5344CB8AC3E}">
+        <p14:creationId xmlns:p14="http://schemas.microsoft.com/office/powerpoint/2010/main" val="3716705589"/>
       </p:ext>
     </p:extLst>
   </p:cSld>

--- a/2023-04-26 - Building a serverless Discord bot/PowerShell Summit 2023 - Serverless Discord bot.pptx
+++ b/2023-04-26 - Building a serverless Discord bot/PowerShell Summit 2023 - Serverless Discord bot.pptx
@@ -4,29 +4,40 @@
   <p:sldMasterIdLst>
     <p:sldMasterId id="2147483648" r:id="rId1"/>
   </p:sldMasterIdLst>
+  <p:notesMasterIdLst>
+    <p:notesMasterId r:id="rId32"/>
+  </p:notesMasterIdLst>
   <p:sldIdLst>
     <p:sldId id="256" r:id="rId2"/>
     <p:sldId id="257" r:id="rId3"/>
-    <p:sldId id="272" r:id="rId4"/>
-    <p:sldId id="273" r:id="rId5"/>
-    <p:sldId id="290" r:id="rId6"/>
-    <p:sldId id="271" r:id="rId7"/>
-    <p:sldId id="268" r:id="rId8"/>
-    <p:sldId id="274" r:id="rId9"/>
-    <p:sldId id="277" r:id="rId10"/>
-    <p:sldId id="280" r:id="rId11"/>
-    <p:sldId id="289" r:id="rId12"/>
-    <p:sldId id="285" r:id="rId13"/>
-    <p:sldId id="278" r:id="rId14"/>
-    <p:sldId id="279" r:id="rId15"/>
-    <p:sldId id="281" r:id="rId16"/>
-    <p:sldId id="284" r:id="rId17"/>
-    <p:sldId id="286" r:id="rId18"/>
-    <p:sldId id="287" r:id="rId19"/>
-    <p:sldId id="282" r:id="rId20"/>
-    <p:sldId id="288" r:id="rId21"/>
-    <p:sldId id="283" r:id="rId22"/>
-    <p:sldId id="291" r:id="rId23"/>
+    <p:sldId id="298" r:id="rId4"/>
+    <p:sldId id="299" r:id="rId5"/>
+    <p:sldId id="272" r:id="rId6"/>
+    <p:sldId id="296" r:id="rId7"/>
+    <p:sldId id="273" r:id="rId8"/>
+    <p:sldId id="297" r:id="rId9"/>
+    <p:sldId id="290" r:id="rId10"/>
+    <p:sldId id="271" r:id="rId11"/>
+    <p:sldId id="268" r:id="rId12"/>
+    <p:sldId id="274" r:id="rId13"/>
+    <p:sldId id="277" r:id="rId14"/>
+    <p:sldId id="280" r:id="rId15"/>
+    <p:sldId id="289" r:id="rId16"/>
+    <p:sldId id="292" r:id="rId17"/>
+    <p:sldId id="285" r:id="rId18"/>
+    <p:sldId id="293" r:id="rId19"/>
+    <p:sldId id="294" r:id="rId20"/>
+    <p:sldId id="278" r:id="rId21"/>
+    <p:sldId id="279" r:id="rId22"/>
+    <p:sldId id="281" r:id="rId23"/>
+    <p:sldId id="284" r:id="rId24"/>
+    <p:sldId id="286" r:id="rId25"/>
+    <p:sldId id="287" r:id="rId26"/>
+    <p:sldId id="282" r:id="rId27"/>
+    <p:sldId id="288" r:id="rId28"/>
+    <p:sldId id="283" r:id="rId29"/>
+    <p:sldId id="291" r:id="rId30"/>
+    <p:sldId id="295" r:id="rId31"/>
   </p:sldIdLst>
   <p:sldSz cx="12192000" cy="6858000"/>
   <p:notesSz cx="6858000" cy="9144000"/>
@@ -133,6 +144,526 @@
 </p:presentation>
 </file>
 
+<file path=ppt/notesMasters/notesMaster1.xml><?xml version="1.0" encoding="utf-8"?>
+<p:notesMaster xmlns:a="http://schemas.openxmlformats.org/drawingml/2006/main" xmlns:r="http://schemas.openxmlformats.org/officeDocument/2006/relationships" xmlns:p="http://schemas.openxmlformats.org/presentationml/2006/main">
+  <p:cSld>
+    <p:bg>
+      <p:bgRef idx="1001">
+        <a:schemeClr val="bg1"/>
+      </p:bgRef>
+    </p:bg>
+    <p:spTree>
+      <p:nvGrpSpPr>
+        <p:cNvPr id="1" name=""/>
+        <p:cNvGrpSpPr/>
+        <p:nvPr/>
+      </p:nvGrpSpPr>
+      <p:grpSpPr>
+        <a:xfrm>
+          <a:off x="0" y="0"/>
+          <a:ext cx="0" cy="0"/>
+          <a:chOff x="0" y="0"/>
+          <a:chExt cx="0" cy="0"/>
+        </a:xfrm>
+      </p:grpSpPr>
+      <p:sp>
+        <p:nvSpPr>
+          <p:cNvPr id="2" name="Header Placeholder 1"/>
+          <p:cNvSpPr>
+            <a:spLocks noGrp="1"/>
+          </p:cNvSpPr>
+          <p:nvPr>
+            <p:ph type="hdr" sz="quarter"/>
+          </p:nvPr>
+        </p:nvSpPr>
+        <p:spPr>
+          <a:xfrm>
+            <a:off x="0" y="0"/>
+            <a:ext cx="2971800" cy="458788"/>
+          </a:xfrm>
+          <a:prstGeom prst="rect">
+            <a:avLst/>
+          </a:prstGeom>
+        </p:spPr>
+        <p:txBody>
+          <a:bodyPr vert="horz" lIns="91440" tIns="45720" rIns="91440" bIns="45720" rtlCol="0"/>
+          <a:lstStyle>
+            <a:lvl1pPr algn="l">
+              <a:defRPr sz="1200"/>
+            </a:lvl1pPr>
+          </a:lstStyle>
+          <a:p>
+            <a:endParaRPr lang="en-US"/>
+          </a:p>
+        </p:txBody>
+      </p:sp>
+      <p:sp>
+        <p:nvSpPr>
+          <p:cNvPr id="3" name="Date Placeholder 2"/>
+          <p:cNvSpPr>
+            <a:spLocks noGrp="1"/>
+          </p:cNvSpPr>
+          <p:nvPr>
+            <p:ph type="dt" idx="1"/>
+          </p:nvPr>
+        </p:nvSpPr>
+        <p:spPr>
+          <a:xfrm>
+            <a:off x="3884613" y="0"/>
+            <a:ext cx="2971800" cy="458788"/>
+          </a:xfrm>
+          <a:prstGeom prst="rect">
+            <a:avLst/>
+          </a:prstGeom>
+        </p:spPr>
+        <p:txBody>
+          <a:bodyPr vert="horz" lIns="91440" tIns="45720" rIns="91440" bIns="45720" rtlCol="0"/>
+          <a:lstStyle>
+            <a:lvl1pPr algn="r">
+              <a:defRPr sz="1200"/>
+            </a:lvl1pPr>
+          </a:lstStyle>
+          <a:p>
+            <a:fld id="{5111255C-471F-467D-9A01-B275680C0379}" type="datetimeFigureOut">
+              <a:rPr lang="en-US" smtClean="0"/>
+              <a:t>4/26/2023</a:t>
+            </a:fld>
+            <a:endParaRPr lang="en-US"/>
+          </a:p>
+        </p:txBody>
+      </p:sp>
+      <p:sp>
+        <p:nvSpPr>
+          <p:cNvPr id="4" name="Slide Image Placeholder 3"/>
+          <p:cNvSpPr>
+            <a:spLocks noGrp="1" noRot="1" noChangeAspect="1"/>
+          </p:cNvSpPr>
+          <p:nvPr>
+            <p:ph type="sldImg" idx="2"/>
+          </p:nvPr>
+        </p:nvSpPr>
+        <p:spPr>
+          <a:xfrm>
+            <a:off x="685800" y="1143000"/>
+            <a:ext cx="5486400" cy="3086100"/>
+          </a:xfrm>
+          <a:prstGeom prst="rect">
+            <a:avLst/>
+          </a:prstGeom>
+          <a:noFill/>
+          <a:ln w="12700">
+            <a:solidFill>
+              <a:prstClr val="black"/>
+            </a:solidFill>
+          </a:ln>
+        </p:spPr>
+        <p:txBody>
+          <a:bodyPr vert="horz" lIns="91440" tIns="45720" rIns="91440" bIns="45720" rtlCol="0" anchor="ctr"/>
+          <a:lstStyle/>
+          <a:p>
+            <a:endParaRPr lang="en-US"/>
+          </a:p>
+        </p:txBody>
+      </p:sp>
+      <p:sp>
+        <p:nvSpPr>
+          <p:cNvPr id="5" name="Notes Placeholder 4"/>
+          <p:cNvSpPr>
+            <a:spLocks noGrp="1"/>
+          </p:cNvSpPr>
+          <p:nvPr>
+            <p:ph type="body" sz="quarter" idx="3"/>
+          </p:nvPr>
+        </p:nvSpPr>
+        <p:spPr>
+          <a:xfrm>
+            <a:off x="685800" y="4400550"/>
+            <a:ext cx="5486400" cy="3600450"/>
+          </a:xfrm>
+          <a:prstGeom prst="rect">
+            <a:avLst/>
+          </a:prstGeom>
+        </p:spPr>
+        <p:txBody>
+          <a:bodyPr vert="horz" lIns="91440" tIns="45720" rIns="91440" bIns="45720" rtlCol="0"/>
+          <a:lstStyle/>
+          <a:p>
+            <a:pPr lvl="0"/>
+            <a:r>
+              <a:rPr lang="en-US"/>
+              <a:t>Click to edit Master text styles</a:t>
+            </a:r>
+          </a:p>
+          <a:p>
+            <a:pPr lvl="1"/>
+            <a:r>
+              <a:rPr lang="en-US"/>
+              <a:t>Second level</a:t>
+            </a:r>
+          </a:p>
+          <a:p>
+            <a:pPr lvl="2"/>
+            <a:r>
+              <a:rPr lang="en-US"/>
+              <a:t>Third level</a:t>
+            </a:r>
+          </a:p>
+          <a:p>
+            <a:pPr lvl="3"/>
+            <a:r>
+              <a:rPr lang="en-US"/>
+              <a:t>Fourth level</a:t>
+            </a:r>
+          </a:p>
+          <a:p>
+            <a:pPr lvl="4"/>
+            <a:r>
+              <a:rPr lang="en-US"/>
+              <a:t>Fifth level</a:t>
+            </a:r>
+          </a:p>
+        </p:txBody>
+      </p:sp>
+      <p:sp>
+        <p:nvSpPr>
+          <p:cNvPr id="6" name="Footer Placeholder 5"/>
+          <p:cNvSpPr>
+            <a:spLocks noGrp="1"/>
+          </p:cNvSpPr>
+          <p:nvPr>
+            <p:ph type="ftr" sz="quarter" idx="4"/>
+          </p:nvPr>
+        </p:nvSpPr>
+        <p:spPr>
+          <a:xfrm>
+            <a:off x="0" y="8685213"/>
+            <a:ext cx="2971800" cy="458787"/>
+          </a:xfrm>
+          <a:prstGeom prst="rect">
+            <a:avLst/>
+          </a:prstGeom>
+        </p:spPr>
+        <p:txBody>
+          <a:bodyPr vert="horz" lIns="91440" tIns="45720" rIns="91440" bIns="45720" rtlCol="0" anchor="b"/>
+          <a:lstStyle>
+            <a:lvl1pPr algn="l">
+              <a:defRPr sz="1200"/>
+            </a:lvl1pPr>
+          </a:lstStyle>
+          <a:p>
+            <a:endParaRPr lang="en-US"/>
+          </a:p>
+        </p:txBody>
+      </p:sp>
+      <p:sp>
+        <p:nvSpPr>
+          <p:cNvPr id="7" name="Slide Number Placeholder 6"/>
+          <p:cNvSpPr>
+            <a:spLocks noGrp="1"/>
+          </p:cNvSpPr>
+          <p:nvPr>
+            <p:ph type="sldNum" sz="quarter" idx="5"/>
+          </p:nvPr>
+        </p:nvSpPr>
+        <p:spPr>
+          <a:xfrm>
+            <a:off x="3884613" y="8685213"/>
+            <a:ext cx="2971800" cy="458787"/>
+          </a:xfrm>
+          <a:prstGeom prst="rect">
+            <a:avLst/>
+          </a:prstGeom>
+        </p:spPr>
+        <p:txBody>
+          <a:bodyPr vert="horz" lIns="91440" tIns="45720" rIns="91440" bIns="45720" rtlCol="0" anchor="b"/>
+          <a:lstStyle>
+            <a:lvl1pPr algn="r">
+              <a:defRPr sz="1200"/>
+            </a:lvl1pPr>
+          </a:lstStyle>
+          <a:p>
+            <a:fld id="{5A6CC6BB-5D0C-4013-89F1-BD6F1BF3FCB2}" type="slidenum">
+              <a:rPr lang="en-US" smtClean="0"/>
+              <a:t>‹#›</a:t>
+            </a:fld>
+            <a:endParaRPr lang="en-US"/>
+          </a:p>
+        </p:txBody>
+      </p:sp>
+    </p:spTree>
+    <p:extLst>
+      <p:ext uri="{BB962C8B-B14F-4D97-AF65-F5344CB8AC3E}">
+        <p14:creationId xmlns:p14="http://schemas.microsoft.com/office/powerpoint/2010/main" val="236129506"/>
+      </p:ext>
+    </p:extLst>
+  </p:cSld>
+  <p:clrMap bg1="lt1" tx1="dk1" bg2="lt2" tx2="dk2" accent1="accent1" accent2="accent2" accent3="accent3" accent4="accent4" accent5="accent5" accent6="accent6" hlink="hlink" folHlink="folHlink"/>
+  <p:notesStyle>
+    <a:lvl1pPr marL="0" algn="l" defTabSz="914400" rtl="0" eaLnBrk="1" latinLnBrk="0" hangingPunct="1">
+      <a:defRPr sz="1200" kern="1200">
+        <a:solidFill>
+          <a:schemeClr val="tx1"/>
+        </a:solidFill>
+        <a:latin typeface="+mn-lt"/>
+        <a:ea typeface="+mn-ea"/>
+        <a:cs typeface="+mn-cs"/>
+      </a:defRPr>
+    </a:lvl1pPr>
+    <a:lvl2pPr marL="457200" algn="l" defTabSz="914400" rtl="0" eaLnBrk="1" latinLnBrk="0" hangingPunct="1">
+      <a:defRPr sz="1200" kern="1200">
+        <a:solidFill>
+          <a:schemeClr val="tx1"/>
+        </a:solidFill>
+        <a:latin typeface="+mn-lt"/>
+        <a:ea typeface="+mn-ea"/>
+        <a:cs typeface="+mn-cs"/>
+      </a:defRPr>
+    </a:lvl2pPr>
+    <a:lvl3pPr marL="914400" algn="l" defTabSz="914400" rtl="0" eaLnBrk="1" latinLnBrk="0" hangingPunct="1">
+      <a:defRPr sz="1200" kern="1200">
+        <a:solidFill>
+          <a:schemeClr val="tx1"/>
+        </a:solidFill>
+        <a:latin typeface="+mn-lt"/>
+        <a:ea typeface="+mn-ea"/>
+        <a:cs typeface="+mn-cs"/>
+      </a:defRPr>
+    </a:lvl3pPr>
+    <a:lvl4pPr marL="1371600" algn="l" defTabSz="914400" rtl="0" eaLnBrk="1" latinLnBrk="0" hangingPunct="1">
+      <a:defRPr sz="1200" kern="1200">
+        <a:solidFill>
+          <a:schemeClr val="tx1"/>
+        </a:solidFill>
+        <a:latin typeface="+mn-lt"/>
+        <a:ea typeface="+mn-ea"/>
+        <a:cs typeface="+mn-cs"/>
+      </a:defRPr>
+    </a:lvl4pPr>
+    <a:lvl5pPr marL="1828800" algn="l" defTabSz="914400" rtl="0" eaLnBrk="1" latinLnBrk="0" hangingPunct="1">
+      <a:defRPr sz="1200" kern="1200">
+        <a:solidFill>
+          <a:schemeClr val="tx1"/>
+        </a:solidFill>
+        <a:latin typeface="+mn-lt"/>
+        <a:ea typeface="+mn-ea"/>
+        <a:cs typeface="+mn-cs"/>
+      </a:defRPr>
+    </a:lvl5pPr>
+    <a:lvl6pPr marL="2286000" algn="l" defTabSz="914400" rtl="0" eaLnBrk="1" latinLnBrk="0" hangingPunct="1">
+      <a:defRPr sz="1200" kern="1200">
+        <a:solidFill>
+          <a:schemeClr val="tx1"/>
+        </a:solidFill>
+        <a:latin typeface="+mn-lt"/>
+        <a:ea typeface="+mn-ea"/>
+        <a:cs typeface="+mn-cs"/>
+      </a:defRPr>
+    </a:lvl6pPr>
+    <a:lvl7pPr marL="2743200" algn="l" defTabSz="914400" rtl="0" eaLnBrk="1" latinLnBrk="0" hangingPunct="1">
+      <a:defRPr sz="1200" kern="1200">
+        <a:solidFill>
+          <a:schemeClr val="tx1"/>
+        </a:solidFill>
+        <a:latin typeface="+mn-lt"/>
+        <a:ea typeface="+mn-ea"/>
+        <a:cs typeface="+mn-cs"/>
+      </a:defRPr>
+    </a:lvl7pPr>
+    <a:lvl8pPr marL="3200400" algn="l" defTabSz="914400" rtl="0" eaLnBrk="1" latinLnBrk="0" hangingPunct="1">
+      <a:defRPr sz="1200" kern="1200">
+        <a:solidFill>
+          <a:schemeClr val="tx1"/>
+        </a:solidFill>
+        <a:latin typeface="+mn-lt"/>
+        <a:ea typeface="+mn-ea"/>
+        <a:cs typeface="+mn-cs"/>
+      </a:defRPr>
+    </a:lvl8pPr>
+    <a:lvl9pPr marL="3657600" algn="l" defTabSz="914400" rtl="0" eaLnBrk="1" latinLnBrk="0" hangingPunct="1">
+      <a:defRPr sz="1200" kern="1200">
+        <a:solidFill>
+          <a:schemeClr val="tx1"/>
+        </a:solidFill>
+        <a:latin typeface="+mn-lt"/>
+        <a:ea typeface="+mn-ea"/>
+        <a:cs typeface="+mn-cs"/>
+      </a:defRPr>
+    </a:lvl9pPr>
+  </p:notesStyle>
+</p:notesMaster>
+</file>
+
+<file path=ppt/notesSlides/notesSlide1.xml><?xml version="1.0" encoding="utf-8"?>
+<p:notes xmlns:a="http://schemas.openxmlformats.org/drawingml/2006/main" xmlns:r="http://schemas.openxmlformats.org/officeDocument/2006/relationships" xmlns:p="http://schemas.openxmlformats.org/presentationml/2006/main">
+  <p:cSld>
+    <p:spTree>
+      <p:nvGrpSpPr>
+        <p:cNvPr id="1" name=""/>
+        <p:cNvGrpSpPr/>
+        <p:nvPr/>
+      </p:nvGrpSpPr>
+      <p:grpSpPr>
+        <a:xfrm>
+          <a:off x="0" y="0"/>
+          <a:ext cx="0" cy="0"/>
+          <a:chOff x="0" y="0"/>
+          <a:chExt cx="0" cy="0"/>
+        </a:xfrm>
+      </p:grpSpPr>
+      <p:sp>
+        <p:nvSpPr>
+          <p:cNvPr id="2" name="Slide Image Placeholder 1"/>
+          <p:cNvSpPr>
+            <a:spLocks noGrp="1" noRot="1" noChangeAspect="1"/>
+          </p:cNvSpPr>
+          <p:nvPr>
+            <p:ph type="sldImg"/>
+          </p:nvPr>
+        </p:nvSpPr>
+        <p:spPr/>
+      </p:sp>
+      <p:sp>
+        <p:nvSpPr>
+          <p:cNvPr id="3" name="Notes Placeholder 2"/>
+          <p:cNvSpPr>
+            <a:spLocks noGrp="1"/>
+          </p:cNvSpPr>
+          <p:nvPr>
+            <p:ph type="body" idx="1"/>
+          </p:nvPr>
+        </p:nvSpPr>
+        <p:spPr/>
+        <p:txBody>
+          <a:bodyPr/>
+          <a:lstStyle/>
+          <a:p>
+            <a:r>
+              <a:rPr lang="en-US" dirty="0"/>
+              <a:t>Not covering Game Server stuff, but happy to discuss and share code</a:t>
+            </a:r>
+          </a:p>
+        </p:txBody>
+      </p:sp>
+      <p:sp>
+        <p:nvSpPr>
+          <p:cNvPr id="4" name="Slide Number Placeholder 3"/>
+          <p:cNvSpPr>
+            <a:spLocks noGrp="1"/>
+          </p:cNvSpPr>
+          <p:nvPr>
+            <p:ph type="sldNum" sz="quarter" idx="5"/>
+          </p:nvPr>
+        </p:nvSpPr>
+        <p:spPr/>
+        <p:txBody>
+          <a:bodyPr/>
+          <a:lstStyle/>
+          <a:p>
+            <a:fld id="{5A6CC6BB-5D0C-4013-89F1-BD6F1BF3FCB2}" type="slidenum">
+              <a:rPr lang="en-US" smtClean="0"/>
+              <a:t>5</a:t>
+            </a:fld>
+            <a:endParaRPr lang="en-US"/>
+          </a:p>
+        </p:txBody>
+      </p:sp>
+    </p:spTree>
+    <p:extLst>
+      <p:ext uri="{BB962C8B-B14F-4D97-AF65-F5344CB8AC3E}">
+        <p14:creationId xmlns:p14="http://schemas.microsoft.com/office/powerpoint/2010/main" val="3093106489"/>
+      </p:ext>
+    </p:extLst>
+  </p:cSld>
+  <p:clrMapOvr>
+    <a:masterClrMapping/>
+  </p:clrMapOvr>
+</p:notes>
+</file>
+
+<file path=ppt/notesSlides/notesSlide2.xml><?xml version="1.0" encoding="utf-8"?>
+<p:notes xmlns:a="http://schemas.openxmlformats.org/drawingml/2006/main" xmlns:r="http://schemas.openxmlformats.org/officeDocument/2006/relationships" xmlns:p="http://schemas.openxmlformats.org/presentationml/2006/main">
+  <p:cSld>
+    <p:spTree>
+      <p:nvGrpSpPr>
+        <p:cNvPr id="1" name=""/>
+        <p:cNvGrpSpPr/>
+        <p:nvPr/>
+      </p:nvGrpSpPr>
+      <p:grpSpPr>
+        <a:xfrm>
+          <a:off x="0" y="0"/>
+          <a:ext cx="0" cy="0"/>
+          <a:chOff x="0" y="0"/>
+          <a:chExt cx="0" cy="0"/>
+        </a:xfrm>
+      </p:grpSpPr>
+      <p:sp>
+        <p:nvSpPr>
+          <p:cNvPr id="2" name="Slide Image Placeholder 1"/>
+          <p:cNvSpPr>
+            <a:spLocks noGrp="1" noRot="1" noChangeAspect="1"/>
+          </p:cNvSpPr>
+          <p:nvPr>
+            <p:ph type="sldImg"/>
+          </p:nvPr>
+        </p:nvSpPr>
+        <p:spPr/>
+      </p:sp>
+      <p:sp>
+        <p:nvSpPr>
+          <p:cNvPr id="3" name="Notes Placeholder 2"/>
+          <p:cNvSpPr>
+            <a:spLocks noGrp="1"/>
+          </p:cNvSpPr>
+          <p:nvPr>
+            <p:ph type="body" idx="1"/>
+          </p:nvPr>
+        </p:nvSpPr>
+        <p:spPr/>
+        <p:txBody>
+          <a:bodyPr/>
+          <a:lstStyle/>
+          <a:p>
+            <a:endParaRPr lang="en-US" dirty="0"/>
+          </a:p>
+        </p:txBody>
+      </p:sp>
+      <p:sp>
+        <p:nvSpPr>
+          <p:cNvPr id="4" name="Slide Number Placeholder 3"/>
+          <p:cNvSpPr>
+            <a:spLocks noGrp="1"/>
+          </p:cNvSpPr>
+          <p:nvPr>
+            <p:ph type="sldNum" sz="quarter" idx="5"/>
+          </p:nvPr>
+        </p:nvSpPr>
+        <p:spPr/>
+        <p:txBody>
+          <a:bodyPr/>
+          <a:lstStyle/>
+          <a:p>
+            <a:fld id="{5A6CC6BB-5D0C-4013-89F1-BD6F1BF3FCB2}" type="slidenum">
+              <a:rPr lang="en-US" smtClean="0"/>
+              <a:t>30</a:t>
+            </a:fld>
+            <a:endParaRPr lang="en-US"/>
+          </a:p>
+        </p:txBody>
+      </p:sp>
+    </p:spTree>
+    <p:extLst>
+      <p:ext uri="{BB962C8B-B14F-4D97-AF65-F5344CB8AC3E}">
+        <p14:creationId xmlns:p14="http://schemas.microsoft.com/office/powerpoint/2010/main" val="2334675972"/>
+      </p:ext>
+    </p:extLst>
+  </p:cSld>
+  <p:clrMapOvr>
+    <a:masterClrMapping/>
+  </p:clrMapOvr>
+</p:notes>
+</file>
+
 <file path=ppt/slideLayouts/slideLayout1.xml><?xml version="1.0" encoding="utf-8"?>
 <p:sldLayout xmlns:a="http://schemas.openxmlformats.org/drawingml/2006/main" xmlns:r="http://schemas.openxmlformats.org/officeDocument/2006/relationships" xmlns:p="http://schemas.openxmlformats.org/presentationml/2006/main" type="title" preserve="1">
   <p:cSld name="Title Slide">
@@ -280,7 +811,7 @@
           <a:p>
             <a:fld id="{D46B952B-F692-4DD1-9678-FCDA40C3FC40}" type="datetimeFigureOut">
               <a:rPr lang="en-US" smtClean="0"/>
-              <a:t>4/20/2023</a:t>
+              <a:t>4/26/2023</a:t>
             </a:fld>
             <a:endParaRPr lang="en-US"/>
           </a:p>
@@ -478,7 +1009,7 @@
           <a:p>
             <a:fld id="{D46B952B-F692-4DD1-9678-FCDA40C3FC40}" type="datetimeFigureOut">
               <a:rPr lang="en-US" smtClean="0"/>
-              <a:t>4/20/2023</a:t>
+              <a:t>4/26/2023</a:t>
             </a:fld>
             <a:endParaRPr lang="en-US"/>
           </a:p>
@@ -686,7 +1217,7 @@
           <a:p>
             <a:fld id="{D46B952B-F692-4DD1-9678-FCDA40C3FC40}" type="datetimeFigureOut">
               <a:rPr lang="en-US" smtClean="0"/>
-              <a:t>4/20/2023</a:t>
+              <a:t>4/26/2023</a:t>
             </a:fld>
             <a:endParaRPr lang="en-US"/>
           </a:p>
@@ -884,7 +1415,7 @@
           <a:p>
             <a:fld id="{D46B952B-F692-4DD1-9678-FCDA40C3FC40}" type="datetimeFigureOut">
               <a:rPr lang="en-US" smtClean="0"/>
-              <a:t>4/20/2023</a:t>
+              <a:t>4/26/2023</a:t>
             </a:fld>
             <a:endParaRPr lang="en-US"/>
           </a:p>
@@ -1159,7 +1690,7 @@
           <a:p>
             <a:fld id="{D46B952B-F692-4DD1-9678-FCDA40C3FC40}" type="datetimeFigureOut">
               <a:rPr lang="en-US" smtClean="0"/>
-              <a:t>4/20/2023</a:t>
+              <a:t>4/26/2023</a:t>
             </a:fld>
             <a:endParaRPr lang="en-US"/>
           </a:p>
@@ -1424,7 +1955,7 @@
           <a:p>
             <a:fld id="{D46B952B-F692-4DD1-9678-FCDA40C3FC40}" type="datetimeFigureOut">
               <a:rPr lang="en-US" smtClean="0"/>
-              <a:t>4/20/2023</a:t>
+              <a:t>4/26/2023</a:t>
             </a:fld>
             <a:endParaRPr lang="en-US"/>
           </a:p>
@@ -1836,7 +2367,7 @@
           <a:p>
             <a:fld id="{D46B952B-F692-4DD1-9678-FCDA40C3FC40}" type="datetimeFigureOut">
               <a:rPr lang="en-US" smtClean="0"/>
-              <a:t>4/20/2023</a:t>
+              <a:t>4/26/2023</a:t>
             </a:fld>
             <a:endParaRPr lang="en-US"/>
           </a:p>
@@ -1977,7 +2508,7 @@
           <a:p>
             <a:fld id="{D46B952B-F692-4DD1-9678-FCDA40C3FC40}" type="datetimeFigureOut">
               <a:rPr lang="en-US" smtClean="0"/>
-              <a:t>4/20/2023</a:t>
+              <a:t>4/26/2023</a:t>
             </a:fld>
             <a:endParaRPr lang="en-US"/>
           </a:p>
@@ -2090,7 +2621,7 @@
           <a:p>
             <a:fld id="{D46B952B-F692-4DD1-9678-FCDA40C3FC40}" type="datetimeFigureOut">
               <a:rPr lang="en-US" smtClean="0"/>
-              <a:t>4/20/2023</a:t>
+              <a:t>4/26/2023</a:t>
             </a:fld>
             <a:endParaRPr lang="en-US"/>
           </a:p>
@@ -2401,7 +2932,7 @@
           <a:p>
             <a:fld id="{D46B952B-F692-4DD1-9678-FCDA40C3FC40}" type="datetimeFigureOut">
               <a:rPr lang="en-US" smtClean="0"/>
-              <a:t>4/20/2023</a:t>
+              <a:t>4/26/2023</a:t>
             </a:fld>
             <a:endParaRPr lang="en-US"/>
           </a:p>
@@ -2689,7 +3220,7 @@
           <a:p>
             <a:fld id="{D46B952B-F692-4DD1-9678-FCDA40C3FC40}" type="datetimeFigureOut">
               <a:rPr lang="en-US" smtClean="0"/>
-              <a:t>4/20/2023</a:t>
+              <a:t>4/26/2023</a:t>
             </a:fld>
             <a:endParaRPr lang="en-US"/>
           </a:p>
@@ -2939,7 +3470,7 @@
           <a:p>
             <a:fld id="{D46B952B-F692-4DD1-9678-FCDA40C3FC40}" type="datetimeFigureOut">
               <a:rPr lang="en-US" smtClean="0"/>
-              <a:t>4/20/2023</a:t>
+              <a:t>4/26/2023</a:t>
             </a:fld>
             <a:endParaRPr lang="en-US"/>
           </a:p>
@@ -3466,7 +3997,7 @@
           <p:cNvPr id="2" name="Title 1">
             <a:extLst>
               <a:ext uri="{FF2B5EF4-FFF2-40B4-BE49-F238E27FC236}">
-                <a16:creationId xmlns:a16="http://schemas.microsoft.com/office/drawing/2014/main" id="{CBFD5523-8704-64F5-986C-91C605EFC9EE}"/>
+                <a16:creationId xmlns:a16="http://schemas.microsoft.com/office/drawing/2014/main" id="{848E72F1-F67E-4AEF-9E86-14F48B4E54AB}"/>
               </a:ext>
             </a:extLst>
           </p:cNvPr>
@@ -3482,49 +4013,63 @@
           <a:bodyPr/>
           <a:lstStyle/>
           <a:p>
-            <a:endParaRPr lang="en-US"/>
-          </a:p>
-        </p:txBody>
-      </p:sp>
-      <p:pic>
-        <p:nvPicPr>
-          <p:cNvPr id="5" name="Content Placeholder 4" descr="Diagram&#10;&#10;Description automatically generated">
-            <a:extLst>
-              <a:ext uri="{FF2B5EF4-FFF2-40B4-BE49-F238E27FC236}">
-                <a16:creationId xmlns:a16="http://schemas.microsoft.com/office/drawing/2014/main" id="{0400EF73-BE5D-B1F1-658D-DB60AB18D76E}"/>
-              </a:ext>
-            </a:extLst>
-          </p:cNvPr>
-          <p:cNvPicPr>
-            <a:picLocks noGrp="1" noChangeAspect="1"/>
-          </p:cNvPicPr>
+            <a:r>
+              <a:rPr lang="en-US" dirty="0"/>
+              <a:t>Prerequisites </a:t>
+            </a:r>
+          </a:p>
+        </p:txBody>
+      </p:sp>
+      <p:sp>
+        <p:nvSpPr>
+          <p:cNvPr id="3" name="Content Placeholder 2">
+            <a:extLst>
+              <a:ext uri="{FF2B5EF4-FFF2-40B4-BE49-F238E27FC236}">
+                <a16:creationId xmlns:a16="http://schemas.microsoft.com/office/drawing/2014/main" id="{6420E0E3-B7A2-4D43-9E12-6ABB0339C165}"/>
+              </a:ext>
+            </a:extLst>
+          </p:cNvPr>
+          <p:cNvSpPr>
+            <a:spLocks noGrp="1"/>
+          </p:cNvSpPr>
           <p:nvPr>
             <p:ph idx="1"/>
           </p:nvPr>
-        </p:nvPicPr>
-        <p:blipFill>
-          <a:blip r:embed="rId2">
-            <a:extLst>
-              <a:ext uri="{28A0092B-C50C-407E-A947-70E740481C1C}">
-                <a14:useLocalDpi xmlns:a14="http://schemas.microsoft.com/office/drawing/2010/main" val="0"/>
-              </a:ext>
-            </a:extLst>
-          </a:blip>
-          <a:stretch>
-            <a:fillRect/>
-          </a:stretch>
-        </p:blipFill>
-        <p:spPr>
-          <a:xfrm>
-            <a:off x="2350293" y="370561"/>
-            <a:ext cx="6265069" cy="6072765"/>
-          </a:xfrm>
-        </p:spPr>
-      </p:pic>
+        </p:nvSpPr>
+        <p:spPr/>
+        <p:txBody>
+          <a:bodyPr/>
+          <a:lstStyle/>
+          <a:p>
+            <a:r>
+              <a:rPr lang="en-US" dirty="0"/>
+              <a:t>PowerShell</a:t>
+            </a:r>
+          </a:p>
+          <a:p>
+            <a:r>
+              <a:rPr lang="en-US" dirty="0"/>
+              <a:t>Discord Developer account</a:t>
+            </a:r>
+          </a:p>
+          <a:p>
+            <a:r>
+              <a:rPr lang="en-US" dirty="0"/>
+              <a:t>Azure Subscription</a:t>
+            </a:r>
+          </a:p>
+          <a:p>
+            <a:r>
+              <a:rPr lang="en-US" dirty="0"/>
+              <a:t>Azure Function Knowledge</a:t>
+            </a:r>
+          </a:p>
+        </p:txBody>
+      </p:sp>
     </p:spTree>
     <p:extLst>
       <p:ext uri="{BB962C8B-B14F-4D97-AF65-F5344CB8AC3E}">
-        <p14:creationId xmlns:p14="http://schemas.microsoft.com/office/powerpoint/2010/main" val="2827307933"/>
+        <p14:creationId xmlns:p14="http://schemas.microsoft.com/office/powerpoint/2010/main" val="4066512176"/>
       </p:ext>
     </p:extLst>
   </p:cSld>
@@ -3556,7 +4101,7 @@
           <p:cNvPr id="2" name="Title 1">
             <a:extLst>
               <a:ext uri="{FF2B5EF4-FFF2-40B4-BE49-F238E27FC236}">
-                <a16:creationId xmlns:a16="http://schemas.microsoft.com/office/drawing/2014/main" id="{FC34987A-11E3-F2BC-832E-ADE3AFE74C6C}"/>
+                <a16:creationId xmlns:a16="http://schemas.microsoft.com/office/drawing/2014/main" id="{F1661924-E51B-4AA1-A1C5-C9AD9EE32D81}"/>
               </a:ext>
             </a:extLst>
           </p:cNvPr>
@@ -3574,50 +4119,83 @@
           <a:p>
             <a:r>
               <a:rPr lang="en-US" dirty="0"/>
-              <a:t>Function Chaining</a:t>
-            </a:r>
-          </a:p>
-        </p:txBody>
-      </p:sp>
-      <p:pic>
-        <p:nvPicPr>
-          <p:cNvPr id="13" name="Content Placeholder 12" descr="Diagram&#10;&#10;Description automatically generated">
-            <a:extLst>
-              <a:ext uri="{FF2B5EF4-FFF2-40B4-BE49-F238E27FC236}">
-                <a16:creationId xmlns:a16="http://schemas.microsoft.com/office/drawing/2014/main" id="{8CF119B8-D0F3-195E-D9B7-1A9953E93596}"/>
-              </a:ext>
-            </a:extLst>
-          </p:cNvPr>
-          <p:cNvPicPr>
-            <a:picLocks noGrp="1" noChangeAspect="1"/>
-          </p:cNvPicPr>
+              <a:t>Demo Environment</a:t>
+            </a:r>
+          </a:p>
+        </p:txBody>
+      </p:sp>
+      <p:sp>
+        <p:nvSpPr>
+          <p:cNvPr id="3" name="Content Placeholder 2">
+            <a:extLst>
+              <a:ext uri="{FF2B5EF4-FFF2-40B4-BE49-F238E27FC236}">
+                <a16:creationId xmlns:a16="http://schemas.microsoft.com/office/drawing/2014/main" id="{4FA49B7C-A4DE-4ADA-8216-70A81166A541}"/>
+              </a:ext>
+            </a:extLst>
+          </p:cNvPr>
+          <p:cNvSpPr>
+            <a:spLocks noGrp="1"/>
+          </p:cNvSpPr>
           <p:nvPr>
             <p:ph idx="1"/>
           </p:nvPr>
-        </p:nvPicPr>
-        <p:blipFill>
-          <a:blip r:embed="rId2">
-            <a:extLst>
-              <a:ext uri="{28A0092B-C50C-407E-A947-70E740481C1C}">
-                <a14:useLocalDpi xmlns:a14="http://schemas.microsoft.com/office/drawing/2010/main" val="0"/>
-              </a:ext>
-            </a:extLst>
-          </a:blip>
-          <a:stretch>
-            <a:fillRect/>
-          </a:stretch>
-        </p:blipFill>
-        <p:spPr>
-          <a:xfrm>
-            <a:off x="1339200" y="1527758"/>
-            <a:ext cx="9115200" cy="4739904"/>
-          </a:xfrm>
-        </p:spPr>
-      </p:pic>
+        </p:nvSpPr>
+        <p:spPr/>
+        <p:txBody>
+          <a:bodyPr/>
+          <a:lstStyle/>
+          <a:p>
+            <a:r>
+              <a:rPr lang="en-US" dirty="0"/>
+              <a:t>Windows 10</a:t>
+            </a:r>
+          </a:p>
+          <a:p>
+            <a:r>
+              <a:rPr lang="en-US" dirty="0"/>
+              <a:t>VS Code (latest version)</a:t>
+            </a:r>
+          </a:p>
+          <a:p>
+            <a:pPr lvl="1"/>
+            <a:r>
+              <a:rPr lang="en-US" dirty="0"/>
+              <a:t>w/Azure and Azure Function Extensions</a:t>
+            </a:r>
+          </a:p>
+          <a:p>
+            <a:r>
+              <a:rPr lang="en-US" dirty="0"/>
+              <a:t>PowerShell 7.2 (Azure Function)</a:t>
+            </a:r>
+          </a:p>
+          <a:p>
+            <a:r>
+              <a:rPr lang="en-US" dirty="0" err="1"/>
+              <a:t>Discord.Net.PowerShell</a:t>
+            </a:r>
+            <a:endParaRPr lang="en-US" dirty="0"/>
+          </a:p>
+          <a:p>
+            <a:pPr lvl="1"/>
+            <a:r>
+              <a:rPr lang="en-US" dirty="0">
+                <a:hlinkClick r:id="rId2"/>
+              </a:rPr>
+              <a:t>https://github.com/theposhwolf/discord.net.powershell</a:t>
+            </a:r>
+            <a:endParaRPr lang="en-US" dirty="0"/>
+          </a:p>
+          <a:p>
+            <a:pPr lvl="1"/>
+            <a:endParaRPr lang="en-US" dirty="0"/>
+          </a:p>
+        </p:txBody>
+      </p:sp>
     </p:spTree>
     <p:extLst>
       <p:ext uri="{BB962C8B-B14F-4D97-AF65-F5344CB8AC3E}">
-        <p14:creationId xmlns:p14="http://schemas.microsoft.com/office/powerpoint/2010/main" val="2555899919"/>
+        <p14:creationId xmlns:p14="http://schemas.microsoft.com/office/powerpoint/2010/main" val="3298450064"/>
       </p:ext>
     </p:extLst>
   </p:cSld>
@@ -3649,7 +4227,7 @@
           <p:cNvPr id="2" name="Title 1">
             <a:extLst>
               <a:ext uri="{FF2B5EF4-FFF2-40B4-BE49-F238E27FC236}">
-                <a16:creationId xmlns:a16="http://schemas.microsoft.com/office/drawing/2014/main" id="{94E7DA5E-F78C-1916-2904-D92DC8680545}"/>
+                <a16:creationId xmlns:a16="http://schemas.microsoft.com/office/drawing/2014/main" id="{E49CDC3A-FC08-4ED5-87EF-D4CE6A050B23}"/>
               </a:ext>
             </a:extLst>
           </p:cNvPr>
@@ -3667,125 +4245,32 @@
           <a:p>
             <a:r>
               <a:rPr lang="en-US" dirty="0"/>
-              <a:t>Function Chaining Evolutions</a:t>
-            </a:r>
-          </a:p>
-        </p:txBody>
-      </p:sp>
-      <p:sp>
-        <p:nvSpPr>
-          <p:cNvPr id="3" name="Content Placeholder 2">
-            <a:extLst>
-              <a:ext uri="{FF2B5EF4-FFF2-40B4-BE49-F238E27FC236}">
-                <a16:creationId xmlns:a16="http://schemas.microsoft.com/office/drawing/2014/main" id="{03098E5D-B70E-FE27-6D02-4DB30AE8B82E}"/>
-              </a:ext>
-            </a:extLst>
-          </p:cNvPr>
-          <p:cNvSpPr>
-            <a:spLocks noGrp="1"/>
-          </p:cNvSpPr>
-          <p:nvPr>
-            <p:ph idx="1"/>
-          </p:nvPr>
-        </p:nvSpPr>
-        <p:spPr/>
-        <p:txBody>
-          <a:bodyPr>
-            <a:normAutofit lnSpcReduction="10000"/>
-          </a:bodyPr>
-          <a:lstStyle/>
-          <a:p>
-            <a:pPr marL="514350" indent="-514350">
-              <a:buFont typeface="+mj-lt"/>
-              <a:buAutoNum type="arabicPeriod"/>
-            </a:pPr>
-            <a:r>
-              <a:rPr lang="en-US" dirty="0"/>
-              <a:t>Queue based</a:t>
-            </a:r>
-          </a:p>
-          <a:p>
-            <a:pPr lvl="1"/>
-            <a:r>
-              <a:rPr lang="en-US" dirty="0">
-                <a:hlinkClick r:id="rId2"/>
-              </a:rPr>
-              <a:t>Building a Discord Bot in PowerShell and Azure Functions</a:t>
-            </a:r>
-            <a:endParaRPr lang="en-US" dirty="0"/>
-          </a:p>
-          <a:p>
-            <a:pPr lvl="2"/>
-            <a:r>
-              <a:rPr lang="en-US" dirty="0"/>
-              <a:t>Devin Rich</a:t>
-            </a:r>
-          </a:p>
-          <a:p>
-            <a:pPr lvl="1"/>
-            <a:r>
-              <a:rPr lang="en-US" dirty="0"/>
-              <a:t>Command is passed off via a queue</a:t>
-            </a:r>
-          </a:p>
-          <a:p>
-            <a:pPr lvl="1"/>
-            <a:r>
-              <a:rPr lang="en-US" dirty="0"/>
-              <a:t>Slower, but more reliable than HTTP POST chain</a:t>
-            </a:r>
-          </a:p>
-          <a:p>
-            <a:pPr marL="514350" indent="-514350">
-              <a:buFont typeface="+mj-lt"/>
-              <a:buAutoNum type="arabicPeriod"/>
-            </a:pPr>
-            <a:r>
-              <a:rPr lang="en-US" dirty="0"/>
-              <a:t>Durable Function</a:t>
-            </a:r>
-          </a:p>
-          <a:p>
-            <a:pPr lvl="1"/>
-            <a:r>
-              <a:rPr lang="en-US" dirty="0"/>
-              <a:t>Command is passed off via New-Orchestration</a:t>
-            </a:r>
-          </a:p>
-          <a:p>
-            <a:pPr lvl="1"/>
-            <a:r>
-              <a:rPr lang="en-US" dirty="0"/>
-              <a:t>Very storage intensive (expensive)</a:t>
-            </a:r>
-          </a:p>
-          <a:p>
-            <a:pPr marL="514350" indent="-514350">
-              <a:buFont typeface="+mj-lt"/>
-              <a:buAutoNum type="arabicPeriod"/>
-            </a:pPr>
-            <a:r>
-              <a:rPr lang="en-US" dirty="0"/>
-              <a:t>HTTP POST chain</a:t>
-            </a:r>
-          </a:p>
-          <a:p>
-            <a:pPr lvl="1"/>
-            <a:r>
-              <a:rPr lang="en-US" dirty="0"/>
-              <a:t>Command is passed off via HTTP POST</a:t>
-            </a:r>
-          </a:p>
-          <a:p>
-            <a:pPr lvl="1"/>
-            <a:r>
-              <a:rPr lang="en-US" dirty="0"/>
-              <a:t>Fast, but requires function keys and -</a:t>
-            </a:r>
-            <a:r>
-              <a:rPr lang="en-US" dirty="0" err="1"/>
-              <a:t>TimeoutSec</a:t>
-            </a:r>
+              <a:t>Discord Slash Commands</a:t>
+            </a:r>
+          </a:p>
+        </p:txBody>
+      </p:sp>
+      <p:sp>
+        <p:nvSpPr>
+          <p:cNvPr id="3" name="Text Placeholder 2">
+            <a:extLst>
+              <a:ext uri="{FF2B5EF4-FFF2-40B4-BE49-F238E27FC236}">
+                <a16:creationId xmlns:a16="http://schemas.microsoft.com/office/drawing/2014/main" id="{270B8181-23B2-688B-72BF-4A7C276F9FB3}"/>
+              </a:ext>
+            </a:extLst>
+          </p:cNvPr>
+          <p:cNvSpPr>
+            <a:spLocks noGrp="1"/>
+          </p:cNvSpPr>
+          <p:nvPr>
+            <p:ph type="body" idx="1"/>
+          </p:nvPr>
+        </p:nvSpPr>
+        <p:spPr/>
+        <p:txBody>
+          <a:bodyPr/>
+          <a:lstStyle/>
+          <a:p>
             <a:endParaRPr lang="en-US" dirty="0"/>
           </a:p>
         </p:txBody>
@@ -3793,7 +4278,7 @@
     </p:spTree>
     <p:extLst>
       <p:ext uri="{BB962C8B-B14F-4D97-AF65-F5344CB8AC3E}">
-        <p14:creationId xmlns:p14="http://schemas.microsoft.com/office/powerpoint/2010/main" val="1949597004"/>
+        <p14:creationId xmlns:p14="http://schemas.microsoft.com/office/powerpoint/2010/main" val="1551670895"/>
       </p:ext>
     </p:extLst>
   </p:cSld>
@@ -3825,7 +4310,7 @@
           <p:cNvPr id="2" name="Title 1">
             <a:extLst>
               <a:ext uri="{FF2B5EF4-FFF2-40B4-BE49-F238E27FC236}">
-                <a16:creationId xmlns:a16="http://schemas.microsoft.com/office/drawing/2014/main" id="{63AB74DE-18BA-8DA5-5D43-F4EE68301F79}"/>
+                <a16:creationId xmlns:a16="http://schemas.microsoft.com/office/drawing/2014/main" id="{18133B67-FEE0-DF4C-4D80-404858A55DF3}"/>
               </a:ext>
             </a:extLst>
           </p:cNvPr>
@@ -3841,10 +4326,7 @@
           <a:bodyPr/>
           <a:lstStyle/>
           <a:p>
-            <a:r>
-              <a:rPr lang="en-US" dirty="0"/>
-              <a:t>Azure Function Workflow</a:t>
-            </a:r>
+            <a:endParaRPr lang="en-US" dirty="0"/>
           </a:p>
         </p:txBody>
       </p:sp>
@@ -3853,7 +4335,7 @@
           <p:cNvPr id="3" name="Text Placeholder 2">
             <a:extLst>
               <a:ext uri="{FF2B5EF4-FFF2-40B4-BE49-F238E27FC236}">
-                <a16:creationId xmlns:a16="http://schemas.microsoft.com/office/drawing/2014/main" id="{6C2E6340-1E8E-E006-C098-43CFA47CB128}"/>
+                <a16:creationId xmlns:a16="http://schemas.microsoft.com/office/drawing/2014/main" id="{B371DC88-83BE-A49F-AF45-9FE8B3584FA9}"/>
               </a:ext>
             </a:extLst>
           </p:cNvPr>
@@ -3869,14 +4351,22 @@
           <a:bodyPr/>
           <a:lstStyle/>
           <a:p>
-            <a:endParaRPr lang="en-US"/>
+            <a:r>
+              <a:rPr lang="en-US" dirty="0">
+                <a:solidFill>
+                  <a:schemeClr val="tx1"/>
+                </a:solidFill>
+                <a:latin typeface="Consolas" panose="020B0609020204030204" pitchFamily="49" charset="0"/>
+              </a:rPr>
+              <a:t>Slash command demo…</a:t>
+            </a:r>
           </a:p>
         </p:txBody>
       </p:sp>
     </p:spTree>
     <p:extLst>
       <p:ext uri="{BB962C8B-B14F-4D97-AF65-F5344CB8AC3E}">
-        <p14:creationId xmlns:p14="http://schemas.microsoft.com/office/powerpoint/2010/main" val="3640973236"/>
+        <p14:creationId xmlns:p14="http://schemas.microsoft.com/office/powerpoint/2010/main" val="3755173048"/>
       </p:ext>
     </p:extLst>
   </p:cSld>
@@ -3908,7 +4398,7 @@
           <p:cNvPr id="2" name="Title 1">
             <a:extLst>
               <a:ext uri="{FF2B5EF4-FFF2-40B4-BE49-F238E27FC236}">
-                <a16:creationId xmlns:a16="http://schemas.microsoft.com/office/drawing/2014/main" id="{9A93054A-57C7-C260-5669-95E823B766BB}"/>
+                <a16:creationId xmlns:a16="http://schemas.microsoft.com/office/drawing/2014/main" id="{CBFD5523-8704-64F5-986C-91C605EFC9EE}"/>
               </a:ext>
             </a:extLst>
           </p:cNvPr>
@@ -3933,7 +4423,7 @@
           <p:cNvPr id="5" name="Content Placeholder 4" descr="Diagram&#10;&#10;Description automatically generated">
             <a:extLst>
               <a:ext uri="{FF2B5EF4-FFF2-40B4-BE49-F238E27FC236}">
-                <a16:creationId xmlns:a16="http://schemas.microsoft.com/office/drawing/2014/main" id="{E2DF0D96-5F90-FD81-7491-8713C929FB84}"/>
+                <a16:creationId xmlns:a16="http://schemas.microsoft.com/office/drawing/2014/main" id="{0400EF73-BE5D-B1F1-658D-DB60AB18D76E}"/>
               </a:ext>
             </a:extLst>
           </p:cNvPr>
@@ -3958,15 +4448,15 @@
         </p:blipFill>
         <p:spPr>
           <a:xfrm>
-            <a:off x="838199" y="971551"/>
-            <a:ext cx="10522927" cy="4972844"/>
+            <a:off x="2350293" y="370561"/>
+            <a:ext cx="6265069" cy="6072765"/>
           </a:xfrm>
         </p:spPr>
       </p:pic>
     </p:spTree>
     <p:extLst>
       <p:ext uri="{BB962C8B-B14F-4D97-AF65-F5344CB8AC3E}">
-        <p14:creationId xmlns:p14="http://schemas.microsoft.com/office/powerpoint/2010/main" val="4153132047"/>
+        <p14:creationId xmlns:p14="http://schemas.microsoft.com/office/powerpoint/2010/main" val="2827307933"/>
       </p:ext>
     </p:extLst>
   </p:cSld>
@@ -3998,7 +4488,7 @@
           <p:cNvPr id="2" name="Title 1">
             <a:extLst>
               <a:ext uri="{FF2B5EF4-FFF2-40B4-BE49-F238E27FC236}">
-                <a16:creationId xmlns:a16="http://schemas.microsoft.com/office/drawing/2014/main" id="{18133B67-FEE0-DF4C-4D80-404858A55DF3}"/>
+                <a16:creationId xmlns:a16="http://schemas.microsoft.com/office/drawing/2014/main" id="{FC34987A-11E3-F2BC-832E-ADE3AFE74C6C}"/>
               </a:ext>
             </a:extLst>
           </p:cNvPr>
@@ -4014,47 +4504,52 @@
           <a:bodyPr/>
           <a:lstStyle/>
           <a:p>
-            <a:endParaRPr lang="en-US" dirty="0"/>
-          </a:p>
-        </p:txBody>
-      </p:sp>
-      <p:sp>
-        <p:nvSpPr>
-          <p:cNvPr id="3" name="Text Placeholder 2">
-            <a:extLst>
-              <a:ext uri="{FF2B5EF4-FFF2-40B4-BE49-F238E27FC236}">
-                <a16:creationId xmlns:a16="http://schemas.microsoft.com/office/drawing/2014/main" id="{B371DC88-83BE-A49F-AF45-9FE8B3584FA9}"/>
-              </a:ext>
-            </a:extLst>
-          </p:cNvPr>
-          <p:cNvSpPr>
-            <a:spLocks noGrp="1"/>
-          </p:cNvSpPr>
-          <p:nvPr>
-            <p:ph type="body" idx="1"/>
-          </p:nvPr>
-        </p:nvSpPr>
-        <p:spPr/>
-        <p:txBody>
-          <a:bodyPr/>
-          <a:lstStyle/>
-          <a:p>
-            <a:r>
-              <a:rPr lang="en-US" dirty="0">
-                <a:solidFill>
-                  <a:schemeClr val="tx1"/>
-                </a:solidFill>
-                <a:latin typeface="Consolas" panose="020B0609020204030204" pitchFamily="49" charset="0"/>
-              </a:rPr>
-              <a:t>Azure Function code demo…</a:t>
-            </a:r>
-          </a:p>
-        </p:txBody>
-      </p:sp>
+            <a:r>
+              <a:rPr lang="en-US" dirty="0"/>
+              <a:t>Function Chaining</a:t>
+            </a:r>
+          </a:p>
+        </p:txBody>
+      </p:sp>
+      <p:pic>
+        <p:nvPicPr>
+          <p:cNvPr id="13" name="Content Placeholder 12" descr="Diagram&#10;&#10;Description automatically generated">
+            <a:extLst>
+              <a:ext uri="{FF2B5EF4-FFF2-40B4-BE49-F238E27FC236}">
+                <a16:creationId xmlns:a16="http://schemas.microsoft.com/office/drawing/2014/main" id="{8CF119B8-D0F3-195E-D9B7-1A9953E93596}"/>
+              </a:ext>
+            </a:extLst>
+          </p:cNvPr>
+          <p:cNvPicPr>
+            <a:picLocks noGrp="1" noChangeAspect="1"/>
+          </p:cNvPicPr>
+          <p:nvPr>
+            <p:ph idx="1"/>
+          </p:nvPr>
+        </p:nvPicPr>
+        <p:blipFill>
+          <a:blip r:embed="rId2">
+            <a:extLst>
+              <a:ext uri="{28A0092B-C50C-407E-A947-70E740481C1C}">
+                <a14:useLocalDpi xmlns:a14="http://schemas.microsoft.com/office/drawing/2010/main" val="0"/>
+              </a:ext>
+            </a:extLst>
+          </a:blip>
+          <a:stretch>
+            <a:fillRect/>
+          </a:stretch>
+        </p:blipFill>
+        <p:spPr>
+          <a:xfrm>
+            <a:off x="1339200" y="1527758"/>
+            <a:ext cx="9115200" cy="4739904"/>
+          </a:xfrm>
+        </p:spPr>
+      </p:pic>
     </p:spTree>
     <p:extLst>
       <p:ext uri="{BB962C8B-B14F-4D97-AF65-F5344CB8AC3E}">
-        <p14:creationId xmlns:p14="http://schemas.microsoft.com/office/powerpoint/2010/main" val="3960244462"/>
+        <p14:creationId xmlns:p14="http://schemas.microsoft.com/office/powerpoint/2010/main" val="2555899919"/>
       </p:ext>
     </p:extLst>
   </p:cSld>
@@ -4086,7 +4581,7 @@
           <p:cNvPr id="2" name="Title 1">
             <a:extLst>
               <a:ext uri="{FF2B5EF4-FFF2-40B4-BE49-F238E27FC236}">
-                <a16:creationId xmlns:a16="http://schemas.microsoft.com/office/drawing/2014/main" id="{59742D62-9479-2FEC-C9FC-A288EC1A0E17}"/>
+                <a16:creationId xmlns:a16="http://schemas.microsoft.com/office/drawing/2014/main" id="{BDDFC4FC-6280-AACD-FD68-E062C00B901F}"/>
               </a:ext>
             </a:extLst>
           </p:cNvPr>
@@ -4104,98 +4599,40 @@
           <a:p>
             <a:r>
               <a:rPr lang="en-US" dirty="0"/>
-              <a:t>Creating a Discord Bot</a:t>
-            </a:r>
-          </a:p>
-        </p:txBody>
-      </p:sp>
-      <p:sp>
-        <p:nvSpPr>
-          <p:cNvPr id="3" name="Content Placeholder 2">
-            <a:extLst>
-              <a:ext uri="{FF2B5EF4-FFF2-40B4-BE49-F238E27FC236}">
-                <a16:creationId xmlns:a16="http://schemas.microsoft.com/office/drawing/2014/main" id="{2D28C9F1-7BB9-419D-E307-F3BDC4D55D54}"/>
-              </a:ext>
-            </a:extLst>
-          </p:cNvPr>
-          <p:cNvSpPr>
-            <a:spLocks noGrp="1"/>
-          </p:cNvSpPr>
-          <p:nvPr>
-            <p:ph idx="1"/>
-          </p:nvPr>
-        </p:nvSpPr>
-        <p:spPr/>
-        <p:txBody>
-          <a:bodyPr/>
-          <a:lstStyle/>
-          <a:p>
-            <a:r>
-              <a:rPr lang="en-US" dirty="0"/>
-              <a:t>Create Discord App</a:t>
-            </a:r>
-          </a:p>
-          <a:p>
-            <a:r>
-              <a:rPr lang="en-US" dirty="0"/>
-              <a:t>Bot -&gt; Add bot</a:t>
-            </a:r>
-          </a:p>
-          <a:p>
-            <a:r>
-              <a:rPr lang="en-US" dirty="0"/>
-              <a:t>Oauth2 -&gt; URL Generator -&gt;</a:t>
-            </a:r>
-          </a:p>
-          <a:p>
-            <a:pPr lvl="1"/>
-            <a:r>
-              <a:rPr lang="en-US" dirty="0"/>
-              <a:t>bot</a:t>
-            </a:r>
-          </a:p>
-          <a:p>
-            <a:pPr lvl="1"/>
-            <a:r>
-              <a:rPr lang="en-US" dirty="0" err="1"/>
-              <a:t>application.commands</a:t>
-            </a:r>
-            <a:endParaRPr lang="en-US" dirty="0"/>
-          </a:p>
-          <a:p>
-            <a:pPr lvl="1"/>
-            <a:r>
-              <a:rPr lang="en-US" dirty="0"/>
-              <a:t>bot\send messages</a:t>
-            </a:r>
-          </a:p>
-          <a:p>
-            <a:pPr lvl="1"/>
-            <a:r>
-              <a:rPr lang="en-US" dirty="0"/>
-              <a:t>Others as needed (none other needed for this demo)</a:t>
-            </a:r>
-          </a:p>
-          <a:p>
-            <a:r>
-              <a:rPr lang="en-US" dirty="0"/>
-              <a:t>Add </a:t>
-            </a:r>
-            <a:r>
-              <a:rPr lang="en-US" dirty="0" err="1"/>
-              <a:t>HttpStart</a:t>
-            </a:r>
-            <a:r>
-              <a:rPr lang="en-US" dirty="0"/>
-              <a:t> URI to Interactions Endpoint URL</a:t>
-            </a:r>
+              <a:t>Function Chaining Evolution</a:t>
+            </a:r>
+          </a:p>
+        </p:txBody>
+      </p:sp>
+      <p:sp>
+        <p:nvSpPr>
+          <p:cNvPr id="3" name="Text Placeholder 2">
+            <a:extLst>
+              <a:ext uri="{FF2B5EF4-FFF2-40B4-BE49-F238E27FC236}">
+                <a16:creationId xmlns:a16="http://schemas.microsoft.com/office/drawing/2014/main" id="{AF0D7851-BEC3-0C6A-F3D4-D9BC21343B98}"/>
+              </a:ext>
+            </a:extLst>
+          </p:cNvPr>
+          <p:cNvSpPr>
+            <a:spLocks noGrp="1"/>
+          </p:cNvSpPr>
+          <p:nvPr>
+            <p:ph type="body" idx="1"/>
+          </p:nvPr>
+        </p:nvSpPr>
+        <p:spPr/>
+        <p:txBody>
+          <a:bodyPr/>
+          <a:lstStyle/>
+          <a:p>
+            <a:endParaRPr lang="en-US"/>
           </a:p>
         </p:txBody>
       </p:sp>
     </p:spTree>
     <p:extLst>
       <p:ext uri="{BB962C8B-B14F-4D97-AF65-F5344CB8AC3E}">
-        <p14:creationId xmlns:p14="http://schemas.microsoft.com/office/powerpoint/2010/main" val="2618043788"/>
+        <p14:creationId xmlns:p14="http://schemas.microsoft.com/office/powerpoint/2010/main" val="41234420"/>
       </p:ext>
     </p:extLst>
   </p:cSld>
@@ -4227,7 +4664,7 @@
           <p:cNvPr id="2" name="Title 1">
             <a:extLst>
               <a:ext uri="{FF2B5EF4-FFF2-40B4-BE49-F238E27FC236}">
-                <a16:creationId xmlns:a16="http://schemas.microsoft.com/office/drawing/2014/main" id="{A40742EB-6100-C42B-D893-91F9BC2D3D0E}"/>
+                <a16:creationId xmlns:a16="http://schemas.microsoft.com/office/drawing/2014/main" id="{94E7DA5E-F78C-1916-2904-D92DC8680545}"/>
               </a:ext>
             </a:extLst>
           </p:cNvPr>
@@ -4245,7 +4682,7 @@
           <a:p>
             <a:r>
               <a:rPr lang="en-US" dirty="0"/>
-              <a:t>Dealing with frostbite</a:t>
+              <a:t>Queue Based</a:t>
             </a:r>
           </a:p>
         </p:txBody>
@@ -4255,7 +4692,7 @@
           <p:cNvPr id="3" name="Content Placeholder 2">
             <a:extLst>
               <a:ext uri="{FF2B5EF4-FFF2-40B4-BE49-F238E27FC236}">
-                <a16:creationId xmlns:a16="http://schemas.microsoft.com/office/drawing/2014/main" id="{0FF80AB6-017F-914A-05DE-E217E62D4BE3}"/>
+                <a16:creationId xmlns:a16="http://schemas.microsoft.com/office/drawing/2014/main" id="{03098E5D-B70E-FE27-6D02-4DB30AE8B82E}"/>
               </a:ext>
             </a:extLst>
           </p:cNvPr>
@@ -4268,31 +4705,36 @@
         </p:nvSpPr>
         <p:spPr/>
         <p:txBody>
-          <a:bodyPr/>
-          <a:lstStyle/>
-          <a:p>
-            <a:r>
-              <a:rPr lang="en-US" dirty="0"/>
-              <a:t>PowerShell based Azure Functions have a long cold start</a:t>
-            </a:r>
-          </a:p>
-          <a:p>
-            <a:r>
-              <a:rPr lang="en-US" dirty="0"/>
-              <a:t>Monitor Function</a:t>
-            </a:r>
+          <a:bodyPr>
+            <a:normAutofit/>
+          </a:bodyPr>
+          <a:lstStyle/>
+          <a:p>
+            <a:r>
+              <a:rPr lang="en-US" dirty="0">
+                <a:hlinkClick r:id="rId2"/>
+              </a:rPr>
+              <a:t>Building a Discord Bot in PowerShell and Azure Functions</a:t>
+            </a:r>
+            <a:endParaRPr lang="en-US" dirty="0"/>
           </a:p>
           <a:p>
             <a:pPr lvl="1"/>
             <a:r>
               <a:rPr lang="en-US" dirty="0"/>
-              <a:t>Every 5m</a:t>
-            </a:r>
-          </a:p>
-          <a:p>
-            <a:r>
-              <a:rPr lang="en-US" dirty="0"/>
-              <a:t>Review Code</a:t>
+              <a:t>Devin Rich</a:t>
+            </a:r>
+          </a:p>
+          <a:p>
+            <a:r>
+              <a:rPr lang="en-US" dirty="0"/>
+              <a:t>Command is passed off via a queue</a:t>
+            </a:r>
+          </a:p>
+          <a:p>
+            <a:r>
+              <a:rPr lang="en-US" dirty="0"/>
+              <a:t>Slow</a:t>
             </a:r>
           </a:p>
         </p:txBody>
@@ -4300,7 +4742,7 @@
     </p:spTree>
     <p:extLst>
       <p:ext uri="{BB962C8B-B14F-4D97-AF65-F5344CB8AC3E}">
-        <p14:creationId xmlns:p14="http://schemas.microsoft.com/office/powerpoint/2010/main" val="3168010500"/>
+        <p14:creationId xmlns:p14="http://schemas.microsoft.com/office/powerpoint/2010/main" val="1949597004"/>
       </p:ext>
     </p:extLst>
   </p:cSld>
@@ -4332,7 +4774,7 @@
           <p:cNvPr id="2" name="Title 1">
             <a:extLst>
               <a:ext uri="{FF2B5EF4-FFF2-40B4-BE49-F238E27FC236}">
-                <a16:creationId xmlns:a16="http://schemas.microsoft.com/office/drawing/2014/main" id="{F0E90596-D92B-856E-7CAA-EDE2058C101B}"/>
+                <a16:creationId xmlns:a16="http://schemas.microsoft.com/office/drawing/2014/main" id="{E41D2BD6-8F4D-7ADD-8363-79C048A6C86D}"/>
               </a:ext>
             </a:extLst>
           </p:cNvPr>
@@ -4348,50 +4790,51 @@
           <a:bodyPr/>
           <a:lstStyle/>
           <a:p>
-            <a:endParaRPr lang="en-US" dirty="0"/>
-          </a:p>
-        </p:txBody>
-      </p:sp>
-      <p:sp>
-        <p:nvSpPr>
-          <p:cNvPr id="3" name="Text Placeholder 2">
-            <a:extLst>
-              <a:ext uri="{FF2B5EF4-FFF2-40B4-BE49-F238E27FC236}">
-                <a16:creationId xmlns:a16="http://schemas.microsoft.com/office/drawing/2014/main" id="{2267A0A5-C1D1-975E-8D0F-40962DC299C6}"/>
-              </a:ext>
-            </a:extLst>
-          </p:cNvPr>
-          <p:cNvSpPr>
-            <a:spLocks noGrp="1"/>
-          </p:cNvSpPr>
-          <p:nvPr>
-            <p:ph type="body" idx="1"/>
-          </p:nvPr>
-        </p:nvSpPr>
-        <p:spPr/>
-        <p:txBody>
-          <a:bodyPr/>
-          <a:lstStyle/>
-          <a:p>
-            <a:r>
-              <a:rPr lang="en-US" dirty="0">
-                <a:solidFill>
-                  <a:schemeClr val="tx1"/>
-                </a:solidFill>
-                <a:latin typeface="Consolas" panose="020B0609020204030204" pitchFamily="49" charset="0"/>
-              </a:rPr>
-              <a:t>Full function code review…</a:t>
-            </a:r>
-          </a:p>
-          <a:p>
-            <a:endParaRPr lang="en-US" dirty="0"/>
+            <a:r>
+              <a:rPr lang="en-US" dirty="0"/>
+              <a:t>Durable Functions</a:t>
+            </a:r>
+          </a:p>
+        </p:txBody>
+      </p:sp>
+      <p:sp>
+        <p:nvSpPr>
+          <p:cNvPr id="3" name="Content Placeholder 2">
+            <a:extLst>
+              <a:ext uri="{FF2B5EF4-FFF2-40B4-BE49-F238E27FC236}">
+                <a16:creationId xmlns:a16="http://schemas.microsoft.com/office/drawing/2014/main" id="{5E960F3C-E448-4A4C-DCF2-A05DAE360AAC}"/>
+              </a:ext>
+            </a:extLst>
+          </p:cNvPr>
+          <p:cNvSpPr>
+            <a:spLocks noGrp="1"/>
+          </p:cNvSpPr>
+          <p:nvPr>
+            <p:ph idx="1"/>
+          </p:nvPr>
+        </p:nvSpPr>
+        <p:spPr/>
+        <p:txBody>
+          <a:bodyPr/>
+          <a:lstStyle/>
+          <a:p>
+            <a:r>
+              <a:rPr lang="en-US" dirty="0"/>
+              <a:t>Command is passed off via New-Orchestration</a:t>
+            </a:r>
+          </a:p>
+          <a:p>
+            <a:r>
+              <a:rPr lang="en-US" dirty="0"/>
+              <a:t>Very storage intensive (expensive)</a:t>
+            </a:r>
           </a:p>
         </p:txBody>
       </p:sp>
     </p:spTree>
     <p:extLst>
       <p:ext uri="{BB962C8B-B14F-4D97-AF65-F5344CB8AC3E}">
-        <p14:creationId xmlns:p14="http://schemas.microsoft.com/office/powerpoint/2010/main" val="1124600913"/>
+        <p14:creationId xmlns:p14="http://schemas.microsoft.com/office/powerpoint/2010/main" val="3859477325"/>
       </p:ext>
     </p:extLst>
   </p:cSld>
@@ -4423,7 +4866,7 @@
           <p:cNvPr id="2" name="Title 1">
             <a:extLst>
               <a:ext uri="{FF2B5EF4-FFF2-40B4-BE49-F238E27FC236}">
-                <a16:creationId xmlns:a16="http://schemas.microsoft.com/office/drawing/2014/main" id="{FBECC900-50CE-6143-BD63-0FD41482F713}"/>
+                <a16:creationId xmlns:a16="http://schemas.microsoft.com/office/drawing/2014/main" id="{16574120-EFE1-8E43-518B-FE4770509B2E}"/>
               </a:ext>
             </a:extLst>
           </p:cNvPr>
@@ -4441,40 +4884,57 @@
           <a:p>
             <a:r>
               <a:rPr lang="en-US" dirty="0"/>
-              <a:t>Adding Commands</a:t>
-            </a:r>
-          </a:p>
-        </p:txBody>
-      </p:sp>
-      <p:sp>
-        <p:nvSpPr>
-          <p:cNvPr id="3" name="Text Placeholder 2">
-            <a:extLst>
-              <a:ext uri="{FF2B5EF4-FFF2-40B4-BE49-F238E27FC236}">
-                <a16:creationId xmlns:a16="http://schemas.microsoft.com/office/drawing/2014/main" id="{F94C90DE-EBD1-BFFB-B969-40F7A7127CF4}"/>
-              </a:ext>
-            </a:extLst>
-          </p:cNvPr>
-          <p:cNvSpPr>
-            <a:spLocks noGrp="1"/>
-          </p:cNvSpPr>
-          <p:nvPr>
-            <p:ph type="body" idx="1"/>
-          </p:nvPr>
-        </p:nvSpPr>
-        <p:spPr/>
-        <p:txBody>
-          <a:bodyPr/>
-          <a:lstStyle/>
-          <a:p>
-            <a:endParaRPr lang="en-US"/>
+              <a:t>HTTP POST Chain</a:t>
+            </a:r>
+          </a:p>
+        </p:txBody>
+      </p:sp>
+      <p:sp>
+        <p:nvSpPr>
+          <p:cNvPr id="3" name="Content Placeholder 2">
+            <a:extLst>
+              <a:ext uri="{FF2B5EF4-FFF2-40B4-BE49-F238E27FC236}">
+                <a16:creationId xmlns:a16="http://schemas.microsoft.com/office/drawing/2014/main" id="{C8A57333-754A-A902-12AE-8C1469FD5D9C}"/>
+              </a:ext>
+            </a:extLst>
+          </p:cNvPr>
+          <p:cNvSpPr>
+            <a:spLocks noGrp="1"/>
+          </p:cNvSpPr>
+          <p:nvPr>
+            <p:ph idx="1"/>
+          </p:nvPr>
+        </p:nvSpPr>
+        <p:spPr/>
+        <p:txBody>
+          <a:bodyPr/>
+          <a:lstStyle/>
+          <a:p>
+            <a:r>
+              <a:rPr lang="en-US" dirty="0"/>
+              <a:t>Command is passed off via HTTP POST</a:t>
+            </a:r>
+          </a:p>
+          <a:p>
+            <a:r>
+              <a:rPr lang="en-US" dirty="0"/>
+              <a:t>Fast, but requires function keys and -</a:t>
+            </a:r>
+            <a:r>
+              <a:rPr lang="en-US" dirty="0" err="1"/>
+              <a:t>TimeoutSec</a:t>
+            </a:r>
+            <a:endParaRPr lang="en-US" dirty="0"/>
+          </a:p>
+          <a:p>
+            <a:endParaRPr lang="en-US" dirty="0"/>
           </a:p>
         </p:txBody>
       </p:sp>
     </p:spTree>
     <p:extLst>
       <p:ext uri="{BB962C8B-B14F-4D97-AF65-F5344CB8AC3E}">
-        <p14:creationId xmlns:p14="http://schemas.microsoft.com/office/powerpoint/2010/main" val="3143325720"/>
+        <p14:creationId xmlns:p14="http://schemas.microsoft.com/office/powerpoint/2010/main" val="2880913918"/>
       </p:ext>
     </p:extLst>
   </p:cSld>
@@ -4671,7 +5131,7 @@
             <a:pPr lvl="1"/>
             <a:r>
               <a:rPr lang="en-US" dirty="0"/>
-              <a:t>Employed</a:t>
+              <a:t>Employed (Cloud Platform Architect)</a:t>
             </a:r>
           </a:p>
         </p:txBody>
@@ -4711,7 +5171,7 @@
           <p:cNvPr id="2" name="Title 1">
             <a:extLst>
               <a:ext uri="{FF2B5EF4-FFF2-40B4-BE49-F238E27FC236}">
-                <a16:creationId xmlns:a16="http://schemas.microsoft.com/office/drawing/2014/main" id="{FE06D3E5-4ABA-FCFA-4F84-AEE01DA4566C}"/>
+                <a16:creationId xmlns:a16="http://schemas.microsoft.com/office/drawing/2014/main" id="{63AB74DE-18BA-8DA5-5D43-F4EE68301F79}"/>
               </a:ext>
             </a:extLst>
           </p:cNvPr>
@@ -4729,78 +5189,40 @@
           <a:p>
             <a:r>
               <a:rPr lang="en-US" dirty="0"/>
-              <a:t>Command Types</a:t>
-            </a:r>
-          </a:p>
-        </p:txBody>
-      </p:sp>
-      <p:sp>
-        <p:nvSpPr>
-          <p:cNvPr id="3" name="Content Placeholder 2">
-            <a:extLst>
-              <a:ext uri="{FF2B5EF4-FFF2-40B4-BE49-F238E27FC236}">
-                <a16:creationId xmlns:a16="http://schemas.microsoft.com/office/drawing/2014/main" id="{C15EFAF7-3ED1-6A70-FD7D-48CC2B6795D6}"/>
-              </a:ext>
-            </a:extLst>
-          </p:cNvPr>
-          <p:cNvSpPr>
-            <a:spLocks noGrp="1"/>
-          </p:cNvSpPr>
-          <p:nvPr>
-            <p:ph idx="1"/>
-          </p:nvPr>
-        </p:nvSpPr>
-        <p:spPr/>
-        <p:txBody>
-          <a:bodyPr/>
-          <a:lstStyle/>
-          <a:p>
-            <a:r>
-              <a:rPr lang="en-US" dirty="0"/>
-              <a:t>Application (Global)</a:t>
-            </a:r>
-          </a:p>
-          <a:p>
-            <a:pPr lvl="1"/>
-            <a:r>
-              <a:rPr lang="en-US" dirty="0"/>
-              <a:t>Applies to all servers</a:t>
-            </a:r>
-          </a:p>
-          <a:p>
-            <a:pPr lvl="1"/>
-            <a:r>
-              <a:rPr lang="en-US" dirty="0"/>
-              <a:t>Slow propagation</a:t>
-            </a:r>
-          </a:p>
-          <a:p>
-            <a:r>
-              <a:rPr lang="en-US" dirty="0"/>
-              <a:t>Guild (Server)</a:t>
-            </a:r>
-          </a:p>
-          <a:p>
-            <a:pPr lvl="1"/>
-            <a:r>
-              <a:rPr lang="en-US" dirty="0"/>
-              <a:t>Applies to a specific server</a:t>
-            </a:r>
-          </a:p>
-          <a:p>
-            <a:pPr lvl="1"/>
-            <a:r>
-              <a:rPr lang="en-US"/>
-              <a:t>Instant propagation</a:t>
-            </a:r>
-            <a:endParaRPr lang="en-US" dirty="0"/>
+              <a:t>Azure Function Workflow</a:t>
+            </a:r>
+          </a:p>
+        </p:txBody>
+      </p:sp>
+      <p:sp>
+        <p:nvSpPr>
+          <p:cNvPr id="3" name="Text Placeholder 2">
+            <a:extLst>
+              <a:ext uri="{FF2B5EF4-FFF2-40B4-BE49-F238E27FC236}">
+                <a16:creationId xmlns:a16="http://schemas.microsoft.com/office/drawing/2014/main" id="{6C2E6340-1E8E-E006-C098-43CFA47CB128}"/>
+              </a:ext>
+            </a:extLst>
+          </p:cNvPr>
+          <p:cNvSpPr>
+            <a:spLocks noGrp="1"/>
+          </p:cNvSpPr>
+          <p:nvPr>
+            <p:ph type="body" idx="1"/>
+          </p:nvPr>
+        </p:nvSpPr>
+        <p:spPr/>
+        <p:txBody>
+          <a:bodyPr/>
+          <a:lstStyle/>
+          <a:p>
+            <a:endParaRPr lang="en-US"/>
           </a:p>
         </p:txBody>
       </p:sp>
     </p:spTree>
     <p:extLst>
       <p:ext uri="{BB962C8B-B14F-4D97-AF65-F5344CB8AC3E}">
-        <p14:creationId xmlns:p14="http://schemas.microsoft.com/office/powerpoint/2010/main" val="3619535768"/>
+        <p14:creationId xmlns:p14="http://schemas.microsoft.com/office/powerpoint/2010/main" val="3640973236"/>
       </p:ext>
     </p:extLst>
   </p:cSld>
@@ -4832,6 +5254,725 @@
           <p:cNvPr id="2" name="Title 1">
             <a:extLst>
               <a:ext uri="{FF2B5EF4-FFF2-40B4-BE49-F238E27FC236}">
+                <a16:creationId xmlns:a16="http://schemas.microsoft.com/office/drawing/2014/main" id="{9A93054A-57C7-C260-5669-95E823B766BB}"/>
+              </a:ext>
+            </a:extLst>
+          </p:cNvPr>
+          <p:cNvSpPr>
+            <a:spLocks noGrp="1"/>
+          </p:cNvSpPr>
+          <p:nvPr>
+            <p:ph type="title"/>
+          </p:nvPr>
+        </p:nvSpPr>
+        <p:spPr/>
+        <p:txBody>
+          <a:bodyPr/>
+          <a:lstStyle/>
+          <a:p>
+            <a:endParaRPr lang="en-US"/>
+          </a:p>
+        </p:txBody>
+      </p:sp>
+      <p:pic>
+        <p:nvPicPr>
+          <p:cNvPr id="5" name="Content Placeholder 4" descr="Diagram&#10;&#10;Description automatically generated">
+            <a:extLst>
+              <a:ext uri="{FF2B5EF4-FFF2-40B4-BE49-F238E27FC236}">
+                <a16:creationId xmlns:a16="http://schemas.microsoft.com/office/drawing/2014/main" id="{E2DF0D96-5F90-FD81-7491-8713C929FB84}"/>
+              </a:ext>
+            </a:extLst>
+          </p:cNvPr>
+          <p:cNvPicPr>
+            <a:picLocks noGrp="1" noChangeAspect="1"/>
+          </p:cNvPicPr>
+          <p:nvPr>
+            <p:ph idx="1"/>
+          </p:nvPr>
+        </p:nvPicPr>
+        <p:blipFill>
+          <a:blip r:embed="rId2">
+            <a:extLst>
+              <a:ext uri="{28A0092B-C50C-407E-A947-70E740481C1C}">
+                <a14:useLocalDpi xmlns:a14="http://schemas.microsoft.com/office/drawing/2010/main" val="0"/>
+              </a:ext>
+            </a:extLst>
+          </a:blip>
+          <a:stretch>
+            <a:fillRect/>
+          </a:stretch>
+        </p:blipFill>
+        <p:spPr>
+          <a:xfrm>
+            <a:off x="838199" y="971551"/>
+            <a:ext cx="10522927" cy="4972844"/>
+          </a:xfrm>
+        </p:spPr>
+      </p:pic>
+    </p:spTree>
+    <p:extLst>
+      <p:ext uri="{BB962C8B-B14F-4D97-AF65-F5344CB8AC3E}">
+        <p14:creationId xmlns:p14="http://schemas.microsoft.com/office/powerpoint/2010/main" val="4153132047"/>
+      </p:ext>
+    </p:extLst>
+  </p:cSld>
+  <p:clrMapOvr>
+    <a:masterClrMapping/>
+  </p:clrMapOvr>
+</p:sld>
+</file>
+
+<file path=ppt/slides/slide22.xml><?xml version="1.0" encoding="utf-8"?>
+<p:sld xmlns:a="http://schemas.openxmlformats.org/drawingml/2006/main" xmlns:r="http://schemas.openxmlformats.org/officeDocument/2006/relationships" xmlns:p="http://schemas.openxmlformats.org/presentationml/2006/main">
+  <p:cSld>
+    <p:spTree>
+      <p:nvGrpSpPr>
+        <p:cNvPr id="1" name=""/>
+        <p:cNvGrpSpPr/>
+        <p:nvPr/>
+      </p:nvGrpSpPr>
+      <p:grpSpPr>
+        <a:xfrm>
+          <a:off x="0" y="0"/>
+          <a:ext cx="0" cy="0"/>
+          <a:chOff x="0" y="0"/>
+          <a:chExt cx="0" cy="0"/>
+        </a:xfrm>
+      </p:grpSpPr>
+      <p:sp>
+        <p:nvSpPr>
+          <p:cNvPr id="2" name="Title 1">
+            <a:extLst>
+              <a:ext uri="{FF2B5EF4-FFF2-40B4-BE49-F238E27FC236}">
+                <a16:creationId xmlns:a16="http://schemas.microsoft.com/office/drawing/2014/main" id="{18133B67-FEE0-DF4C-4D80-404858A55DF3}"/>
+              </a:ext>
+            </a:extLst>
+          </p:cNvPr>
+          <p:cNvSpPr>
+            <a:spLocks noGrp="1"/>
+          </p:cNvSpPr>
+          <p:nvPr>
+            <p:ph type="title"/>
+          </p:nvPr>
+        </p:nvSpPr>
+        <p:spPr/>
+        <p:txBody>
+          <a:bodyPr/>
+          <a:lstStyle/>
+          <a:p>
+            <a:endParaRPr lang="en-US" dirty="0"/>
+          </a:p>
+        </p:txBody>
+      </p:sp>
+      <p:sp>
+        <p:nvSpPr>
+          <p:cNvPr id="3" name="Text Placeholder 2">
+            <a:extLst>
+              <a:ext uri="{FF2B5EF4-FFF2-40B4-BE49-F238E27FC236}">
+                <a16:creationId xmlns:a16="http://schemas.microsoft.com/office/drawing/2014/main" id="{B371DC88-83BE-A49F-AF45-9FE8B3584FA9}"/>
+              </a:ext>
+            </a:extLst>
+          </p:cNvPr>
+          <p:cNvSpPr>
+            <a:spLocks noGrp="1"/>
+          </p:cNvSpPr>
+          <p:nvPr>
+            <p:ph type="body" idx="1"/>
+          </p:nvPr>
+        </p:nvSpPr>
+        <p:spPr/>
+        <p:txBody>
+          <a:bodyPr/>
+          <a:lstStyle/>
+          <a:p>
+            <a:r>
+              <a:rPr lang="en-US" dirty="0">
+                <a:solidFill>
+                  <a:schemeClr val="tx1"/>
+                </a:solidFill>
+                <a:latin typeface="Consolas" panose="020B0609020204030204" pitchFamily="49" charset="0"/>
+              </a:rPr>
+              <a:t>Azure Function code demo…</a:t>
+            </a:r>
+          </a:p>
+        </p:txBody>
+      </p:sp>
+    </p:spTree>
+    <p:extLst>
+      <p:ext uri="{BB962C8B-B14F-4D97-AF65-F5344CB8AC3E}">
+        <p14:creationId xmlns:p14="http://schemas.microsoft.com/office/powerpoint/2010/main" val="3960244462"/>
+      </p:ext>
+    </p:extLst>
+  </p:cSld>
+  <p:clrMapOvr>
+    <a:masterClrMapping/>
+  </p:clrMapOvr>
+</p:sld>
+</file>
+
+<file path=ppt/slides/slide23.xml><?xml version="1.0" encoding="utf-8"?>
+<p:sld xmlns:a="http://schemas.openxmlformats.org/drawingml/2006/main" xmlns:r="http://schemas.openxmlformats.org/officeDocument/2006/relationships" xmlns:p="http://schemas.openxmlformats.org/presentationml/2006/main">
+  <p:cSld>
+    <p:spTree>
+      <p:nvGrpSpPr>
+        <p:cNvPr id="1" name=""/>
+        <p:cNvGrpSpPr/>
+        <p:nvPr/>
+      </p:nvGrpSpPr>
+      <p:grpSpPr>
+        <a:xfrm>
+          <a:off x="0" y="0"/>
+          <a:ext cx="0" cy="0"/>
+          <a:chOff x="0" y="0"/>
+          <a:chExt cx="0" cy="0"/>
+        </a:xfrm>
+      </p:grpSpPr>
+      <p:sp>
+        <p:nvSpPr>
+          <p:cNvPr id="2" name="Title 1">
+            <a:extLst>
+              <a:ext uri="{FF2B5EF4-FFF2-40B4-BE49-F238E27FC236}">
+                <a16:creationId xmlns:a16="http://schemas.microsoft.com/office/drawing/2014/main" id="{59742D62-9479-2FEC-C9FC-A288EC1A0E17}"/>
+              </a:ext>
+            </a:extLst>
+          </p:cNvPr>
+          <p:cNvSpPr>
+            <a:spLocks noGrp="1"/>
+          </p:cNvSpPr>
+          <p:nvPr>
+            <p:ph type="title"/>
+          </p:nvPr>
+        </p:nvSpPr>
+        <p:spPr/>
+        <p:txBody>
+          <a:bodyPr/>
+          <a:lstStyle/>
+          <a:p>
+            <a:r>
+              <a:rPr lang="en-US" dirty="0"/>
+              <a:t>Creating a Discord Bot</a:t>
+            </a:r>
+          </a:p>
+        </p:txBody>
+      </p:sp>
+      <p:sp>
+        <p:nvSpPr>
+          <p:cNvPr id="3" name="Content Placeholder 2">
+            <a:extLst>
+              <a:ext uri="{FF2B5EF4-FFF2-40B4-BE49-F238E27FC236}">
+                <a16:creationId xmlns:a16="http://schemas.microsoft.com/office/drawing/2014/main" id="{2D28C9F1-7BB9-419D-E307-F3BDC4D55D54}"/>
+              </a:ext>
+            </a:extLst>
+          </p:cNvPr>
+          <p:cNvSpPr>
+            <a:spLocks noGrp="1"/>
+          </p:cNvSpPr>
+          <p:nvPr>
+            <p:ph idx="1"/>
+          </p:nvPr>
+        </p:nvSpPr>
+        <p:spPr/>
+        <p:txBody>
+          <a:bodyPr/>
+          <a:lstStyle/>
+          <a:p>
+            <a:r>
+              <a:rPr lang="en-US" dirty="0"/>
+              <a:t>Create Discord App</a:t>
+            </a:r>
+          </a:p>
+          <a:p>
+            <a:r>
+              <a:rPr lang="en-US" dirty="0"/>
+              <a:t>Bot -&gt; Add bot</a:t>
+            </a:r>
+          </a:p>
+          <a:p>
+            <a:r>
+              <a:rPr lang="en-US" dirty="0"/>
+              <a:t>Oauth2 -&gt; URL Generator -&gt;</a:t>
+            </a:r>
+          </a:p>
+          <a:p>
+            <a:pPr lvl="1"/>
+            <a:r>
+              <a:rPr lang="en-US" dirty="0"/>
+              <a:t>bot</a:t>
+            </a:r>
+          </a:p>
+          <a:p>
+            <a:pPr lvl="1"/>
+            <a:r>
+              <a:rPr lang="en-US" dirty="0" err="1"/>
+              <a:t>application.commands</a:t>
+            </a:r>
+            <a:endParaRPr lang="en-US" dirty="0"/>
+          </a:p>
+          <a:p>
+            <a:pPr lvl="1"/>
+            <a:r>
+              <a:rPr lang="en-US" dirty="0"/>
+              <a:t>bot\send messages</a:t>
+            </a:r>
+          </a:p>
+          <a:p>
+            <a:pPr lvl="1"/>
+            <a:r>
+              <a:rPr lang="en-US" dirty="0"/>
+              <a:t>Others as needed (none other needed for this demo)</a:t>
+            </a:r>
+          </a:p>
+          <a:p>
+            <a:r>
+              <a:rPr lang="en-US" dirty="0"/>
+              <a:t>Add </a:t>
+            </a:r>
+            <a:r>
+              <a:rPr lang="en-US" dirty="0" err="1"/>
+              <a:t>HttpStart</a:t>
+            </a:r>
+            <a:r>
+              <a:rPr lang="en-US" dirty="0"/>
+              <a:t> URI to Interactions Endpoint URL</a:t>
+            </a:r>
+          </a:p>
+        </p:txBody>
+      </p:sp>
+    </p:spTree>
+    <p:extLst>
+      <p:ext uri="{BB962C8B-B14F-4D97-AF65-F5344CB8AC3E}">
+        <p14:creationId xmlns:p14="http://schemas.microsoft.com/office/powerpoint/2010/main" val="2618043788"/>
+      </p:ext>
+    </p:extLst>
+  </p:cSld>
+  <p:clrMapOvr>
+    <a:masterClrMapping/>
+  </p:clrMapOvr>
+</p:sld>
+</file>
+
+<file path=ppt/slides/slide24.xml><?xml version="1.0" encoding="utf-8"?>
+<p:sld xmlns:a="http://schemas.openxmlformats.org/drawingml/2006/main" xmlns:r="http://schemas.openxmlformats.org/officeDocument/2006/relationships" xmlns:p="http://schemas.openxmlformats.org/presentationml/2006/main">
+  <p:cSld>
+    <p:spTree>
+      <p:nvGrpSpPr>
+        <p:cNvPr id="1" name=""/>
+        <p:cNvGrpSpPr/>
+        <p:nvPr/>
+      </p:nvGrpSpPr>
+      <p:grpSpPr>
+        <a:xfrm>
+          <a:off x="0" y="0"/>
+          <a:ext cx="0" cy="0"/>
+          <a:chOff x="0" y="0"/>
+          <a:chExt cx="0" cy="0"/>
+        </a:xfrm>
+      </p:grpSpPr>
+      <p:sp>
+        <p:nvSpPr>
+          <p:cNvPr id="2" name="Title 1">
+            <a:extLst>
+              <a:ext uri="{FF2B5EF4-FFF2-40B4-BE49-F238E27FC236}">
+                <a16:creationId xmlns:a16="http://schemas.microsoft.com/office/drawing/2014/main" id="{A40742EB-6100-C42B-D893-91F9BC2D3D0E}"/>
+              </a:ext>
+            </a:extLst>
+          </p:cNvPr>
+          <p:cNvSpPr>
+            <a:spLocks noGrp="1"/>
+          </p:cNvSpPr>
+          <p:nvPr>
+            <p:ph type="title"/>
+          </p:nvPr>
+        </p:nvSpPr>
+        <p:spPr/>
+        <p:txBody>
+          <a:bodyPr/>
+          <a:lstStyle/>
+          <a:p>
+            <a:r>
+              <a:rPr lang="en-US" dirty="0"/>
+              <a:t>Dealing with frostbite</a:t>
+            </a:r>
+          </a:p>
+        </p:txBody>
+      </p:sp>
+      <p:sp>
+        <p:nvSpPr>
+          <p:cNvPr id="3" name="Content Placeholder 2">
+            <a:extLst>
+              <a:ext uri="{FF2B5EF4-FFF2-40B4-BE49-F238E27FC236}">
+                <a16:creationId xmlns:a16="http://schemas.microsoft.com/office/drawing/2014/main" id="{0FF80AB6-017F-914A-05DE-E217E62D4BE3}"/>
+              </a:ext>
+            </a:extLst>
+          </p:cNvPr>
+          <p:cNvSpPr>
+            <a:spLocks noGrp="1"/>
+          </p:cNvSpPr>
+          <p:nvPr>
+            <p:ph idx="1"/>
+          </p:nvPr>
+        </p:nvSpPr>
+        <p:spPr/>
+        <p:txBody>
+          <a:bodyPr/>
+          <a:lstStyle/>
+          <a:p>
+            <a:r>
+              <a:rPr lang="en-US" dirty="0"/>
+              <a:t>PowerShell based Azure Functions have a long cold start</a:t>
+            </a:r>
+          </a:p>
+          <a:p>
+            <a:r>
+              <a:rPr lang="en-US" dirty="0"/>
+              <a:t>Monitor Function</a:t>
+            </a:r>
+          </a:p>
+          <a:p>
+            <a:pPr lvl="1"/>
+            <a:r>
+              <a:rPr lang="en-US" dirty="0"/>
+              <a:t>Every 5m</a:t>
+            </a:r>
+          </a:p>
+          <a:p>
+            <a:r>
+              <a:rPr lang="en-US" dirty="0"/>
+              <a:t>Review Code</a:t>
+            </a:r>
+          </a:p>
+        </p:txBody>
+      </p:sp>
+    </p:spTree>
+    <p:extLst>
+      <p:ext uri="{BB962C8B-B14F-4D97-AF65-F5344CB8AC3E}">
+        <p14:creationId xmlns:p14="http://schemas.microsoft.com/office/powerpoint/2010/main" val="3168010500"/>
+      </p:ext>
+    </p:extLst>
+  </p:cSld>
+  <p:clrMapOvr>
+    <a:masterClrMapping/>
+  </p:clrMapOvr>
+</p:sld>
+</file>
+
+<file path=ppt/slides/slide25.xml><?xml version="1.0" encoding="utf-8"?>
+<p:sld xmlns:a="http://schemas.openxmlformats.org/drawingml/2006/main" xmlns:r="http://schemas.openxmlformats.org/officeDocument/2006/relationships" xmlns:p="http://schemas.openxmlformats.org/presentationml/2006/main">
+  <p:cSld>
+    <p:spTree>
+      <p:nvGrpSpPr>
+        <p:cNvPr id="1" name=""/>
+        <p:cNvGrpSpPr/>
+        <p:nvPr/>
+      </p:nvGrpSpPr>
+      <p:grpSpPr>
+        <a:xfrm>
+          <a:off x="0" y="0"/>
+          <a:ext cx="0" cy="0"/>
+          <a:chOff x="0" y="0"/>
+          <a:chExt cx="0" cy="0"/>
+        </a:xfrm>
+      </p:grpSpPr>
+      <p:sp>
+        <p:nvSpPr>
+          <p:cNvPr id="2" name="Title 1">
+            <a:extLst>
+              <a:ext uri="{FF2B5EF4-FFF2-40B4-BE49-F238E27FC236}">
+                <a16:creationId xmlns:a16="http://schemas.microsoft.com/office/drawing/2014/main" id="{F0E90596-D92B-856E-7CAA-EDE2058C101B}"/>
+              </a:ext>
+            </a:extLst>
+          </p:cNvPr>
+          <p:cNvSpPr>
+            <a:spLocks noGrp="1"/>
+          </p:cNvSpPr>
+          <p:nvPr>
+            <p:ph type="title"/>
+          </p:nvPr>
+        </p:nvSpPr>
+        <p:spPr/>
+        <p:txBody>
+          <a:bodyPr/>
+          <a:lstStyle/>
+          <a:p>
+            <a:endParaRPr lang="en-US" dirty="0"/>
+          </a:p>
+        </p:txBody>
+      </p:sp>
+      <p:sp>
+        <p:nvSpPr>
+          <p:cNvPr id="3" name="Text Placeholder 2">
+            <a:extLst>
+              <a:ext uri="{FF2B5EF4-FFF2-40B4-BE49-F238E27FC236}">
+                <a16:creationId xmlns:a16="http://schemas.microsoft.com/office/drawing/2014/main" id="{2267A0A5-C1D1-975E-8D0F-40962DC299C6}"/>
+              </a:ext>
+            </a:extLst>
+          </p:cNvPr>
+          <p:cNvSpPr>
+            <a:spLocks noGrp="1"/>
+          </p:cNvSpPr>
+          <p:nvPr>
+            <p:ph type="body" idx="1"/>
+          </p:nvPr>
+        </p:nvSpPr>
+        <p:spPr/>
+        <p:txBody>
+          <a:bodyPr/>
+          <a:lstStyle/>
+          <a:p>
+            <a:r>
+              <a:rPr lang="en-US" dirty="0">
+                <a:solidFill>
+                  <a:schemeClr val="tx1"/>
+                </a:solidFill>
+                <a:latin typeface="Consolas" panose="020B0609020204030204" pitchFamily="49" charset="0"/>
+              </a:rPr>
+              <a:t>Full function code review…</a:t>
+            </a:r>
+          </a:p>
+          <a:p>
+            <a:endParaRPr lang="en-US" dirty="0"/>
+          </a:p>
+        </p:txBody>
+      </p:sp>
+    </p:spTree>
+    <p:extLst>
+      <p:ext uri="{BB962C8B-B14F-4D97-AF65-F5344CB8AC3E}">
+        <p14:creationId xmlns:p14="http://schemas.microsoft.com/office/powerpoint/2010/main" val="1124600913"/>
+      </p:ext>
+    </p:extLst>
+  </p:cSld>
+  <p:clrMapOvr>
+    <a:masterClrMapping/>
+  </p:clrMapOvr>
+</p:sld>
+</file>
+
+<file path=ppt/slides/slide26.xml><?xml version="1.0" encoding="utf-8"?>
+<p:sld xmlns:a="http://schemas.openxmlformats.org/drawingml/2006/main" xmlns:r="http://schemas.openxmlformats.org/officeDocument/2006/relationships" xmlns:p="http://schemas.openxmlformats.org/presentationml/2006/main">
+  <p:cSld>
+    <p:spTree>
+      <p:nvGrpSpPr>
+        <p:cNvPr id="1" name=""/>
+        <p:cNvGrpSpPr/>
+        <p:nvPr/>
+      </p:nvGrpSpPr>
+      <p:grpSpPr>
+        <a:xfrm>
+          <a:off x="0" y="0"/>
+          <a:ext cx="0" cy="0"/>
+          <a:chOff x="0" y="0"/>
+          <a:chExt cx="0" cy="0"/>
+        </a:xfrm>
+      </p:grpSpPr>
+      <p:sp>
+        <p:nvSpPr>
+          <p:cNvPr id="2" name="Title 1">
+            <a:extLst>
+              <a:ext uri="{FF2B5EF4-FFF2-40B4-BE49-F238E27FC236}">
+                <a16:creationId xmlns:a16="http://schemas.microsoft.com/office/drawing/2014/main" id="{FBECC900-50CE-6143-BD63-0FD41482F713}"/>
+              </a:ext>
+            </a:extLst>
+          </p:cNvPr>
+          <p:cNvSpPr>
+            <a:spLocks noGrp="1"/>
+          </p:cNvSpPr>
+          <p:nvPr>
+            <p:ph type="title"/>
+          </p:nvPr>
+        </p:nvSpPr>
+        <p:spPr/>
+        <p:txBody>
+          <a:bodyPr/>
+          <a:lstStyle/>
+          <a:p>
+            <a:r>
+              <a:rPr lang="en-US" dirty="0"/>
+              <a:t>Adding Commands</a:t>
+            </a:r>
+          </a:p>
+        </p:txBody>
+      </p:sp>
+      <p:sp>
+        <p:nvSpPr>
+          <p:cNvPr id="3" name="Text Placeholder 2">
+            <a:extLst>
+              <a:ext uri="{FF2B5EF4-FFF2-40B4-BE49-F238E27FC236}">
+                <a16:creationId xmlns:a16="http://schemas.microsoft.com/office/drawing/2014/main" id="{F94C90DE-EBD1-BFFB-B969-40F7A7127CF4}"/>
+              </a:ext>
+            </a:extLst>
+          </p:cNvPr>
+          <p:cNvSpPr>
+            <a:spLocks noGrp="1"/>
+          </p:cNvSpPr>
+          <p:nvPr>
+            <p:ph type="body" idx="1"/>
+          </p:nvPr>
+        </p:nvSpPr>
+        <p:spPr/>
+        <p:txBody>
+          <a:bodyPr/>
+          <a:lstStyle/>
+          <a:p>
+            <a:endParaRPr lang="en-US"/>
+          </a:p>
+        </p:txBody>
+      </p:sp>
+    </p:spTree>
+    <p:extLst>
+      <p:ext uri="{BB962C8B-B14F-4D97-AF65-F5344CB8AC3E}">
+        <p14:creationId xmlns:p14="http://schemas.microsoft.com/office/powerpoint/2010/main" val="3143325720"/>
+      </p:ext>
+    </p:extLst>
+  </p:cSld>
+  <p:clrMapOvr>
+    <a:masterClrMapping/>
+  </p:clrMapOvr>
+</p:sld>
+</file>
+
+<file path=ppt/slides/slide27.xml><?xml version="1.0" encoding="utf-8"?>
+<p:sld xmlns:a="http://schemas.openxmlformats.org/drawingml/2006/main" xmlns:r="http://schemas.openxmlformats.org/officeDocument/2006/relationships" xmlns:p="http://schemas.openxmlformats.org/presentationml/2006/main">
+  <p:cSld>
+    <p:spTree>
+      <p:nvGrpSpPr>
+        <p:cNvPr id="1" name=""/>
+        <p:cNvGrpSpPr/>
+        <p:nvPr/>
+      </p:nvGrpSpPr>
+      <p:grpSpPr>
+        <a:xfrm>
+          <a:off x="0" y="0"/>
+          <a:ext cx="0" cy="0"/>
+          <a:chOff x="0" y="0"/>
+          <a:chExt cx="0" cy="0"/>
+        </a:xfrm>
+      </p:grpSpPr>
+      <p:sp>
+        <p:nvSpPr>
+          <p:cNvPr id="2" name="Title 1">
+            <a:extLst>
+              <a:ext uri="{FF2B5EF4-FFF2-40B4-BE49-F238E27FC236}">
+                <a16:creationId xmlns:a16="http://schemas.microsoft.com/office/drawing/2014/main" id="{FE06D3E5-4ABA-FCFA-4F84-AEE01DA4566C}"/>
+              </a:ext>
+            </a:extLst>
+          </p:cNvPr>
+          <p:cNvSpPr>
+            <a:spLocks noGrp="1"/>
+          </p:cNvSpPr>
+          <p:nvPr>
+            <p:ph type="title"/>
+          </p:nvPr>
+        </p:nvSpPr>
+        <p:spPr/>
+        <p:txBody>
+          <a:bodyPr/>
+          <a:lstStyle/>
+          <a:p>
+            <a:r>
+              <a:rPr lang="en-US" dirty="0"/>
+              <a:t>Command Types</a:t>
+            </a:r>
+          </a:p>
+        </p:txBody>
+      </p:sp>
+      <p:sp>
+        <p:nvSpPr>
+          <p:cNvPr id="3" name="Content Placeholder 2">
+            <a:extLst>
+              <a:ext uri="{FF2B5EF4-FFF2-40B4-BE49-F238E27FC236}">
+                <a16:creationId xmlns:a16="http://schemas.microsoft.com/office/drawing/2014/main" id="{C15EFAF7-3ED1-6A70-FD7D-48CC2B6795D6}"/>
+              </a:ext>
+            </a:extLst>
+          </p:cNvPr>
+          <p:cNvSpPr>
+            <a:spLocks noGrp="1"/>
+          </p:cNvSpPr>
+          <p:nvPr>
+            <p:ph idx="1"/>
+          </p:nvPr>
+        </p:nvSpPr>
+        <p:spPr/>
+        <p:txBody>
+          <a:bodyPr/>
+          <a:lstStyle/>
+          <a:p>
+            <a:r>
+              <a:rPr lang="en-US" dirty="0"/>
+              <a:t>Application (Global)</a:t>
+            </a:r>
+          </a:p>
+          <a:p>
+            <a:pPr lvl="1"/>
+            <a:r>
+              <a:rPr lang="en-US" dirty="0"/>
+              <a:t>Applies to all servers</a:t>
+            </a:r>
+          </a:p>
+          <a:p>
+            <a:pPr lvl="1"/>
+            <a:r>
+              <a:rPr lang="en-US" dirty="0"/>
+              <a:t>Slow propagation</a:t>
+            </a:r>
+          </a:p>
+          <a:p>
+            <a:r>
+              <a:rPr lang="en-US" dirty="0"/>
+              <a:t>Guild (Server)</a:t>
+            </a:r>
+          </a:p>
+          <a:p>
+            <a:pPr lvl="1"/>
+            <a:r>
+              <a:rPr lang="en-US" dirty="0"/>
+              <a:t>Applies to a specific server</a:t>
+            </a:r>
+          </a:p>
+          <a:p>
+            <a:pPr lvl="1"/>
+            <a:r>
+              <a:rPr lang="en-US"/>
+              <a:t>Instant propagation</a:t>
+            </a:r>
+            <a:endParaRPr lang="en-US" dirty="0"/>
+          </a:p>
+        </p:txBody>
+      </p:sp>
+    </p:spTree>
+    <p:extLst>
+      <p:ext uri="{BB962C8B-B14F-4D97-AF65-F5344CB8AC3E}">
+        <p14:creationId xmlns:p14="http://schemas.microsoft.com/office/powerpoint/2010/main" val="3619535768"/>
+      </p:ext>
+    </p:extLst>
+  </p:cSld>
+  <p:clrMapOvr>
+    <a:masterClrMapping/>
+  </p:clrMapOvr>
+</p:sld>
+</file>
+
+<file path=ppt/slides/slide28.xml><?xml version="1.0" encoding="utf-8"?>
+<p:sld xmlns:a="http://schemas.openxmlformats.org/drawingml/2006/main" xmlns:r="http://schemas.openxmlformats.org/officeDocument/2006/relationships" xmlns:p="http://schemas.openxmlformats.org/presentationml/2006/main">
+  <p:cSld>
+    <p:spTree>
+      <p:nvGrpSpPr>
+        <p:cNvPr id="1" name=""/>
+        <p:cNvGrpSpPr/>
+        <p:nvPr/>
+      </p:nvGrpSpPr>
+      <p:grpSpPr>
+        <a:xfrm>
+          <a:off x="0" y="0"/>
+          <a:ext cx="0" cy="0"/>
+          <a:chOff x="0" y="0"/>
+          <a:chExt cx="0" cy="0"/>
+        </a:xfrm>
+      </p:grpSpPr>
+      <p:sp>
+        <p:nvSpPr>
+          <p:cNvPr id="2" name="Title 1">
+            <a:extLst>
+              <a:ext uri="{FF2B5EF4-FFF2-40B4-BE49-F238E27FC236}">
                 <a16:creationId xmlns:a16="http://schemas.microsoft.com/office/drawing/2014/main" id="{18133B67-FEE0-DF4C-4D80-404858A55DF3}"/>
               </a:ext>
             </a:extLst>
@@ -4898,7 +6039,7 @@
 </p:sld>
 </file>
 
-<file path=ppt/slides/slide22.xml><?xml version="1.0" encoding="utf-8"?>
+<file path=ppt/slides/slide29.xml><?xml version="1.0" encoding="utf-8"?>
 <p:sld xmlns:a="http://schemas.openxmlformats.org/drawingml/2006/main" xmlns:r="http://schemas.openxmlformats.org/officeDocument/2006/relationships" xmlns:p="http://schemas.openxmlformats.org/presentationml/2006/main">
   <p:cSld>
     <p:spTree>
@@ -5076,7 +6217,7 @@
           <p:cNvPr id="2" name="Title 1">
             <a:extLst>
               <a:ext uri="{FF2B5EF4-FFF2-40B4-BE49-F238E27FC236}">
-                <a16:creationId xmlns:a16="http://schemas.microsoft.com/office/drawing/2014/main" id="{AAC259AA-2C3F-1AC0-F756-734780D0A42B}"/>
+                <a16:creationId xmlns:a16="http://schemas.microsoft.com/office/drawing/2014/main" id="{BC043F51-DF2C-940F-CE56-3DF5D9DD58B5}"/>
               </a:ext>
             </a:extLst>
           </p:cNvPr>
@@ -5094,87 +6235,128 @@
           <a:p>
             <a:r>
               <a:rPr lang="en-US" dirty="0"/>
-              <a:t>Overview</a:t>
-            </a:r>
-          </a:p>
-        </p:txBody>
-      </p:sp>
-      <p:sp>
-        <p:nvSpPr>
-          <p:cNvPr id="3" name="Content Placeholder 2">
-            <a:extLst>
-              <a:ext uri="{FF2B5EF4-FFF2-40B4-BE49-F238E27FC236}">
-                <a16:creationId xmlns:a16="http://schemas.microsoft.com/office/drawing/2014/main" id="{96E3CFB8-B5DD-B240-65BD-5A17681BC448}"/>
-              </a:ext>
-            </a:extLst>
-          </p:cNvPr>
-          <p:cNvSpPr>
-            <a:spLocks noGrp="1"/>
-          </p:cNvSpPr>
-          <p:nvPr>
-            <p:ph idx="1"/>
-          </p:nvPr>
-        </p:nvSpPr>
-        <p:spPr/>
-        <p:txBody>
-          <a:bodyPr>
-            <a:normAutofit/>
-          </a:bodyPr>
-          <a:lstStyle/>
-          <a:p>
-            <a:r>
-              <a:rPr lang="en-US" dirty="0"/>
-              <a:t>Purpose and goals</a:t>
-            </a:r>
-          </a:p>
-          <a:p>
-            <a:r>
-              <a:rPr lang="en-US" dirty="0"/>
-              <a:t>Discord slash command process explanation</a:t>
-            </a:r>
-          </a:p>
-          <a:p>
-            <a:r>
-              <a:rPr lang="en-US" dirty="0"/>
-              <a:t>Function Chaining</a:t>
-            </a:r>
-          </a:p>
-          <a:p>
-            <a:r>
-              <a:rPr lang="en-US" dirty="0"/>
-              <a:t>Azure Function workflow</a:t>
-            </a:r>
-          </a:p>
-          <a:p>
-            <a:r>
-              <a:rPr lang="en-US" dirty="0"/>
-              <a:t>Creating a Discord bot</a:t>
-            </a:r>
-          </a:p>
-          <a:p>
-            <a:r>
-              <a:rPr lang="en-US" dirty="0"/>
-              <a:t>Avoiding frostbite</a:t>
-            </a:r>
-          </a:p>
-          <a:p>
-            <a:r>
-              <a:rPr lang="en-US" dirty="0"/>
-              <a:t>The code itself</a:t>
-            </a:r>
-          </a:p>
-          <a:p>
-            <a:r>
-              <a:rPr lang="en-US" dirty="0"/>
-              <a:t>Command addition process</a:t>
-            </a:r>
+              <a:t>Fun Fact</a:t>
+            </a:r>
+          </a:p>
+        </p:txBody>
+      </p:sp>
+      <p:sp>
+        <p:nvSpPr>
+          <p:cNvPr id="3" name="Text Placeholder 2">
+            <a:extLst>
+              <a:ext uri="{FF2B5EF4-FFF2-40B4-BE49-F238E27FC236}">
+                <a16:creationId xmlns:a16="http://schemas.microsoft.com/office/drawing/2014/main" id="{E11F5FDE-98EC-B13A-7A7D-82D911BFC669}"/>
+              </a:ext>
+            </a:extLst>
+          </p:cNvPr>
+          <p:cNvSpPr>
+            <a:spLocks noGrp="1"/>
+          </p:cNvSpPr>
+          <p:nvPr>
+            <p:ph type="body" idx="1"/>
+          </p:nvPr>
+        </p:nvSpPr>
+        <p:spPr/>
+        <p:txBody>
+          <a:bodyPr/>
+          <a:lstStyle/>
+          <a:p>
+            <a:endParaRPr lang="en-US"/>
           </a:p>
         </p:txBody>
       </p:sp>
     </p:spTree>
     <p:extLst>
       <p:ext uri="{BB962C8B-B14F-4D97-AF65-F5344CB8AC3E}">
-        <p14:creationId xmlns:p14="http://schemas.microsoft.com/office/powerpoint/2010/main" val="75457890"/>
+        <p14:creationId xmlns:p14="http://schemas.microsoft.com/office/powerpoint/2010/main" val="3243451038"/>
+      </p:ext>
+    </p:extLst>
+  </p:cSld>
+  <p:clrMapOvr>
+    <a:masterClrMapping/>
+  </p:clrMapOvr>
+</p:sld>
+</file>
+
+<file path=ppt/slides/slide30.xml><?xml version="1.0" encoding="utf-8"?>
+<p:sld xmlns:a="http://schemas.openxmlformats.org/drawingml/2006/main" xmlns:r="http://schemas.openxmlformats.org/officeDocument/2006/relationships" xmlns:p="http://schemas.openxmlformats.org/presentationml/2006/main">
+  <p:cSld>
+    <p:spTree>
+      <p:nvGrpSpPr>
+        <p:cNvPr id="1" name=""/>
+        <p:cNvGrpSpPr/>
+        <p:nvPr/>
+      </p:nvGrpSpPr>
+      <p:grpSpPr>
+        <a:xfrm>
+          <a:off x="0" y="0"/>
+          <a:ext cx="0" cy="0"/>
+          <a:chOff x="0" y="0"/>
+          <a:chExt cx="0" cy="0"/>
+        </a:xfrm>
+      </p:grpSpPr>
+      <p:sp>
+        <p:nvSpPr>
+          <p:cNvPr id="2" name="Title 1">
+            <a:extLst>
+              <a:ext uri="{FF2B5EF4-FFF2-40B4-BE49-F238E27FC236}">
+                <a16:creationId xmlns:a16="http://schemas.microsoft.com/office/drawing/2014/main" id="{AF9C67E1-F41D-C036-C48D-EF87C2D3B86D}"/>
+              </a:ext>
+            </a:extLst>
+          </p:cNvPr>
+          <p:cNvSpPr>
+            <a:spLocks noGrp="1"/>
+          </p:cNvSpPr>
+          <p:nvPr>
+            <p:ph type="title"/>
+          </p:nvPr>
+        </p:nvSpPr>
+        <p:spPr/>
+        <p:txBody>
+          <a:bodyPr/>
+          <a:lstStyle/>
+          <a:p>
+            <a:r>
+              <a:rPr lang="en-US" dirty="0"/>
+              <a:t>Questions?</a:t>
+            </a:r>
+          </a:p>
+        </p:txBody>
+      </p:sp>
+      <p:sp>
+        <p:nvSpPr>
+          <p:cNvPr id="3" name="Text Placeholder 2">
+            <a:extLst>
+              <a:ext uri="{FF2B5EF4-FFF2-40B4-BE49-F238E27FC236}">
+                <a16:creationId xmlns:a16="http://schemas.microsoft.com/office/drawing/2014/main" id="{84C8FB1F-29EB-E4F3-E7AE-F4BFEEFC31D2}"/>
+              </a:ext>
+            </a:extLst>
+          </p:cNvPr>
+          <p:cNvSpPr>
+            <a:spLocks noGrp="1"/>
+          </p:cNvSpPr>
+          <p:nvPr>
+            <p:ph type="body" idx="1"/>
+          </p:nvPr>
+        </p:nvSpPr>
+        <p:spPr/>
+        <p:txBody>
+          <a:bodyPr/>
+          <a:lstStyle/>
+          <a:p>
+            <a:endParaRPr lang="en-US" dirty="0">
+              <a:solidFill>
+                <a:schemeClr val="tx1"/>
+              </a:solidFill>
+              <a:latin typeface="Consolas" panose="020B0609020204030204" pitchFamily="49" charset="0"/>
+            </a:endParaRPr>
+          </a:p>
+        </p:txBody>
+      </p:sp>
+    </p:spTree>
+    <p:extLst>
+      <p:ext uri="{BB962C8B-B14F-4D97-AF65-F5344CB8AC3E}">
+        <p14:creationId xmlns:p14="http://schemas.microsoft.com/office/powerpoint/2010/main" val="2973552018"/>
       </p:ext>
     </p:extLst>
   </p:cSld>
@@ -5206,7 +6388,7 @@
           <p:cNvPr id="2" name="Title 1">
             <a:extLst>
               <a:ext uri="{FF2B5EF4-FFF2-40B4-BE49-F238E27FC236}">
-                <a16:creationId xmlns:a16="http://schemas.microsoft.com/office/drawing/2014/main" id="{02CC5A8B-44BC-073C-D3C2-5B718FAEF40E}"/>
+                <a16:creationId xmlns:a16="http://schemas.microsoft.com/office/drawing/2014/main" id="{3D1993EA-2994-EEB9-040E-27AE7B9983EF}"/>
               </a:ext>
             </a:extLst>
           </p:cNvPr>
@@ -5224,82 +6406,40 @@
           <a:p>
             <a:r>
               <a:rPr lang="en-US" dirty="0"/>
-              <a:t>Why?</a:t>
-            </a:r>
-          </a:p>
-        </p:txBody>
-      </p:sp>
-      <p:sp>
-        <p:nvSpPr>
-          <p:cNvPr id="3" name="Content Placeholder 2">
-            <a:extLst>
-              <a:ext uri="{FF2B5EF4-FFF2-40B4-BE49-F238E27FC236}">
-                <a16:creationId xmlns:a16="http://schemas.microsoft.com/office/drawing/2014/main" id="{930ED509-E186-23A7-504B-32C5D62E7A40}"/>
-              </a:ext>
-            </a:extLst>
-          </p:cNvPr>
-          <p:cNvSpPr>
-            <a:spLocks noGrp="1"/>
-          </p:cNvSpPr>
-          <p:nvPr>
-            <p:ph idx="1"/>
-          </p:nvPr>
-        </p:nvSpPr>
-        <p:spPr/>
-        <p:txBody>
-          <a:bodyPr/>
-          <a:lstStyle/>
-          <a:p>
-            <a:r>
-              <a:rPr lang="en-US" dirty="0"/>
-              <a:t>Background</a:t>
-            </a:r>
-          </a:p>
-          <a:p>
-            <a:r>
-              <a:rPr lang="en-US" dirty="0"/>
-              <a:t>Money</a:t>
-            </a:r>
-          </a:p>
-          <a:p>
-            <a:pPr lvl="1"/>
-            <a:r>
-              <a:rPr lang="en-US" dirty="0"/>
-              <a:t>Electricity is expensive</a:t>
-            </a:r>
-          </a:p>
-          <a:p>
-            <a:pPr lvl="1"/>
-            <a:r>
-              <a:rPr lang="en-US" dirty="0"/>
-              <a:t>Azure VMs bill based on consumption</a:t>
-            </a:r>
-          </a:p>
-          <a:p>
-            <a:pPr lvl="1"/>
-            <a:r>
-              <a:rPr lang="en-US" dirty="0"/>
-              <a:t>Azure Functions bill based on consumption</a:t>
-            </a:r>
-          </a:p>
-          <a:p>
-            <a:r>
-              <a:rPr lang="en-US" dirty="0"/>
-              <a:t>Professional Development</a:t>
-            </a:r>
-          </a:p>
-          <a:p>
-            <a:r>
-              <a:rPr lang="en-US" dirty="0"/>
-              <a:t>Coolness factor</a:t>
-            </a:r>
+              <a:t>Picture</a:t>
+            </a:r>
+          </a:p>
+        </p:txBody>
+      </p:sp>
+      <p:sp>
+        <p:nvSpPr>
+          <p:cNvPr id="3" name="Text Placeholder 2">
+            <a:extLst>
+              <a:ext uri="{FF2B5EF4-FFF2-40B4-BE49-F238E27FC236}">
+                <a16:creationId xmlns:a16="http://schemas.microsoft.com/office/drawing/2014/main" id="{0998BEDC-322A-A091-3474-8B82644F80F5}"/>
+              </a:ext>
+            </a:extLst>
+          </p:cNvPr>
+          <p:cNvSpPr>
+            <a:spLocks noGrp="1"/>
+          </p:cNvSpPr>
+          <p:nvPr>
+            <p:ph type="body" idx="1"/>
+          </p:nvPr>
+        </p:nvSpPr>
+        <p:spPr/>
+        <p:txBody>
+          <a:bodyPr/>
+          <a:lstStyle/>
+          <a:p>
+            <a:endParaRPr lang="en-US"/>
           </a:p>
         </p:txBody>
       </p:sp>
     </p:spTree>
     <p:extLst>
       <p:ext uri="{BB962C8B-B14F-4D97-AF65-F5344CB8AC3E}">
-        <p14:creationId xmlns:p14="http://schemas.microsoft.com/office/powerpoint/2010/main" val="4238755251"/>
+        <p14:creationId xmlns:p14="http://schemas.microsoft.com/office/powerpoint/2010/main" val="2869413700"/>
       </p:ext>
     </p:extLst>
   </p:cSld>
@@ -5331,7 +6471,7 @@
           <p:cNvPr id="2" name="Title 1">
             <a:extLst>
               <a:ext uri="{FF2B5EF4-FFF2-40B4-BE49-F238E27FC236}">
-                <a16:creationId xmlns:a16="http://schemas.microsoft.com/office/drawing/2014/main" id="{1A16CADC-806C-3EC0-C13A-5771591E4277}"/>
+                <a16:creationId xmlns:a16="http://schemas.microsoft.com/office/drawing/2014/main" id="{AAC259AA-2C3F-1AC0-F756-734780D0A42B}"/>
               </a:ext>
             </a:extLst>
           </p:cNvPr>
@@ -5349,7 +6489,7 @@
           <a:p>
             <a:r>
               <a:rPr lang="en-US" dirty="0"/>
-              <a:t>Goals</a:t>
+              <a:t>Overview</a:t>
             </a:r>
           </a:p>
         </p:txBody>
@@ -5359,7 +6499,7 @@
           <p:cNvPr id="3" name="Content Placeholder 2">
             <a:extLst>
               <a:ext uri="{FF2B5EF4-FFF2-40B4-BE49-F238E27FC236}">
-                <a16:creationId xmlns:a16="http://schemas.microsoft.com/office/drawing/2014/main" id="{2F1E81C0-E292-6CDF-C19B-1E67F1F70199}"/>
+                <a16:creationId xmlns:a16="http://schemas.microsoft.com/office/drawing/2014/main" id="{96E3CFB8-B5DD-B240-65BD-5A17681BC448}"/>
               </a:ext>
             </a:extLst>
           </p:cNvPr>
@@ -5372,36 +6512,56 @@
         </p:nvSpPr>
         <p:spPr/>
         <p:txBody>
-          <a:bodyPr/>
-          <a:lstStyle/>
-          <a:p>
-            <a:r>
-              <a:rPr lang="en-US" dirty="0"/>
-              <a:t>Discord Bot</a:t>
-            </a:r>
-          </a:p>
-          <a:p>
-            <a:r>
-              <a:rPr lang="en-US" dirty="0"/>
-              <a:t>Azure Based</a:t>
-            </a:r>
-          </a:p>
-          <a:p>
-            <a:r>
-              <a:rPr lang="en-US" dirty="0"/>
-              <a:t>Inexpensive</a:t>
-            </a:r>
-          </a:p>
-          <a:p>
-            <a:r>
-              <a:rPr lang="en-US" dirty="0"/>
-              <a:t>Fast</a:t>
-            </a:r>
-          </a:p>
-          <a:p>
-            <a:r>
-              <a:rPr lang="en-US" dirty="0"/>
-              <a:t>PowerShell</a:t>
+          <a:bodyPr>
+            <a:normAutofit/>
+          </a:bodyPr>
+          <a:lstStyle/>
+          <a:p>
+            <a:r>
+              <a:rPr lang="en-US" dirty="0"/>
+              <a:t>Purpose and goals</a:t>
+            </a:r>
+          </a:p>
+          <a:p>
+            <a:r>
+              <a:rPr lang="en-US" dirty="0"/>
+              <a:t>Discord slash command process explanation</a:t>
+            </a:r>
+          </a:p>
+          <a:p>
+            <a:r>
+              <a:rPr lang="en-US" dirty="0"/>
+              <a:t>Function Chaining</a:t>
+            </a:r>
+          </a:p>
+          <a:p>
+            <a:r>
+              <a:rPr lang="en-US" dirty="0"/>
+              <a:t>Azure Function workflow</a:t>
+            </a:r>
+          </a:p>
+          <a:p>
+            <a:r>
+              <a:rPr lang="en-US" dirty="0"/>
+              <a:t>Creating a Discord bot</a:t>
+            </a:r>
+          </a:p>
+          <a:p>
+            <a:r>
+              <a:rPr lang="en-US" dirty="0"/>
+              <a:t>Avoiding frostbite</a:t>
+            </a:r>
+          </a:p>
+          <a:p>
+            <a:r>
+              <a:rPr lang="en-US" dirty="0"/>
+              <a:t>The code itself</a:t>
+            </a:r>
+          </a:p>
+          <a:p>
+            <a:r>
+              <a:rPr lang="en-US" dirty="0"/>
+              <a:t>Command addition process</a:t>
             </a:r>
           </a:p>
         </p:txBody>
@@ -5409,7 +6569,7 @@
     </p:spTree>
     <p:extLst>
       <p:ext uri="{BB962C8B-B14F-4D97-AF65-F5344CB8AC3E}">
-        <p14:creationId xmlns:p14="http://schemas.microsoft.com/office/powerpoint/2010/main" val="3523797473"/>
+        <p14:creationId xmlns:p14="http://schemas.microsoft.com/office/powerpoint/2010/main" val="75457890"/>
       </p:ext>
     </p:extLst>
   </p:cSld>
@@ -5441,7 +6601,7 @@
           <p:cNvPr id="2" name="Title 1">
             <a:extLst>
               <a:ext uri="{FF2B5EF4-FFF2-40B4-BE49-F238E27FC236}">
-                <a16:creationId xmlns:a16="http://schemas.microsoft.com/office/drawing/2014/main" id="{848E72F1-F67E-4AEF-9E86-14F48B4E54AB}"/>
+                <a16:creationId xmlns:a16="http://schemas.microsoft.com/office/drawing/2014/main" id="{815ABE0A-128A-F93F-F0CE-65910F4D31F6}"/>
               </a:ext>
             </a:extLst>
           </p:cNvPr>
@@ -5459,55 +6619,48 @@
           <a:p>
             <a:r>
               <a:rPr lang="en-US" dirty="0"/>
-              <a:t>Prerequisites </a:t>
-            </a:r>
-          </a:p>
-        </p:txBody>
-      </p:sp>
-      <p:sp>
-        <p:nvSpPr>
-          <p:cNvPr id="3" name="Content Placeholder 2">
-            <a:extLst>
-              <a:ext uri="{FF2B5EF4-FFF2-40B4-BE49-F238E27FC236}">
-                <a16:creationId xmlns:a16="http://schemas.microsoft.com/office/drawing/2014/main" id="{6420E0E3-B7A2-4D43-9E12-6ABB0339C165}"/>
-              </a:ext>
-            </a:extLst>
-          </p:cNvPr>
-          <p:cNvSpPr>
-            <a:spLocks noGrp="1"/>
-          </p:cNvSpPr>
-          <p:nvPr>
-            <p:ph idx="1"/>
-          </p:nvPr>
-        </p:nvSpPr>
-        <p:spPr/>
-        <p:txBody>
-          <a:bodyPr/>
-          <a:lstStyle/>
-          <a:p>
-            <a:r>
-              <a:rPr lang="en-US" dirty="0"/>
-              <a:t>PowerShell</a:t>
-            </a:r>
-          </a:p>
-          <a:p>
-            <a:r>
-              <a:rPr lang="en-US" dirty="0"/>
-              <a:t>Discord Developer account</a:t>
-            </a:r>
-          </a:p>
-          <a:p>
-            <a:r>
-              <a:rPr lang="en-US" dirty="0"/>
-              <a:t>Azure Subscription</a:t>
-            </a:r>
+              <a:t>Why not </a:t>
+            </a:r>
+            <a:r>
+              <a:rPr lang="en-US" dirty="0" err="1"/>
+              <a:t>PoshBot</a:t>
+            </a:r>
+            <a:r>
+              <a:rPr lang="en-US" dirty="0"/>
+              <a:t>?</a:t>
+            </a:r>
+          </a:p>
+        </p:txBody>
+      </p:sp>
+      <p:sp>
+        <p:nvSpPr>
+          <p:cNvPr id="3" name="Text Placeholder 2">
+            <a:extLst>
+              <a:ext uri="{FF2B5EF4-FFF2-40B4-BE49-F238E27FC236}">
+                <a16:creationId xmlns:a16="http://schemas.microsoft.com/office/drawing/2014/main" id="{F5A7471A-1757-8515-2692-E4FFB1DBBBC1}"/>
+              </a:ext>
+            </a:extLst>
+          </p:cNvPr>
+          <p:cNvSpPr>
+            <a:spLocks noGrp="1"/>
+          </p:cNvSpPr>
+          <p:nvPr>
+            <p:ph type="body" idx="1"/>
+          </p:nvPr>
+        </p:nvSpPr>
+        <p:spPr/>
+        <p:txBody>
+          <a:bodyPr/>
+          <a:lstStyle/>
+          <a:p>
+            <a:endParaRPr lang="en-US"/>
           </a:p>
         </p:txBody>
       </p:sp>
     </p:spTree>
     <p:extLst>
       <p:ext uri="{BB962C8B-B14F-4D97-AF65-F5344CB8AC3E}">
-        <p14:creationId xmlns:p14="http://schemas.microsoft.com/office/powerpoint/2010/main" val="4066512176"/>
+        <p14:creationId xmlns:p14="http://schemas.microsoft.com/office/powerpoint/2010/main" val="1197449079"/>
       </p:ext>
     </p:extLst>
   </p:cSld>
@@ -5539,7 +6692,7 @@
           <p:cNvPr id="2" name="Title 1">
             <a:extLst>
               <a:ext uri="{FF2B5EF4-FFF2-40B4-BE49-F238E27FC236}">
-                <a16:creationId xmlns:a16="http://schemas.microsoft.com/office/drawing/2014/main" id="{F1661924-E51B-4AA1-A1C5-C9AD9EE32D81}"/>
+                <a16:creationId xmlns:a16="http://schemas.microsoft.com/office/drawing/2014/main" id="{02CC5A8B-44BC-073C-D3C2-5B718FAEF40E}"/>
               </a:ext>
             </a:extLst>
           </p:cNvPr>
@@ -5557,7 +6710,7 @@
           <a:p>
             <a:r>
               <a:rPr lang="en-US" dirty="0"/>
-              <a:t>Demo Environment</a:t>
+              <a:t>Why?</a:t>
             </a:r>
           </a:p>
         </p:txBody>
@@ -5567,7 +6720,7 @@
           <p:cNvPr id="3" name="Content Placeholder 2">
             <a:extLst>
               <a:ext uri="{FF2B5EF4-FFF2-40B4-BE49-F238E27FC236}">
-                <a16:creationId xmlns:a16="http://schemas.microsoft.com/office/drawing/2014/main" id="{4FA49B7C-A4DE-4ADA-8216-70A81166A541}"/>
+                <a16:creationId xmlns:a16="http://schemas.microsoft.com/office/drawing/2014/main" id="{930ED509-E186-23A7-504B-32C5D62E7A40}"/>
               </a:ext>
             </a:extLst>
           </p:cNvPr>
@@ -5585,43 +6738,382 @@
           <a:p>
             <a:r>
               <a:rPr lang="en-US" dirty="0"/>
-              <a:t>Windows 10</a:t>
-            </a:r>
-          </a:p>
-          <a:p>
-            <a:r>
-              <a:rPr lang="en-US" dirty="0"/>
-              <a:t>VS Code (latest version)</a:t>
-            </a:r>
-          </a:p>
-          <a:p>
-            <a:r>
-              <a:rPr lang="en-US" dirty="0"/>
-              <a:t>PowerShell 7.2 (Azure Function)</a:t>
-            </a:r>
-          </a:p>
-          <a:p>
-            <a:r>
-              <a:rPr lang="en-US" dirty="0" err="1"/>
-              <a:t>Discord.Net.PowerShell</a:t>
-            </a:r>
-            <a:endParaRPr lang="en-US" dirty="0"/>
-          </a:p>
-          <a:p>
-            <a:endParaRPr lang="en-US" dirty="0"/>
+              <a:t>Background</a:t>
+            </a:r>
+          </a:p>
+          <a:p>
+            <a:r>
+              <a:rPr lang="en-US" dirty="0"/>
+              <a:t>Money</a:t>
+            </a:r>
+          </a:p>
+          <a:p>
+            <a:pPr lvl="1"/>
+            <a:r>
+              <a:rPr lang="en-US" dirty="0"/>
+              <a:t>Electricity is expensive</a:t>
+            </a:r>
+          </a:p>
+          <a:p>
+            <a:pPr lvl="1"/>
+            <a:r>
+              <a:rPr lang="en-US" dirty="0"/>
+              <a:t>Azure VMs bill based on consumption</a:t>
+            </a:r>
+          </a:p>
+          <a:p>
+            <a:pPr lvl="1"/>
+            <a:r>
+              <a:rPr lang="en-US" dirty="0"/>
+              <a:t>Azure Functions bill based on consumption</a:t>
+            </a:r>
+          </a:p>
+          <a:p>
+            <a:r>
+              <a:rPr lang="en-US" dirty="0"/>
+              <a:t>Professional Development</a:t>
+            </a:r>
+          </a:p>
+          <a:p>
+            <a:r>
+              <a:rPr lang="en-US" dirty="0"/>
+              <a:t>Coolness factor</a:t>
+            </a:r>
           </a:p>
         </p:txBody>
       </p:sp>
     </p:spTree>
     <p:extLst>
       <p:ext uri="{BB962C8B-B14F-4D97-AF65-F5344CB8AC3E}">
-        <p14:creationId xmlns:p14="http://schemas.microsoft.com/office/powerpoint/2010/main" val="3298450064"/>
+        <p14:creationId xmlns:p14="http://schemas.microsoft.com/office/powerpoint/2010/main" val="4238755251"/>
       </p:ext>
     </p:extLst>
   </p:cSld>
   <p:clrMapOvr>
     <a:masterClrMapping/>
   </p:clrMapOvr>
+  <p:timing>
+    <p:tnLst>
+      <p:par>
+        <p:cTn id="1" dur="indefinite" restart="never" nodeType="tmRoot">
+          <p:childTnLst>
+            <p:seq concurrent="1" nextAc="seek">
+              <p:cTn id="2" dur="indefinite" nodeType="mainSeq">
+                <p:childTnLst>
+                  <p:par>
+                    <p:cTn id="3" fill="hold">
+                      <p:stCondLst>
+                        <p:cond delay="indefinite"/>
+                      </p:stCondLst>
+                      <p:childTnLst>
+                        <p:par>
+                          <p:cTn id="4" fill="hold">
+                            <p:stCondLst>
+                              <p:cond delay="0"/>
+                            </p:stCondLst>
+                            <p:childTnLst>
+                              <p:par>
+                                <p:cTn id="5" presetID="1" presetClass="entr" presetSubtype="0" fill="hold" grpId="0" nodeType="clickEffect">
+                                  <p:stCondLst>
+                                    <p:cond delay="0"/>
+                                  </p:stCondLst>
+                                  <p:childTnLst>
+                                    <p:set>
+                                      <p:cBhvr>
+                                        <p:cTn id="6" dur="1" fill="hold">
+                                          <p:stCondLst>
+                                            <p:cond delay="0"/>
+                                          </p:stCondLst>
+                                        </p:cTn>
+                                        <p:tgtEl>
+                                          <p:spTgt spid="3">
+                                            <p:txEl>
+                                              <p:pRg st="0" end="0"/>
+                                            </p:txEl>
+                                          </p:spTgt>
+                                        </p:tgtEl>
+                                        <p:attrNameLst>
+                                          <p:attrName>style.visibility</p:attrName>
+                                        </p:attrNameLst>
+                                      </p:cBhvr>
+                                      <p:to>
+                                        <p:strVal val="visible"/>
+                                      </p:to>
+                                    </p:set>
+                                  </p:childTnLst>
+                                </p:cTn>
+                              </p:par>
+                            </p:childTnLst>
+                          </p:cTn>
+                        </p:par>
+                      </p:childTnLst>
+                    </p:cTn>
+                  </p:par>
+                  <p:par>
+                    <p:cTn id="7" fill="hold">
+                      <p:stCondLst>
+                        <p:cond delay="indefinite"/>
+                      </p:stCondLst>
+                      <p:childTnLst>
+                        <p:par>
+                          <p:cTn id="8" fill="hold">
+                            <p:stCondLst>
+                              <p:cond delay="0"/>
+                            </p:stCondLst>
+                            <p:childTnLst>
+                              <p:par>
+                                <p:cTn id="9" presetID="1" presetClass="entr" presetSubtype="0" fill="hold" grpId="0" nodeType="clickEffect">
+                                  <p:stCondLst>
+                                    <p:cond delay="0"/>
+                                  </p:stCondLst>
+                                  <p:childTnLst>
+                                    <p:set>
+                                      <p:cBhvr>
+                                        <p:cTn id="10" dur="1" fill="hold">
+                                          <p:stCondLst>
+                                            <p:cond delay="0"/>
+                                          </p:stCondLst>
+                                        </p:cTn>
+                                        <p:tgtEl>
+                                          <p:spTgt spid="3">
+                                            <p:txEl>
+                                              <p:pRg st="1" end="1"/>
+                                            </p:txEl>
+                                          </p:spTgt>
+                                        </p:tgtEl>
+                                        <p:attrNameLst>
+                                          <p:attrName>style.visibility</p:attrName>
+                                        </p:attrNameLst>
+                                      </p:cBhvr>
+                                      <p:to>
+                                        <p:strVal val="visible"/>
+                                      </p:to>
+                                    </p:set>
+                                  </p:childTnLst>
+                                </p:cTn>
+                              </p:par>
+                              <p:par>
+                                <p:cTn id="11" presetID="1" presetClass="entr" presetSubtype="0" fill="hold" grpId="0" nodeType="withEffect">
+                                  <p:stCondLst>
+                                    <p:cond delay="0"/>
+                                  </p:stCondLst>
+                                  <p:childTnLst>
+                                    <p:set>
+                                      <p:cBhvr>
+                                        <p:cTn id="12" dur="1" fill="hold">
+                                          <p:stCondLst>
+                                            <p:cond delay="0"/>
+                                          </p:stCondLst>
+                                        </p:cTn>
+                                        <p:tgtEl>
+                                          <p:spTgt spid="3">
+                                            <p:txEl>
+                                              <p:pRg st="2" end="2"/>
+                                            </p:txEl>
+                                          </p:spTgt>
+                                        </p:tgtEl>
+                                        <p:attrNameLst>
+                                          <p:attrName>style.visibility</p:attrName>
+                                        </p:attrNameLst>
+                                      </p:cBhvr>
+                                      <p:to>
+                                        <p:strVal val="visible"/>
+                                      </p:to>
+                                    </p:set>
+                                  </p:childTnLst>
+                                </p:cTn>
+                              </p:par>
+                              <p:par>
+                                <p:cTn id="13" presetID="1" presetClass="entr" presetSubtype="0" fill="hold" grpId="0" nodeType="withEffect">
+                                  <p:stCondLst>
+                                    <p:cond delay="0"/>
+                                  </p:stCondLst>
+                                  <p:childTnLst>
+                                    <p:set>
+                                      <p:cBhvr>
+                                        <p:cTn id="14" dur="1" fill="hold">
+                                          <p:stCondLst>
+                                            <p:cond delay="0"/>
+                                          </p:stCondLst>
+                                        </p:cTn>
+                                        <p:tgtEl>
+                                          <p:spTgt spid="3">
+                                            <p:txEl>
+                                              <p:pRg st="3" end="3"/>
+                                            </p:txEl>
+                                          </p:spTgt>
+                                        </p:tgtEl>
+                                        <p:attrNameLst>
+                                          <p:attrName>style.visibility</p:attrName>
+                                        </p:attrNameLst>
+                                      </p:cBhvr>
+                                      <p:to>
+                                        <p:strVal val="visible"/>
+                                      </p:to>
+                                    </p:set>
+                                  </p:childTnLst>
+                                </p:cTn>
+                              </p:par>
+                              <p:par>
+                                <p:cTn id="15" presetID="1" presetClass="entr" presetSubtype="0" fill="hold" grpId="0" nodeType="withEffect">
+                                  <p:stCondLst>
+                                    <p:cond delay="0"/>
+                                  </p:stCondLst>
+                                  <p:childTnLst>
+                                    <p:set>
+                                      <p:cBhvr>
+                                        <p:cTn id="16" dur="1" fill="hold">
+                                          <p:stCondLst>
+                                            <p:cond delay="0"/>
+                                          </p:stCondLst>
+                                        </p:cTn>
+                                        <p:tgtEl>
+                                          <p:spTgt spid="3">
+                                            <p:txEl>
+                                              <p:pRg st="4" end="4"/>
+                                            </p:txEl>
+                                          </p:spTgt>
+                                        </p:tgtEl>
+                                        <p:attrNameLst>
+                                          <p:attrName>style.visibility</p:attrName>
+                                        </p:attrNameLst>
+                                      </p:cBhvr>
+                                      <p:to>
+                                        <p:strVal val="visible"/>
+                                      </p:to>
+                                    </p:set>
+                                  </p:childTnLst>
+                                </p:cTn>
+                              </p:par>
+                            </p:childTnLst>
+                          </p:cTn>
+                        </p:par>
+                      </p:childTnLst>
+                    </p:cTn>
+                  </p:par>
+                  <p:par>
+                    <p:cTn id="17" fill="hold">
+                      <p:stCondLst>
+                        <p:cond delay="indefinite"/>
+                      </p:stCondLst>
+                      <p:childTnLst>
+                        <p:par>
+                          <p:cTn id="18" fill="hold">
+                            <p:stCondLst>
+                              <p:cond delay="0"/>
+                            </p:stCondLst>
+                            <p:childTnLst>
+                              <p:par>
+                                <p:cTn id="19" presetID="1" presetClass="entr" presetSubtype="0" fill="hold" grpId="0" nodeType="clickEffect">
+                                  <p:stCondLst>
+                                    <p:cond delay="0"/>
+                                  </p:stCondLst>
+                                  <p:childTnLst>
+                                    <p:set>
+                                      <p:cBhvr>
+                                        <p:cTn id="20" dur="1" fill="hold">
+                                          <p:stCondLst>
+                                            <p:cond delay="0"/>
+                                          </p:stCondLst>
+                                        </p:cTn>
+                                        <p:tgtEl>
+                                          <p:spTgt spid="3">
+                                            <p:txEl>
+                                              <p:pRg st="5" end="5"/>
+                                            </p:txEl>
+                                          </p:spTgt>
+                                        </p:tgtEl>
+                                        <p:attrNameLst>
+                                          <p:attrName>style.visibility</p:attrName>
+                                        </p:attrNameLst>
+                                      </p:cBhvr>
+                                      <p:to>
+                                        <p:strVal val="visible"/>
+                                      </p:to>
+                                    </p:set>
+                                  </p:childTnLst>
+                                </p:cTn>
+                              </p:par>
+                            </p:childTnLst>
+                          </p:cTn>
+                        </p:par>
+                      </p:childTnLst>
+                    </p:cTn>
+                  </p:par>
+                  <p:par>
+                    <p:cTn id="21" fill="hold">
+                      <p:stCondLst>
+                        <p:cond delay="indefinite"/>
+                      </p:stCondLst>
+                      <p:childTnLst>
+                        <p:par>
+                          <p:cTn id="22" fill="hold">
+                            <p:stCondLst>
+                              <p:cond delay="0"/>
+                            </p:stCondLst>
+                            <p:childTnLst>
+                              <p:par>
+                                <p:cTn id="23" presetID="1" presetClass="entr" presetSubtype="0" fill="hold" grpId="0" nodeType="clickEffect">
+                                  <p:stCondLst>
+                                    <p:cond delay="0"/>
+                                  </p:stCondLst>
+                                  <p:childTnLst>
+                                    <p:set>
+                                      <p:cBhvr>
+                                        <p:cTn id="24" dur="1" fill="hold">
+                                          <p:stCondLst>
+                                            <p:cond delay="0"/>
+                                          </p:stCondLst>
+                                        </p:cTn>
+                                        <p:tgtEl>
+                                          <p:spTgt spid="3">
+                                            <p:txEl>
+                                              <p:pRg st="6" end="6"/>
+                                            </p:txEl>
+                                          </p:spTgt>
+                                        </p:tgtEl>
+                                        <p:attrNameLst>
+                                          <p:attrName>style.visibility</p:attrName>
+                                        </p:attrNameLst>
+                                      </p:cBhvr>
+                                      <p:to>
+                                        <p:strVal val="visible"/>
+                                      </p:to>
+                                    </p:set>
+                                  </p:childTnLst>
+                                </p:cTn>
+                              </p:par>
+                            </p:childTnLst>
+                          </p:cTn>
+                        </p:par>
+                      </p:childTnLst>
+                    </p:cTn>
+                  </p:par>
+                </p:childTnLst>
+              </p:cTn>
+              <p:prevCondLst>
+                <p:cond evt="onPrev" delay="0">
+                  <p:tgtEl>
+                    <p:sldTgt/>
+                  </p:tgtEl>
+                </p:cond>
+              </p:prevCondLst>
+              <p:nextCondLst>
+                <p:cond evt="onNext" delay="0">
+                  <p:tgtEl>
+                    <p:sldTgt/>
+                  </p:tgtEl>
+                </p:cond>
+              </p:nextCondLst>
+            </p:seq>
+          </p:childTnLst>
+        </p:cTn>
+      </p:par>
+    </p:tnLst>
+    <p:bldLst>
+      <p:bldP spid="3" grpId="0" uiExpand="1" build="p"/>
+    </p:bldLst>
+  </p:timing>
 </p:sld>
 </file>
 
@@ -5647,7 +7139,7 @@
           <p:cNvPr id="2" name="Title 1">
             <a:extLst>
               <a:ext uri="{FF2B5EF4-FFF2-40B4-BE49-F238E27FC236}">
-                <a16:creationId xmlns:a16="http://schemas.microsoft.com/office/drawing/2014/main" id="{E49CDC3A-FC08-4ED5-87EF-D4CE6A050B23}"/>
+                <a16:creationId xmlns:a16="http://schemas.microsoft.com/office/drawing/2014/main" id="{B73EF371-0C39-1227-95E4-53F8C3989F22}"/>
               </a:ext>
             </a:extLst>
           </p:cNvPr>
@@ -5665,40 +7157,69 @@
           <a:p>
             <a:r>
               <a:rPr lang="en-US" dirty="0"/>
-              <a:t>Discord Slash Commands</a:t>
-            </a:r>
-          </a:p>
-        </p:txBody>
-      </p:sp>
-      <p:sp>
-        <p:nvSpPr>
-          <p:cNvPr id="3" name="Text Placeholder 2">
-            <a:extLst>
-              <a:ext uri="{FF2B5EF4-FFF2-40B4-BE49-F238E27FC236}">
-                <a16:creationId xmlns:a16="http://schemas.microsoft.com/office/drawing/2014/main" id="{270B8181-23B2-688B-72BF-4A7C276F9FB3}"/>
-              </a:ext>
-            </a:extLst>
-          </p:cNvPr>
-          <p:cNvSpPr>
-            <a:spLocks noGrp="1"/>
-          </p:cNvSpPr>
-          <p:nvPr>
-            <p:ph type="body" idx="1"/>
-          </p:nvPr>
-        </p:nvSpPr>
-        <p:spPr/>
-        <p:txBody>
-          <a:bodyPr/>
-          <a:lstStyle/>
-          <a:p>
+              <a:t>Current Approximate Cost</a:t>
+            </a:r>
+          </a:p>
+        </p:txBody>
+      </p:sp>
+      <p:sp>
+        <p:nvSpPr>
+          <p:cNvPr id="3" name="Content Placeholder 2">
+            <a:extLst>
+              <a:ext uri="{FF2B5EF4-FFF2-40B4-BE49-F238E27FC236}">
+                <a16:creationId xmlns:a16="http://schemas.microsoft.com/office/drawing/2014/main" id="{E4DCC9F6-5F1C-F465-20DD-FE29DC703729}"/>
+              </a:ext>
+            </a:extLst>
+          </p:cNvPr>
+          <p:cNvSpPr>
+            <a:spLocks noGrp="1"/>
+          </p:cNvSpPr>
+          <p:nvPr>
+            <p:ph idx="1"/>
+          </p:nvPr>
+        </p:nvSpPr>
+        <p:spPr/>
+        <p:txBody>
+          <a:bodyPr/>
+          <a:lstStyle/>
+          <a:p>
+            <a:r>
+              <a:rPr lang="en-US" dirty="0"/>
+              <a:t>~$3/</a:t>
+            </a:r>
+            <a:r>
+              <a:rPr lang="en-US" dirty="0" err="1"/>
+              <a:t>mo</a:t>
+            </a:r>
             <a:endParaRPr lang="en-US" dirty="0"/>
+          </a:p>
+          <a:p>
+            <a:pPr lvl="1"/>
+            <a:r>
+              <a:rPr lang="en-US" dirty="0"/>
+              <a:t>Function App - $0.04</a:t>
+            </a:r>
+          </a:p>
+          <a:p>
+            <a:pPr lvl="1"/>
+            <a:r>
+              <a:rPr lang="en-US" dirty="0"/>
+              <a:t>Storage Account - $1.72</a:t>
+            </a:r>
+          </a:p>
+          <a:p>
+            <a:pPr lvl="1"/>
+            <a:r>
+              <a:rPr lang="en-US" dirty="0"/>
+              <a:t>Application Insights - $1.25 (Optional)</a:t>
+            </a:r>
           </a:p>
         </p:txBody>
       </p:sp>
     </p:spTree>
     <p:extLst>
       <p:ext uri="{BB962C8B-B14F-4D97-AF65-F5344CB8AC3E}">
-        <p14:creationId xmlns:p14="http://schemas.microsoft.com/office/powerpoint/2010/main" val="1551670895"/>
+        <p14:creationId xmlns:p14="http://schemas.microsoft.com/office/powerpoint/2010/main" val="3660280430"/>
       </p:ext>
     </p:extLst>
   </p:cSld>
@@ -5730,7 +7251,7 @@
           <p:cNvPr id="2" name="Title 1">
             <a:extLst>
               <a:ext uri="{FF2B5EF4-FFF2-40B4-BE49-F238E27FC236}">
-                <a16:creationId xmlns:a16="http://schemas.microsoft.com/office/drawing/2014/main" id="{18133B67-FEE0-DF4C-4D80-404858A55DF3}"/>
+                <a16:creationId xmlns:a16="http://schemas.microsoft.com/office/drawing/2014/main" id="{1A16CADC-806C-3EC0-C13A-5771591E4277}"/>
               </a:ext>
             </a:extLst>
           </p:cNvPr>
@@ -5746,39 +7267,61 @@
           <a:bodyPr/>
           <a:lstStyle/>
           <a:p>
-            <a:endParaRPr lang="en-US" dirty="0"/>
-          </a:p>
-        </p:txBody>
-      </p:sp>
-      <p:sp>
-        <p:nvSpPr>
-          <p:cNvPr id="3" name="Text Placeholder 2">
-            <a:extLst>
-              <a:ext uri="{FF2B5EF4-FFF2-40B4-BE49-F238E27FC236}">
-                <a16:creationId xmlns:a16="http://schemas.microsoft.com/office/drawing/2014/main" id="{B371DC88-83BE-A49F-AF45-9FE8B3584FA9}"/>
-              </a:ext>
-            </a:extLst>
-          </p:cNvPr>
-          <p:cNvSpPr>
-            <a:spLocks noGrp="1"/>
-          </p:cNvSpPr>
-          <p:nvPr>
-            <p:ph type="body" idx="1"/>
-          </p:nvPr>
-        </p:nvSpPr>
-        <p:spPr/>
-        <p:txBody>
-          <a:bodyPr/>
-          <a:lstStyle/>
-          <a:p>
-            <a:r>
-              <a:rPr lang="en-US" dirty="0">
-                <a:solidFill>
-                  <a:schemeClr val="tx1"/>
-                </a:solidFill>
-                <a:latin typeface="Consolas" panose="020B0609020204030204" pitchFamily="49" charset="0"/>
-              </a:rPr>
-              <a:t>Slash command demo…</a:t>
+            <a:r>
+              <a:rPr lang="en-US" dirty="0"/>
+              <a:t>Goals</a:t>
+            </a:r>
+          </a:p>
+        </p:txBody>
+      </p:sp>
+      <p:sp>
+        <p:nvSpPr>
+          <p:cNvPr id="3" name="Content Placeholder 2">
+            <a:extLst>
+              <a:ext uri="{FF2B5EF4-FFF2-40B4-BE49-F238E27FC236}">
+                <a16:creationId xmlns:a16="http://schemas.microsoft.com/office/drawing/2014/main" id="{2F1E81C0-E292-6CDF-C19B-1E67F1F70199}"/>
+              </a:ext>
+            </a:extLst>
+          </p:cNvPr>
+          <p:cNvSpPr>
+            <a:spLocks noGrp="1"/>
+          </p:cNvSpPr>
+          <p:nvPr>
+            <p:ph idx="1"/>
+          </p:nvPr>
+        </p:nvSpPr>
+        <p:spPr/>
+        <p:txBody>
+          <a:bodyPr/>
+          <a:lstStyle/>
+          <a:p>
+            <a:r>
+              <a:rPr lang="en-US" dirty="0"/>
+              <a:t>Discord Bot</a:t>
+            </a:r>
+          </a:p>
+          <a:p>
+            <a:r>
+              <a:rPr lang="en-US" dirty="0"/>
+              <a:t>Azure Based</a:t>
+            </a:r>
+          </a:p>
+          <a:p>
+            <a:r>
+              <a:rPr lang="en-US" dirty="0"/>
+              <a:t>Inexpensive</a:t>
+            </a:r>
+          </a:p>
+          <a:p>
+            <a:r>
+              <a:rPr lang="en-US" dirty="0"/>
+              <a:t>Fast</a:t>
+            </a:r>
+          </a:p>
+          <a:p>
+            <a:r>
+              <a:rPr lang="en-US" dirty="0"/>
+              <a:t>PowerShell</a:t>
             </a:r>
           </a:p>
         </p:txBody>
@@ -5786,7 +7329,7 @@
     </p:spTree>
     <p:extLst>
       <p:ext uri="{BB962C8B-B14F-4D97-AF65-F5344CB8AC3E}">
-        <p14:creationId xmlns:p14="http://schemas.microsoft.com/office/powerpoint/2010/main" val="3755173048"/>
+        <p14:creationId xmlns:p14="http://schemas.microsoft.com/office/powerpoint/2010/main" val="3523797473"/>
       </p:ext>
     </p:extLst>
   </p:cSld>
@@ -6089,4 +7632,299 @@
     </a:ext>
   </a:extLst>
 </a:theme>
+</file>
+
+<file path=ppt/theme/theme2.xml><?xml version="1.0" encoding="utf-8"?>
+<a:theme xmlns:a="http://schemas.openxmlformats.org/drawingml/2006/main" name="Office Theme">
+  <a:themeElements>
+    <a:clrScheme name="Office">
+      <a:dk1>
+        <a:sysClr val="windowText" lastClr="000000"/>
+      </a:dk1>
+      <a:lt1>
+        <a:sysClr val="window" lastClr="FFFFFF"/>
+      </a:lt1>
+      <a:dk2>
+        <a:srgbClr val="44546A"/>
+      </a:dk2>
+      <a:lt2>
+        <a:srgbClr val="E7E6E6"/>
+      </a:lt2>
+      <a:accent1>
+        <a:srgbClr val="4472C4"/>
+      </a:accent1>
+      <a:accent2>
+        <a:srgbClr val="ED7D31"/>
+      </a:accent2>
+      <a:accent3>
+        <a:srgbClr val="A5A5A5"/>
+      </a:accent3>
+      <a:accent4>
+        <a:srgbClr val="FFC000"/>
+      </a:accent4>
+      <a:accent5>
+        <a:srgbClr val="5B9BD5"/>
+      </a:accent5>
+      <a:accent6>
+        <a:srgbClr val="70AD47"/>
+      </a:accent6>
+      <a:hlink>
+        <a:srgbClr val="0563C1"/>
+      </a:hlink>
+      <a:folHlink>
+        <a:srgbClr val="954F72"/>
+      </a:folHlink>
+    </a:clrScheme>
+    <a:fontScheme name="Office">
+      <a:majorFont>
+        <a:latin typeface="Calibri Light" panose="020F0302020204030204"/>
+        <a:ea typeface=""/>
+        <a:cs typeface=""/>
+        <a:font script="Jpan" typeface="游ゴシック Light"/>
+        <a:font script="Hang" typeface="맑은 고딕"/>
+        <a:font script="Hans" typeface="等线 Light"/>
+        <a:font script="Hant" typeface="新細明體"/>
+        <a:font script="Arab" typeface="Times New Roman"/>
+        <a:font script="Hebr" typeface="Times New Roman"/>
+        <a:font script="Thai" typeface="Angsana New"/>
+        <a:font script="Ethi" typeface="Nyala"/>
+        <a:font script="Beng" typeface="Vrinda"/>
+        <a:font script="Gujr" typeface="Shruti"/>
+        <a:font script="Khmr" typeface="MoolBoran"/>
+        <a:font script="Knda" typeface="Tunga"/>
+        <a:font script="Guru" typeface="Raavi"/>
+        <a:font script="Cans" typeface="Euphemia"/>
+        <a:font script="Cher" typeface="Plantagenet Cherokee"/>
+        <a:font script="Yiii" typeface="Microsoft Yi Baiti"/>
+        <a:font script="Tibt" typeface="Microsoft Himalaya"/>
+        <a:font script="Thaa" typeface="MV Boli"/>
+        <a:font script="Deva" typeface="Mangal"/>
+        <a:font script="Telu" typeface="Gautami"/>
+        <a:font script="Taml" typeface="Latha"/>
+        <a:font script="Syrc" typeface="Estrangelo Edessa"/>
+        <a:font script="Orya" typeface="Kalinga"/>
+        <a:font script="Mlym" typeface="Kartika"/>
+        <a:font script="Laoo" typeface="DokChampa"/>
+        <a:font script="Sinh" typeface="Iskoola Pota"/>
+        <a:font script="Mong" typeface="Mongolian Baiti"/>
+        <a:font script="Viet" typeface="Times New Roman"/>
+        <a:font script="Uigh" typeface="Microsoft Uighur"/>
+        <a:font script="Geor" typeface="Sylfaen"/>
+        <a:font script="Armn" typeface="Arial"/>
+        <a:font script="Bugi" typeface="Leelawadee UI"/>
+        <a:font script="Bopo" typeface="Microsoft JhengHei"/>
+        <a:font script="Java" typeface="Javanese Text"/>
+        <a:font script="Lisu" typeface="Segoe UI"/>
+        <a:font script="Mymr" typeface="Myanmar Text"/>
+        <a:font script="Nkoo" typeface="Ebrima"/>
+        <a:font script="Olck" typeface="Nirmala UI"/>
+        <a:font script="Osma" typeface="Ebrima"/>
+        <a:font script="Phag" typeface="Phagspa"/>
+        <a:font script="Syrn" typeface="Estrangelo Edessa"/>
+        <a:font script="Syrj" typeface="Estrangelo Edessa"/>
+        <a:font script="Syre" typeface="Estrangelo Edessa"/>
+        <a:font script="Sora" typeface="Nirmala UI"/>
+        <a:font script="Tale" typeface="Microsoft Tai Le"/>
+        <a:font script="Talu" typeface="Microsoft New Tai Lue"/>
+        <a:font script="Tfng" typeface="Ebrima"/>
+      </a:majorFont>
+      <a:minorFont>
+        <a:latin typeface="Calibri" panose="020F0502020204030204"/>
+        <a:ea typeface=""/>
+        <a:cs typeface=""/>
+        <a:font script="Jpan" typeface="游ゴシック"/>
+        <a:font script="Hang" typeface="맑은 고딕"/>
+        <a:font script="Hans" typeface="等线"/>
+        <a:font script="Hant" typeface="新細明體"/>
+        <a:font script="Arab" typeface="Arial"/>
+        <a:font script="Hebr" typeface="Arial"/>
+        <a:font script="Thai" typeface="Cordia New"/>
+        <a:font script="Ethi" typeface="Nyala"/>
+        <a:font script="Beng" typeface="Vrinda"/>
+        <a:font script="Gujr" typeface="Shruti"/>
+        <a:font script="Khmr" typeface="DaunPenh"/>
+        <a:font script="Knda" typeface="Tunga"/>
+        <a:font script="Guru" typeface="Raavi"/>
+        <a:font script="Cans" typeface="Euphemia"/>
+        <a:font script="Cher" typeface="Plantagenet Cherokee"/>
+        <a:font script="Yiii" typeface="Microsoft Yi Baiti"/>
+        <a:font script="Tibt" typeface="Microsoft Himalaya"/>
+        <a:font script="Thaa" typeface="MV Boli"/>
+        <a:font script="Deva" typeface="Mangal"/>
+        <a:font script="Telu" typeface="Gautami"/>
+        <a:font script="Taml" typeface="Latha"/>
+        <a:font script="Syrc" typeface="Estrangelo Edessa"/>
+        <a:font script="Orya" typeface="Kalinga"/>
+        <a:font script="Mlym" typeface="Kartika"/>
+        <a:font script="Laoo" typeface="DokChampa"/>
+        <a:font script="Sinh" typeface="Iskoola Pota"/>
+        <a:font script="Mong" typeface="Mongolian Baiti"/>
+        <a:font script="Viet" typeface="Arial"/>
+        <a:font script="Uigh" typeface="Microsoft Uighur"/>
+        <a:font script="Geor" typeface="Sylfaen"/>
+        <a:font script="Armn" typeface="Arial"/>
+        <a:font script="Bugi" typeface="Leelawadee UI"/>
+        <a:font script="Bopo" typeface="Microsoft JhengHei"/>
+        <a:font script="Java" typeface="Javanese Text"/>
+        <a:font script="Lisu" typeface="Segoe UI"/>
+        <a:font script="Mymr" typeface="Myanmar Text"/>
+        <a:font script="Nkoo" typeface="Ebrima"/>
+        <a:font script="Olck" typeface="Nirmala UI"/>
+        <a:font script="Osma" typeface="Ebrima"/>
+        <a:font script="Phag" typeface="Phagspa"/>
+        <a:font script="Syrn" typeface="Estrangelo Edessa"/>
+        <a:font script="Syrj" typeface="Estrangelo Edessa"/>
+        <a:font script="Syre" typeface="Estrangelo Edessa"/>
+        <a:font script="Sora" typeface="Nirmala UI"/>
+        <a:font script="Tale" typeface="Microsoft Tai Le"/>
+        <a:font script="Talu" typeface="Microsoft New Tai Lue"/>
+        <a:font script="Tfng" typeface="Ebrima"/>
+      </a:minorFont>
+    </a:fontScheme>
+    <a:fmtScheme name="Office">
+      <a:fillStyleLst>
+        <a:solidFill>
+          <a:schemeClr val="phClr"/>
+        </a:solidFill>
+        <a:gradFill rotWithShape="1">
+          <a:gsLst>
+            <a:gs pos="0">
+              <a:schemeClr val="phClr">
+                <a:lumMod val="110000"/>
+                <a:satMod val="105000"/>
+                <a:tint val="67000"/>
+              </a:schemeClr>
+            </a:gs>
+            <a:gs pos="50000">
+              <a:schemeClr val="phClr">
+                <a:lumMod val="105000"/>
+                <a:satMod val="103000"/>
+                <a:tint val="73000"/>
+              </a:schemeClr>
+            </a:gs>
+            <a:gs pos="100000">
+              <a:schemeClr val="phClr">
+                <a:lumMod val="105000"/>
+                <a:satMod val="109000"/>
+                <a:tint val="81000"/>
+              </a:schemeClr>
+            </a:gs>
+          </a:gsLst>
+          <a:lin ang="5400000" scaled="0"/>
+        </a:gradFill>
+        <a:gradFill rotWithShape="1">
+          <a:gsLst>
+            <a:gs pos="0">
+              <a:schemeClr val="phClr">
+                <a:satMod val="103000"/>
+                <a:lumMod val="102000"/>
+                <a:tint val="94000"/>
+              </a:schemeClr>
+            </a:gs>
+            <a:gs pos="50000">
+              <a:schemeClr val="phClr">
+                <a:satMod val="110000"/>
+                <a:lumMod val="100000"/>
+                <a:shade val="100000"/>
+              </a:schemeClr>
+            </a:gs>
+            <a:gs pos="100000">
+              <a:schemeClr val="phClr">
+                <a:lumMod val="99000"/>
+                <a:satMod val="120000"/>
+                <a:shade val="78000"/>
+              </a:schemeClr>
+            </a:gs>
+          </a:gsLst>
+          <a:lin ang="5400000" scaled="0"/>
+        </a:gradFill>
+      </a:fillStyleLst>
+      <a:lnStyleLst>
+        <a:ln w="6350" cap="flat" cmpd="sng" algn="ctr">
+          <a:solidFill>
+            <a:schemeClr val="phClr"/>
+          </a:solidFill>
+          <a:prstDash val="solid"/>
+          <a:miter lim="800000"/>
+        </a:ln>
+        <a:ln w="12700" cap="flat" cmpd="sng" algn="ctr">
+          <a:solidFill>
+            <a:schemeClr val="phClr"/>
+          </a:solidFill>
+          <a:prstDash val="solid"/>
+          <a:miter lim="800000"/>
+        </a:ln>
+        <a:ln w="19050" cap="flat" cmpd="sng" algn="ctr">
+          <a:solidFill>
+            <a:schemeClr val="phClr"/>
+          </a:solidFill>
+          <a:prstDash val="solid"/>
+          <a:miter lim="800000"/>
+        </a:ln>
+      </a:lnStyleLst>
+      <a:effectStyleLst>
+        <a:effectStyle>
+          <a:effectLst/>
+        </a:effectStyle>
+        <a:effectStyle>
+          <a:effectLst/>
+        </a:effectStyle>
+        <a:effectStyle>
+          <a:effectLst>
+            <a:outerShdw blurRad="57150" dist="19050" dir="5400000" algn="ctr" rotWithShape="0">
+              <a:srgbClr val="000000">
+                <a:alpha val="63000"/>
+              </a:srgbClr>
+            </a:outerShdw>
+          </a:effectLst>
+        </a:effectStyle>
+      </a:effectStyleLst>
+      <a:bgFillStyleLst>
+        <a:solidFill>
+          <a:schemeClr val="phClr"/>
+        </a:solidFill>
+        <a:solidFill>
+          <a:schemeClr val="phClr">
+            <a:tint val="95000"/>
+            <a:satMod val="170000"/>
+          </a:schemeClr>
+        </a:solidFill>
+        <a:gradFill rotWithShape="1">
+          <a:gsLst>
+            <a:gs pos="0">
+              <a:schemeClr val="phClr">
+                <a:tint val="93000"/>
+                <a:satMod val="150000"/>
+                <a:shade val="98000"/>
+                <a:lumMod val="102000"/>
+              </a:schemeClr>
+            </a:gs>
+            <a:gs pos="50000">
+              <a:schemeClr val="phClr">
+                <a:tint val="98000"/>
+                <a:satMod val="130000"/>
+                <a:shade val="90000"/>
+                <a:lumMod val="103000"/>
+              </a:schemeClr>
+            </a:gs>
+            <a:gs pos="100000">
+              <a:schemeClr val="phClr">
+                <a:shade val="63000"/>
+                <a:satMod val="120000"/>
+              </a:schemeClr>
+            </a:gs>
+          </a:gsLst>
+          <a:lin ang="5400000" scaled="0"/>
+        </a:gradFill>
+      </a:bgFillStyleLst>
+    </a:fmtScheme>
+  </a:themeElements>
+  <a:objectDefaults/>
+  <a:extraClrSchemeLst/>
+  <a:extLst>
+    <a:ext uri="{05A4C25C-085E-4340-85A3-A5531E510DB2}">
+      <thm15:themeFamily xmlns:thm15="http://schemas.microsoft.com/office/thememl/2012/main" name="Office Theme" id="{62F939B6-93AF-4DB8-9C6B-D6C7DFDC589F}" vid="{4A3C46E8-61CC-4603-A589-7422A47A8E4A}"/>
+    </a:ext>
+  </a:extLst>
+</a:theme>
 </file>